--- a/week4/week4.pptx
+++ b/week4/week4.pptx
@@ -1,28 +1,32 @@
 
 <file path=ppt/presentation.xml><?xml version="1.0" encoding="utf-8"?>
-<p:presentation xmlns:a="http://schemas.openxmlformats.org/drawingml/2006/main" xmlns:p="http://schemas.openxmlformats.org/presentationml/2006/main" xmlns:r="http://schemas.openxmlformats.org/officeDocument/2006/relationships" autoCompressPictures="0" saveSubsetFonts="1">
+<p:presentation xmlns:a="http://schemas.openxmlformats.org/drawingml/2006/main" xmlns:r="http://schemas.openxmlformats.org/officeDocument/2006/relationships" xmlns:p="http://schemas.openxmlformats.org/presentationml/2006/main" saveSubsetFonts="1" autoCompressPictures="0">
   <p:sldMasterIdLst>
     <p:sldMasterId id="2147483648" r:id="rId1"/>
   </p:sldMasterIdLst>
   <p:sldIdLst>
     <p:sldId id="256" r:id="rId2"/>
-    <p:sldId id="257" r:id="rId3"/>
-    <p:sldId id="258" r:id="rId4"/>
-    <p:sldId id="259" r:id="rId5"/>
-    <p:sldId id="260" r:id="rId6"/>
-    <p:sldId id="261" r:id="rId7"/>
-    <p:sldId id="262" r:id="rId8"/>
-    <p:sldId id="263" r:id="rId9"/>
-    <p:sldId id="264" r:id="rId10"/>
-    <p:sldId id="265" r:id="rId11"/>
-    <p:sldId id="266" r:id="rId12"/>
-    <p:sldId id="267" r:id="rId13"/>
-    <p:sldId id="268" r:id="rId14"/>
-    <p:sldId id="269" r:id="rId15"/>
-    <p:sldId id="270" r:id="rId16"/>
-    <p:sldId id="271" r:id="rId17"/>
-    <p:sldId id="272" r:id="rId18"/>
-    <p:sldId id="273" r:id="rId19"/>
+    <p:sldId id="275" r:id="rId3"/>
+    <p:sldId id="257" r:id="rId4"/>
+    <p:sldId id="258" r:id="rId5"/>
+    <p:sldId id="259" r:id="rId6"/>
+    <p:sldId id="260" r:id="rId7"/>
+    <p:sldId id="261" r:id="rId8"/>
+    <p:sldId id="262" r:id="rId9"/>
+    <p:sldId id="263" r:id="rId10"/>
+    <p:sldId id="276" r:id="rId11"/>
+    <p:sldId id="264" r:id="rId12"/>
+    <p:sldId id="265" r:id="rId13"/>
+    <p:sldId id="266" r:id="rId14"/>
+    <p:sldId id="267" r:id="rId15"/>
+    <p:sldId id="268" r:id="rId16"/>
+    <p:sldId id="269" r:id="rId17"/>
+    <p:sldId id="277" r:id="rId18"/>
+    <p:sldId id="270" r:id="rId19"/>
+    <p:sldId id="271" r:id="rId20"/>
+    <p:sldId id="272" r:id="rId21"/>
+    <p:sldId id="273" r:id="rId22"/>
+    <p:sldId id="274" r:id="rId23"/>
   </p:sldIdLst>
   <p:sldSz cx="9144000" cy="5143500" type="screen16x9"/>
   <p:notesSz cx="6858000" cy="9144000"/>
@@ -30,8 +34,8 @@
     <a:defPPr>
       <a:defRPr lang="en-US"/>
     </a:defPPr>
-    <a:lvl1pPr algn="l" defTabSz="457200" eaLnBrk="1" hangingPunct="1" latinLnBrk="0" marL="0" rtl="0">
-      <a:defRPr kern="1200" sz="1800">
+    <a:lvl1pPr marL="0" algn="l" defTabSz="457200" rtl="0" eaLnBrk="1" latinLnBrk="0" hangingPunct="1">
+      <a:defRPr sz="1800" kern="1200">
         <a:solidFill>
           <a:schemeClr val="tx1"/>
         </a:solidFill>
@@ -40,8 +44,8 @@
         <a:cs typeface="+mn-cs"/>
       </a:defRPr>
     </a:lvl1pPr>
-    <a:lvl2pPr algn="l" defTabSz="457200" eaLnBrk="1" hangingPunct="1" latinLnBrk="0" marL="457200" rtl="0">
-      <a:defRPr kern="1200" sz="1800">
+    <a:lvl2pPr marL="457200" algn="l" defTabSz="457200" rtl="0" eaLnBrk="1" latinLnBrk="0" hangingPunct="1">
+      <a:defRPr sz="1800" kern="1200">
         <a:solidFill>
           <a:schemeClr val="tx1"/>
         </a:solidFill>
@@ -50,8 +54,8 @@
         <a:cs typeface="+mn-cs"/>
       </a:defRPr>
     </a:lvl2pPr>
-    <a:lvl3pPr algn="l" defTabSz="457200" eaLnBrk="1" hangingPunct="1" latinLnBrk="0" marL="914400" rtl="0">
-      <a:defRPr kern="1200" sz="1800">
+    <a:lvl3pPr marL="914400" algn="l" defTabSz="457200" rtl="0" eaLnBrk="1" latinLnBrk="0" hangingPunct="1">
+      <a:defRPr sz="1800" kern="1200">
         <a:solidFill>
           <a:schemeClr val="tx1"/>
         </a:solidFill>
@@ -60,8 +64,8 @@
         <a:cs typeface="+mn-cs"/>
       </a:defRPr>
     </a:lvl3pPr>
-    <a:lvl4pPr algn="l" defTabSz="457200" eaLnBrk="1" hangingPunct="1" latinLnBrk="0" marL="1371600" rtl="0">
-      <a:defRPr kern="1200" sz="1800">
+    <a:lvl4pPr marL="1371600" algn="l" defTabSz="457200" rtl="0" eaLnBrk="1" latinLnBrk="0" hangingPunct="1">
+      <a:defRPr sz="1800" kern="1200">
         <a:solidFill>
           <a:schemeClr val="tx1"/>
         </a:solidFill>
@@ -70,8 +74,8 @@
         <a:cs typeface="+mn-cs"/>
       </a:defRPr>
     </a:lvl4pPr>
-    <a:lvl5pPr algn="l" defTabSz="457200" eaLnBrk="1" hangingPunct="1" latinLnBrk="0" marL="1828800" rtl="0">
-      <a:defRPr kern="1200" sz="1800">
+    <a:lvl5pPr marL="1828800" algn="l" defTabSz="457200" rtl="0" eaLnBrk="1" latinLnBrk="0" hangingPunct="1">
+      <a:defRPr sz="1800" kern="1200">
         <a:solidFill>
           <a:schemeClr val="tx1"/>
         </a:solidFill>
@@ -80,8 +84,8 @@
         <a:cs typeface="+mn-cs"/>
       </a:defRPr>
     </a:lvl5pPr>
-    <a:lvl6pPr algn="l" defTabSz="457200" eaLnBrk="1" hangingPunct="1" latinLnBrk="0" marL="2286000" rtl="0">
-      <a:defRPr kern="1200" sz="1800">
+    <a:lvl6pPr marL="2286000" algn="l" defTabSz="457200" rtl="0" eaLnBrk="1" latinLnBrk="0" hangingPunct="1">
+      <a:defRPr sz="1800" kern="1200">
         <a:solidFill>
           <a:schemeClr val="tx1"/>
         </a:solidFill>
@@ -90,8 +94,8 @@
         <a:cs typeface="+mn-cs"/>
       </a:defRPr>
     </a:lvl6pPr>
-    <a:lvl7pPr algn="l" defTabSz="457200" eaLnBrk="1" hangingPunct="1" latinLnBrk="0" marL="2743200" rtl="0">
-      <a:defRPr kern="1200" sz="1800">
+    <a:lvl7pPr marL="2743200" algn="l" defTabSz="457200" rtl="0" eaLnBrk="1" latinLnBrk="0" hangingPunct="1">
+      <a:defRPr sz="1800" kern="1200">
         <a:solidFill>
           <a:schemeClr val="tx1"/>
         </a:solidFill>
@@ -100,8 +104,8 @@
         <a:cs typeface="+mn-cs"/>
       </a:defRPr>
     </a:lvl7pPr>
-    <a:lvl8pPr algn="l" defTabSz="457200" eaLnBrk="1" hangingPunct="1" latinLnBrk="0" marL="3200400" rtl="0">
-      <a:defRPr kern="1200" sz="1800">
+    <a:lvl8pPr marL="3200400" algn="l" defTabSz="457200" rtl="0" eaLnBrk="1" latinLnBrk="0" hangingPunct="1">
+      <a:defRPr sz="1800" kern="1200">
         <a:solidFill>
           <a:schemeClr val="tx1"/>
         </a:solidFill>
@@ -110,8 +114,8 @@
         <a:cs typeface="+mn-cs"/>
       </a:defRPr>
     </a:lvl8pPr>
-    <a:lvl9pPr algn="l" defTabSz="457200" eaLnBrk="1" hangingPunct="1" latinLnBrk="0" marL="3657600" rtl="0">
-      <a:defRPr kern="1200" sz="1800">
+    <a:lvl9pPr marL="3657600" algn="l" defTabSz="457200" rtl="0" eaLnBrk="1" latinLnBrk="0" hangingPunct="1">
+      <a:defRPr sz="1800" kern="1200">
         <a:solidFill>
           <a:schemeClr val="tx1"/>
         </a:solidFill>
@@ -319,7 +323,7 @@
           <a:p>
             <a:fld id="{241EB5C9-1307-BA42-ABA2-0BC069CD8E7F}" type="datetimeFigureOut">
               <a:rPr lang="en-US" smtClean="0"/>
-              <a:t>1/2/22</a:t>
+              <a:t>7/20/24</a:t>
             </a:fld>
             <a:endParaRPr lang="en-US"/>
           </a:p>
@@ -487,7 +491,7 @@
           <a:p>
             <a:fld id="{241EB5C9-1307-BA42-ABA2-0BC069CD8E7F}" type="datetimeFigureOut">
               <a:rPr lang="en-US" smtClean="0"/>
-              <a:t>1/2/22</a:t>
+              <a:t>7/20/24</a:t>
             </a:fld>
             <a:endParaRPr lang="en-US"/>
           </a:p>
@@ -665,7 +669,7 @@
           <a:p>
             <a:fld id="{241EB5C9-1307-BA42-ABA2-0BC069CD8E7F}" type="datetimeFigureOut">
               <a:rPr lang="en-US" smtClean="0"/>
-              <a:t>1/2/22</a:t>
+              <a:t>7/20/24</a:t>
             </a:fld>
             <a:endParaRPr lang="en-US"/>
           </a:p>
@@ -833,7 +837,7 @@
           <a:p>
             <a:fld id="{241EB5C9-1307-BA42-ABA2-0BC069CD8E7F}" type="datetimeFigureOut">
               <a:rPr lang="en-US" smtClean="0"/>
-              <a:t>1/2/22</a:t>
+              <a:t>7/20/24</a:t>
             </a:fld>
             <a:endParaRPr lang="en-US"/>
           </a:p>
@@ -1078,7 +1082,7 @@
           <a:p>
             <a:fld id="{241EB5C9-1307-BA42-ABA2-0BC069CD8E7F}" type="datetimeFigureOut">
               <a:rPr lang="en-US" smtClean="0"/>
-              <a:t>1/2/22</a:t>
+              <a:t>7/20/24</a:t>
             </a:fld>
             <a:endParaRPr lang="en-US"/>
           </a:p>
@@ -1363,7 +1367,7 @@
           <a:p>
             <a:fld id="{241EB5C9-1307-BA42-ABA2-0BC069CD8E7F}" type="datetimeFigureOut">
               <a:rPr lang="en-US" smtClean="0"/>
-              <a:t>1/2/22</a:t>
+              <a:t>7/20/24</a:t>
             </a:fld>
             <a:endParaRPr lang="en-US"/>
           </a:p>
@@ -1782,7 +1786,7 @@
           <a:p>
             <a:fld id="{241EB5C9-1307-BA42-ABA2-0BC069CD8E7F}" type="datetimeFigureOut">
               <a:rPr lang="en-US" smtClean="0"/>
-              <a:t>1/2/22</a:t>
+              <a:t>7/20/24</a:t>
             </a:fld>
             <a:endParaRPr lang="en-US"/>
           </a:p>
@@ -1899,7 +1903,7 @@
           <a:p>
             <a:fld id="{241EB5C9-1307-BA42-ABA2-0BC069CD8E7F}" type="datetimeFigureOut">
               <a:rPr lang="en-US" smtClean="0"/>
-              <a:t>1/2/22</a:t>
+              <a:t>7/20/24</a:t>
             </a:fld>
             <a:endParaRPr lang="en-US"/>
           </a:p>
@@ -1994,7 +1998,7 @@
           <a:p>
             <a:fld id="{241EB5C9-1307-BA42-ABA2-0BC069CD8E7F}" type="datetimeFigureOut">
               <a:rPr lang="en-US" smtClean="0"/>
-              <a:t>1/2/22</a:t>
+              <a:t>7/20/24</a:t>
             </a:fld>
             <a:endParaRPr lang="en-US"/>
           </a:p>
@@ -2269,7 +2273,7 @@
           <a:p>
             <a:fld id="{241EB5C9-1307-BA42-ABA2-0BC069CD8E7F}" type="datetimeFigureOut">
               <a:rPr lang="en-US" smtClean="0"/>
-              <a:t>1/2/22</a:t>
+              <a:t>7/20/24</a:t>
             </a:fld>
             <a:endParaRPr lang="en-US"/>
           </a:p>
@@ -2521,7 +2525,7 @@
           <a:p>
             <a:fld id="{241EB5C9-1307-BA42-ABA2-0BC069CD8E7F}" type="datetimeFigureOut">
               <a:rPr lang="en-US" smtClean="0"/>
-              <a:t>1/2/22</a:t>
+              <a:t>7/20/24</a:t>
             </a:fld>
             <a:endParaRPr lang="en-US"/>
           </a:p>
@@ -2583,7 +2587,7 @@
 </file>
 
 <file path=ppt/slideMasters/slideMaster1.xml><?xml version="1.0" encoding="utf-8"?>
-<p:sldMaster xmlns:a="http://schemas.openxmlformats.org/drawingml/2006/main" xmlns:p="http://schemas.openxmlformats.org/presentationml/2006/main" xmlns:r="http://schemas.openxmlformats.org/officeDocument/2006/relationships">
+<p:sldMaster xmlns:a="http://schemas.openxmlformats.org/drawingml/2006/main" xmlns:r="http://schemas.openxmlformats.org/officeDocument/2006/relationships" xmlns:p="http://schemas.openxmlformats.org/presentationml/2006/main">
   <p:cSld>
     <p:bg>
       <p:bgRef idx="1001">
@@ -2624,7 +2628,7 @@
           </a:prstGeom>
         </p:spPr>
         <p:txBody>
-          <a:bodyPr anchor="ctr" bIns="45720" lIns="91440" rIns="91440" rtlCol="0" tIns="45720" vert="horz">
+          <a:bodyPr vert="horz" lIns="91440" tIns="45720" rIns="91440" bIns="45720" rtlCol="0" anchor="ctr">
             <a:normAutofit/>
           </a:bodyPr>
           <a:lstStyle/>
@@ -2643,7 +2647,7 @@
             <a:spLocks noGrp="1"/>
           </p:cNvSpPr>
           <p:nvPr>
-            <p:ph idx="1" type="body"/>
+            <p:ph type="body" idx="1"/>
           </p:nvPr>
         </p:nvSpPr>
         <p:spPr>
@@ -2656,7 +2660,7 @@
           </a:prstGeom>
         </p:spPr>
         <p:txBody>
-          <a:bodyPr bIns="45720" lIns="91440" rIns="91440" rtlCol="0" tIns="45720" vert="horz">
+          <a:bodyPr vert="horz" lIns="91440" tIns="45720" rIns="91440" bIns="45720" rtlCol="0">
             <a:normAutofit/>
           </a:bodyPr>
           <a:lstStyle/>
@@ -2704,7 +2708,7 @@
             <a:spLocks noGrp="1"/>
           </p:cNvSpPr>
           <p:nvPr>
-            <p:ph idx="2" sz="half" type="dt"/>
+            <p:ph type="dt" sz="half" idx="2"/>
           </p:nvPr>
         </p:nvSpPr>
         <p:spPr>
@@ -2717,7 +2721,7 @@
           </a:prstGeom>
         </p:spPr>
         <p:txBody>
-          <a:bodyPr anchor="ctr" bIns="45720" lIns="91440" rIns="91440" rtlCol="0" tIns="45720" vert="horz"/>
+          <a:bodyPr vert="horz" lIns="91440" tIns="45720" rIns="91440" bIns="45720" rtlCol="0" anchor="ctr"/>
           <a:lstStyle>
             <a:lvl1pPr algn="l">
               <a:defRPr sz="900">
@@ -2732,7 +2736,7 @@
           <a:p>
             <a:fld id="{241EB5C9-1307-BA42-ABA2-0BC069CD8E7F}" type="datetimeFigureOut">
               <a:rPr lang="en-US" smtClean="0"/>
-              <a:t>1/2/22</a:t>
+              <a:t>7/20/24</a:t>
             </a:fld>
             <a:endParaRPr lang="en-US"/>
           </a:p>
@@ -2745,7 +2749,7 @@
             <a:spLocks noGrp="1"/>
           </p:cNvSpPr>
           <p:nvPr>
-            <p:ph idx="3" sz="quarter" type="ftr"/>
+            <p:ph type="ftr" sz="quarter" idx="3"/>
           </p:nvPr>
         </p:nvSpPr>
         <p:spPr>
@@ -2758,7 +2762,7 @@
           </a:prstGeom>
         </p:spPr>
         <p:txBody>
-          <a:bodyPr anchor="ctr" bIns="45720" lIns="91440" rIns="91440" rtlCol="0" tIns="45720" vert="horz"/>
+          <a:bodyPr vert="horz" lIns="91440" tIns="45720" rIns="91440" bIns="45720" rtlCol="0" anchor="ctr"/>
           <a:lstStyle>
             <a:lvl1pPr algn="ctr">
               <a:defRPr sz="900">
@@ -2782,7 +2786,7 @@
             <a:spLocks noGrp="1"/>
           </p:cNvSpPr>
           <p:nvPr>
-            <p:ph idx="4" sz="quarter" type="sldNum"/>
+            <p:ph type="sldNum" sz="quarter" idx="4"/>
           </p:nvPr>
         </p:nvSpPr>
         <p:spPr>
@@ -2795,7 +2799,7 @@
           </a:prstGeom>
         </p:spPr>
         <p:txBody>
-          <a:bodyPr anchor="ctr" bIns="45720" lIns="91440" rIns="91440" rtlCol="0" tIns="45720" vert="horz"/>
+          <a:bodyPr vert="horz" lIns="91440" tIns="45720" rIns="91440" bIns="45720" rtlCol="0" anchor="ctr"/>
           <a:lstStyle>
             <a:lvl1pPr algn="r">
               <a:defRPr sz="900">
@@ -2823,7 +2827,7 @@
       </p:ext>
     </p:extLst>
   </p:cSld>
-  <p:clrMap accent1="accent1" accent2="accent2" accent3="accent3" accent4="accent4" accent5="accent5" accent6="accent6" bg1="lt1" bg2="lt2" folHlink="folHlink" hlink="hlink" tx1="dk1" tx2="dk2"/>
+  <p:clrMap bg1="lt1" tx1="dk1" bg2="lt2" tx2="dk2" accent1="accent1" accent2="accent2" accent3="accent3" accent4="accent4" accent5="accent5" accent6="accent6" hlink="hlink" folHlink="folHlink"/>
   <p:sldLayoutIdLst>
     <p:sldLayoutId id="2147483649" r:id="rId1"/>
     <p:sldLayoutId id="2147483650" r:id="rId2"/>
@@ -2839,12 +2843,12 @@
   </p:sldLayoutIdLst>
   <p:txStyles>
     <p:titleStyle>
-      <a:lvl1pPr algn="ctr" defTabSz="342900" eaLnBrk="1" hangingPunct="1" latinLnBrk="0" rtl="0">
+      <a:lvl1pPr algn="ctr" defTabSz="342900" rtl="0" eaLnBrk="1" latinLnBrk="0" hangingPunct="1">
         <a:spcBef>
           <a:spcPct val="0"/>
         </a:spcBef>
         <a:buNone/>
-        <a:defRPr kern="1200" sz="3300">
+        <a:defRPr sz="3300" kern="1200">
           <a:solidFill>
             <a:schemeClr val="tx1"/>
           </a:solidFill>
@@ -2855,13 +2859,13 @@
       </a:lvl1pPr>
     </p:titleStyle>
     <p:bodyStyle>
-      <a:lvl1pPr algn="l" defTabSz="342900" eaLnBrk="1" hangingPunct="1" indent="-342900" latinLnBrk="0" marL="342900" rtl="0">
+      <a:lvl1pPr marL="342900" indent="-342900" algn="l" defTabSz="342900" rtl="0" eaLnBrk="1" latinLnBrk="0" hangingPunct="1">
         <a:spcBef>
           <a:spcPct val="20000"/>
         </a:spcBef>
         <a:buFont typeface="Arial"/>
         <a:buChar char="•"/>
-        <a:defRPr kern="1200" sz="2400">
+        <a:defRPr sz="2400" kern="1200">
           <a:solidFill>
             <a:schemeClr val="tx1"/>
           </a:solidFill>
@@ -2870,13 +2874,13 @@
           <a:cs typeface="+mn-cs"/>
         </a:defRPr>
       </a:lvl1pPr>
-      <a:lvl2pPr algn="l" defTabSz="342900" eaLnBrk="1" hangingPunct="1" indent="-342900" latinLnBrk="0" marL="685800" rtl="0">
+      <a:lvl2pPr marL="685800" indent="-342900" algn="l" defTabSz="342900" rtl="0" eaLnBrk="1" latinLnBrk="0" hangingPunct="1">
         <a:spcBef>
           <a:spcPct val="20000"/>
         </a:spcBef>
         <a:buFont typeface="Arial"/>
         <a:buChar char="–"/>
-        <a:defRPr kern="1200" sz="2100">
+        <a:defRPr sz="2100" kern="1200">
           <a:solidFill>
             <a:schemeClr val="tx1"/>
           </a:solidFill>
@@ -2885,13 +2889,13 @@
           <a:cs typeface="+mn-cs"/>
         </a:defRPr>
       </a:lvl2pPr>
-      <a:lvl3pPr algn="l" defTabSz="342900" eaLnBrk="1" hangingPunct="1" indent="-342900" latinLnBrk="0" marL="1028700" rtl="0">
+      <a:lvl3pPr marL="1028700" indent="-342900" algn="l" defTabSz="342900" rtl="0" eaLnBrk="1" latinLnBrk="0" hangingPunct="1">
         <a:spcBef>
           <a:spcPct val="20000"/>
         </a:spcBef>
         <a:buFont typeface="Arial"/>
         <a:buChar char="•"/>
-        <a:defRPr kern="1200" sz="1800">
+        <a:defRPr sz="1800" kern="1200">
           <a:solidFill>
             <a:schemeClr val="tx1"/>
           </a:solidFill>
@@ -2900,13 +2904,13 @@
           <a:cs typeface="+mn-cs"/>
         </a:defRPr>
       </a:lvl3pPr>
-      <a:lvl4pPr algn="l" defTabSz="342900" eaLnBrk="1" hangingPunct="1" indent="-342900" latinLnBrk="0" marL="1371600" rtl="0">
+      <a:lvl4pPr marL="1371600" indent="-342900" algn="l" defTabSz="342900" rtl="0" eaLnBrk="1" latinLnBrk="0" hangingPunct="1">
         <a:spcBef>
           <a:spcPct val="20000"/>
         </a:spcBef>
         <a:buFont typeface="Arial"/>
         <a:buChar char="–"/>
-        <a:defRPr kern="1200" sz="1500">
+        <a:defRPr sz="1500" kern="1200">
           <a:solidFill>
             <a:schemeClr val="tx1"/>
           </a:solidFill>
@@ -2915,13 +2919,13 @@
           <a:cs typeface="+mn-cs"/>
         </a:defRPr>
       </a:lvl4pPr>
-      <a:lvl5pPr algn="l" defTabSz="342900" eaLnBrk="1" hangingPunct="1" indent="-342900" latinLnBrk="0" marL="1714500" rtl="0">
+      <a:lvl5pPr marL="1714500" indent="-342900" algn="l" defTabSz="342900" rtl="0" eaLnBrk="1" latinLnBrk="0" hangingPunct="1">
         <a:spcBef>
           <a:spcPct val="20000"/>
         </a:spcBef>
         <a:buFont typeface="Arial"/>
         <a:buChar char="»"/>
-        <a:defRPr kern="1200" sz="1500">
+        <a:defRPr sz="1500" kern="1200">
           <a:solidFill>
             <a:schemeClr val="tx1"/>
           </a:solidFill>
@@ -2930,13 +2934,13 @@
           <a:cs typeface="+mn-cs"/>
         </a:defRPr>
       </a:lvl5pPr>
-      <a:lvl6pPr algn="l" defTabSz="342900" eaLnBrk="1" hangingPunct="1" indent="-342900" latinLnBrk="0" marL="2057400" rtl="0">
+      <a:lvl6pPr marL="2057400" indent="-342900" algn="l" defTabSz="342900" rtl="0" eaLnBrk="1" latinLnBrk="0" hangingPunct="1">
         <a:spcBef>
           <a:spcPct val="20000"/>
         </a:spcBef>
         <a:buFont typeface="Arial"/>
         <a:buChar char="•"/>
-        <a:defRPr kern="1200" sz="1500">
+        <a:defRPr sz="1500" kern="1200">
           <a:solidFill>
             <a:schemeClr val="tx1"/>
           </a:solidFill>
@@ -2945,13 +2949,13 @@
           <a:cs typeface="+mn-cs"/>
         </a:defRPr>
       </a:lvl6pPr>
-      <a:lvl7pPr algn="l" defTabSz="342900" eaLnBrk="1" hangingPunct="1" indent="-342900" latinLnBrk="0" marL="2400300" rtl="0">
+      <a:lvl7pPr marL="2400300" indent="-342900" algn="l" defTabSz="342900" rtl="0" eaLnBrk="1" latinLnBrk="0" hangingPunct="1">
         <a:spcBef>
           <a:spcPct val="20000"/>
         </a:spcBef>
         <a:buFont typeface="Arial"/>
         <a:buChar char="•"/>
-        <a:defRPr kern="1200" sz="1500">
+        <a:defRPr sz="1500" kern="1200">
           <a:solidFill>
             <a:schemeClr val="tx1"/>
           </a:solidFill>
@@ -2960,13 +2964,13 @@
           <a:cs typeface="+mn-cs"/>
         </a:defRPr>
       </a:lvl7pPr>
-      <a:lvl8pPr algn="l" defTabSz="342900" eaLnBrk="1" hangingPunct="1" indent="-342900" latinLnBrk="0" marL="2743200" rtl="0">
+      <a:lvl8pPr marL="2743200" indent="-342900" algn="l" defTabSz="342900" rtl="0" eaLnBrk="1" latinLnBrk="0" hangingPunct="1">
         <a:spcBef>
           <a:spcPct val="20000"/>
         </a:spcBef>
         <a:buFont typeface="Arial"/>
         <a:buChar char="•"/>
-        <a:defRPr kern="1200" sz="1500">
+        <a:defRPr sz="1500" kern="1200">
           <a:solidFill>
             <a:schemeClr val="tx1"/>
           </a:solidFill>
@@ -2975,13 +2979,13 @@
           <a:cs typeface="+mn-cs"/>
         </a:defRPr>
       </a:lvl8pPr>
-      <a:lvl9pPr algn="l" defTabSz="342900" eaLnBrk="1" hangingPunct="1" indent="-342900" latinLnBrk="0" marL="3086100" rtl="0">
+      <a:lvl9pPr marL="3086100" indent="-342900" algn="l" defTabSz="342900" rtl="0" eaLnBrk="1" latinLnBrk="0" hangingPunct="1">
         <a:spcBef>
           <a:spcPct val="20000"/>
         </a:spcBef>
         <a:buFont typeface="Arial"/>
         <a:buChar char="•"/>
-        <a:defRPr kern="1200" sz="1500">
+        <a:defRPr sz="1500" kern="1200">
           <a:solidFill>
             <a:schemeClr val="tx1"/>
           </a:solidFill>
@@ -2995,8 +2999,8 @@
       <a:defPPr>
         <a:defRPr lang="en-US"/>
       </a:defPPr>
-      <a:lvl1pPr algn="l" defTabSz="342900" eaLnBrk="1" hangingPunct="1" latinLnBrk="0" marL="0" rtl="0">
-        <a:defRPr kern="1200" sz="1350">
+      <a:lvl1pPr marL="0" algn="l" defTabSz="342900" rtl="0" eaLnBrk="1" latinLnBrk="0" hangingPunct="1">
+        <a:defRPr sz="1350" kern="1200">
           <a:solidFill>
             <a:schemeClr val="tx1"/>
           </a:solidFill>
@@ -3005,8 +3009,8 @@
           <a:cs typeface="+mn-cs"/>
         </a:defRPr>
       </a:lvl1pPr>
-      <a:lvl2pPr algn="l" defTabSz="342900" eaLnBrk="1" hangingPunct="1" latinLnBrk="0" marL="342900" rtl="0">
-        <a:defRPr kern="1200" sz="1350">
+      <a:lvl2pPr marL="342900" algn="l" defTabSz="342900" rtl="0" eaLnBrk="1" latinLnBrk="0" hangingPunct="1">
+        <a:defRPr sz="1350" kern="1200">
           <a:solidFill>
             <a:schemeClr val="tx1"/>
           </a:solidFill>
@@ -3015,8 +3019,8 @@
           <a:cs typeface="+mn-cs"/>
         </a:defRPr>
       </a:lvl2pPr>
-      <a:lvl3pPr algn="l" defTabSz="342900" eaLnBrk="1" hangingPunct="1" latinLnBrk="0" marL="685800" rtl="0">
-        <a:defRPr kern="1200" sz="1350">
+      <a:lvl3pPr marL="685800" algn="l" defTabSz="342900" rtl="0" eaLnBrk="1" latinLnBrk="0" hangingPunct="1">
+        <a:defRPr sz="1350" kern="1200">
           <a:solidFill>
             <a:schemeClr val="tx1"/>
           </a:solidFill>
@@ -3025,8 +3029,8 @@
           <a:cs typeface="+mn-cs"/>
         </a:defRPr>
       </a:lvl3pPr>
-      <a:lvl4pPr algn="l" defTabSz="342900" eaLnBrk="1" hangingPunct="1" latinLnBrk="0" marL="1028700" rtl="0">
-        <a:defRPr kern="1200" sz="1350">
+      <a:lvl4pPr marL="1028700" algn="l" defTabSz="342900" rtl="0" eaLnBrk="1" latinLnBrk="0" hangingPunct="1">
+        <a:defRPr sz="1350" kern="1200">
           <a:solidFill>
             <a:schemeClr val="tx1"/>
           </a:solidFill>
@@ -3035,8 +3039,8 @@
           <a:cs typeface="+mn-cs"/>
         </a:defRPr>
       </a:lvl4pPr>
-      <a:lvl5pPr algn="l" defTabSz="342900" eaLnBrk="1" hangingPunct="1" latinLnBrk="0" marL="1371600" rtl="0">
-        <a:defRPr kern="1200" sz="1350">
+      <a:lvl5pPr marL="1371600" algn="l" defTabSz="342900" rtl="0" eaLnBrk="1" latinLnBrk="0" hangingPunct="1">
+        <a:defRPr sz="1350" kern="1200">
           <a:solidFill>
             <a:schemeClr val="tx1"/>
           </a:solidFill>
@@ -3045,8 +3049,8 @@
           <a:cs typeface="+mn-cs"/>
         </a:defRPr>
       </a:lvl5pPr>
-      <a:lvl6pPr algn="l" defTabSz="342900" eaLnBrk="1" hangingPunct="1" latinLnBrk="0" marL="1714500" rtl="0">
-        <a:defRPr kern="1200" sz="1350">
+      <a:lvl6pPr marL="1714500" algn="l" defTabSz="342900" rtl="0" eaLnBrk="1" latinLnBrk="0" hangingPunct="1">
+        <a:defRPr sz="1350" kern="1200">
           <a:solidFill>
             <a:schemeClr val="tx1"/>
           </a:solidFill>
@@ -3055,8 +3059,8 @@
           <a:cs typeface="+mn-cs"/>
         </a:defRPr>
       </a:lvl6pPr>
-      <a:lvl7pPr algn="l" defTabSz="342900" eaLnBrk="1" hangingPunct="1" latinLnBrk="0" marL="2057400" rtl="0">
-        <a:defRPr kern="1200" sz="1350">
+      <a:lvl7pPr marL="2057400" algn="l" defTabSz="342900" rtl="0" eaLnBrk="1" latinLnBrk="0" hangingPunct="1">
+        <a:defRPr sz="1350" kern="1200">
           <a:solidFill>
             <a:schemeClr val="tx1"/>
           </a:solidFill>
@@ -3065,8 +3069,8 @@
           <a:cs typeface="+mn-cs"/>
         </a:defRPr>
       </a:lvl7pPr>
-      <a:lvl8pPr algn="l" defTabSz="342900" eaLnBrk="1" hangingPunct="1" latinLnBrk="0" marL="2400300" rtl="0">
-        <a:defRPr kern="1200" sz="1350">
+      <a:lvl8pPr marL="2400300" algn="l" defTabSz="342900" rtl="0" eaLnBrk="1" latinLnBrk="0" hangingPunct="1">
+        <a:defRPr sz="1350" kern="1200">
           <a:solidFill>
             <a:schemeClr val="tx1"/>
           </a:solidFill>
@@ -3075,8 +3079,8 @@
           <a:cs typeface="+mn-cs"/>
         </a:defRPr>
       </a:lvl8pPr>
-      <a:lvl9pPr algn="l" defTabSz="342900" eaLnBrk="1" hangingPunct="1" latinLnBrk="0" marL="2743200" rtl="0">
-        <a:defRPr kern="1200" sz="1350">
+      <a:lvl9pPr marL="2743200" algn="l" defTabSz="342900" rtl="0" eaLnBrk="1" latinLnBrk="0" hangingPunct="1">
+        <a:defRPr sz="1350" kern="1200">
           <a:solidFill>
             <a:schemeClr val="tx1"/>
           </a:solidFill>
@@ -3127,11 +3131,10 @@
           <a:bodyPr/>
           <a:lstStyle/>
           <a:p>
-            <a:pPr lvl="0" indent="0" marL="0">
+            <a:pPr marL="0" lvl="0" indent="0">
               <a:buNone/>
             </a:pPr>
             <a:r>
-              <a:rPr/>
               <a:t>R Programming for Geospatial Applications</a:t>
             </a:r>
           </a:p>
@@ -3144,7 +3147,7 @@
             <a:spLocks noGrp="1"/>
           </p:cNvSpPr>
           <p:nvPr>
-            <p:ph idx="1" type="subTitle"/>
+            <p:ph type="subTitle" idx="1"/>
           </p:nvPr>
         </p:nvSpPr>
         <p:spPr>
@@ -3157,11 +3160,12 @@
           <a:bodyPr/>
           <a:lstStyle/>
           <a:p>
-            <a:pPr lvl="0" indent="0" marL="0">
+            <a:pPr marL="0" lvl="0" indent="0">
               <a:buNone/>
             </a:pPr>
             <a:br/>
             <a:br/>
+            <a:endParaRPr/>
           </a:p>
         </p:txBody>
       </p:sp>
@@ -3172,7 +3176,7 @@
             <a:spLocks noGrp="1"/>
           </p:cNvSpPr>
           <p:nvPr>
-            <p:ph idx="10" sz="half" type="dt"/>
+            <p:ph type="dt" sz="half" idx="10"/>
           </p:nvPr>
         </p:nvSpPr>
         <p:spPr/>
@@ -3180,11 +3184,10 @@
           <a:bodyPr/>
           <a:lstStyle/>
           <a:p>
-            <a:pPr lvl="0" indent="0" marL="0">
+            <a:pPr marL="0" lvl="0" indent="0">
               <a:buNone/>
             </a:pPr>
             <a:r>
-              <a:rPr/>
               <a:t>2024-07-15</a:t>
             </a:r>
           </a:p>
@@ -3192,6 +3195,9 @@
       </p:sp>
     </p:spTree>
   </p:cSld>
+  <p:clrMapOvr>
+    <a:masterClrMapping/>
+  </p:clrMapOvr>
 </p:sld>
 </file>
 
@@ -3212,6 +3218,71 @@
           <a:chExt cx="0" cy="0"/>
         </a:xfrm>
       </p:grpSpPr>
+      <p:pic>
+        <p:nvPicPr>
+          <p:cNvPr id="5" name="Picture 1" descr="week4_files/figure-pptx/unnamed-chunk-3-1.png">
+            <a:extLst>
+              <a:ext uri="{FF2B5EF4-FFF2-40B4-BE49-F238E27FC236}">
+                <a16:creationId xmlns:a16="http://schemas.microsoft.com/office/drawing/2014/main" id="{9581DD71-9921-894D-936E-942D62EF1EEC}"/>
+              </a:ext>
+            </a:extLst>
+          </p:cNvPr>
+          <p:cNvPicPr>
+            <a:picLocks noGrp="1" noChangeAspect="1"/>
+          </p:cNvPicPr>
+          <p:nvPr/>
+        </p:nvPicPr>
+        <p:blipFill rotWithShape="1">
+          <a:blip r:embed="rId2"/>
+          <a:srcRect t="20788" b="21431"/>
+          <a:stretch/>
+        </p:blipFill>
+        <p:spPr bwMode="auto">
+          <a:xfrm>
+            <a:off x="544766" y="763180"/>
+            <a:ext cx="7815453" cy="3617140"/>
+          </a:xfrm>
+          <a:prstGeom prst="rect">
+            <a:avLst/>
+          </a:prstGeom>
+          <a:noFill/>
+          <a:ln w="9525">
+            <a:noFill/>
+            <a:headEnd/>
+            <a:tailEnd/>
+          </a:ln>
+        </p:spPr>
+      </p:pic>
+    </p:spTree>
+    <p:extLst>
+      <p:ext uri="{BB962C8B-B14F-4D97-AF65-F5344CB8AC3E}">
+        <p14:creationId xmlns:p14="http://schemas.microsoft.com/office/powerpoint/2010/main" val="1808363587"/>
+      </p:ext>
+    </p:extLst>
+  </p:cSld>
+  <p:clrMapOvr>
+    <a:masterClrMapping/>
+  </p:clrMapOvr>
+</p:sld>
+</file>
+
+<file path=ppt/slides/slide11.xml><?xml version="1.0" encoding="utf-8"?>
+<p:sld xmlns:a="http://schemas.openxmlformats.org/drawingml/2006/main" xmlns:r="http://schemas.openxmlformats.org/officeDocument/2006/relationships" xmlns:p="http://schemas.openxmlformats.org/presentationml/2006/main">
+  <p:cSld>
+    <p:spTree>
+      <p:nvGrpSpPr>
+        <p:cNvPr id="1" name=""/>
+        <p:cNvGrpSpPr/>
+        <p:nvPr/>
+      </p:nvGrpSpPr>
+      <p:grpSpPr>
+        <a:xfrm>
+          <a:off x="0" y="0"/>
+          <a:ext cx="0" cy="0"/>
+          <a:chOff x="0" y="0"/>
+          <a:chExt cx="0" cy="0"/>
+        </a:xfrm>
+      </p:grpSpPr>
       <p:sp>
         <p:nvSpPr>
           <p:cNvPr id="2" name="Title 1"/>
@@ -3222,24 +3293,277 @@
             <p:ph type="title"/>
           </p:nvPr>
         </p:nvSpPr>
-        <p:spPr/>
+        <p:spPr>
+          <a:xfrm>
+            <a:off x="457201" y="204787"/>
+            <a:ext cx="3008313" cy="871538"/>
+          </a:xfrm>
+        </p:spPr>
         <p:txBody>
           <a:bodyPr/>
           <a:lstStyle/>
           <a:p>
-            <a:pPr lvl="0" indent="0" marL="0">
+            <a:pPr marL="0" lvl="0" indent="0">
               <a:buNone/>
             </a:pPr>
             <a:r>
-              <a:rPr/>
-              <a:t>Mapping values (e.g., population) into user-defined groups (Natural breaks or Jenks)</a:t>
+              <a:rPr dirty="0"/>
+              <a:t>tmap – regular maps</a:t>
+            </a:r>
+          </a:p>
+        </p:txBody>
+      </p:sp>
+      <p:sp>
+        <p:nvSpPr>
+          <p:cNvPr id="4" name="Text Placeholder 3"/>
+          <p:cNvSpPr>
+            <a:spLocks noGrp="1"/>
+          </p:cNvSpPr>
+          <p:nvPr>
+            <p:ph type="body" sz="half" idx="2"/>
+          </p:nvPr>
+        </p:nvSpPr>
+        <p:spPr/>
+        <p:txBody>
+          <a:bodyPr/>
+          <a:lstStyle/>
+          <a:p>
+            <a:pPr lvl="0" indent="0">
+              <a:buNone/>
+            </a:pPr>
+            <a:r>
+              <a:rPr>
+                <a:solidFill>
+                  <a:srgbClr val="06287E"/>
+                </a:solidFill>
+                <a:latin typeface="Courier"/>
+              </a:rPr>
+              <a:t>tm_shape</a:t>
+            </a:r>
+            <a:r>
+              <a:rPr>
+                <a:latin typeface="Courier"/>
+              </a:rPr>
+              <a:t>(income_va)</a:t>
+            </a:r>
+            <a:r>
+              <a:rPr>
+                <a:solidFill>
+                  <a:srgbClr val="4070A0"/>
+                </a:solidFill>
+                <a:latin typeface="Courier"/>
+              </a:rPr>
+              <a:t>+</a:t>
+            </a:r>
+            <a:br/>
+            <a:r>
+              <a:rPr>
+                <a:latin typeface="Courier"/>
+              </a:rPr>
+              <a:t>    </a:t>
+            </a:r>
+            <a:r>
+              <a:rPr>
+                <a:solidFill>
+                  <a:srgbClr val="06287E"/>
+                </a:solidFill>
+                <a:latin typeface="Courier"/>
+              </a:rPr>
+              <a:t>tm_symbols</a:t>
+            </a:r>
+            <a:r>
+              <a:rPr>
+                <a:latin typeface="Courier"/>
+              </a:rPr>
+              <a:t>(</a:t>
+            </a:r>
+            <a:r>
+              <a:rPr>
+                <a:solidFill>
+                  <a:srgbClr val="4070A0"/>
+                </a:solidFill>
+                <a:latin typeface="Courier"/>
+              </a:rPr>
+              <a:t>"income"</a:t>
+            </a:r>
+            <a:r>
+              <a:rPr>
+                <a:latin typeface="Courier"/>
+              </a:rPr>
+              <a:t>)</a:t>
+            </a:r>
+            <a:r>
+              <a:rPr>
+                <a:solidFill>
+                  <a:srgbClr val="4070A0"/>
+                </a:solidFill>
+                <a:latin typeface="Courier"/>
+              </a:rPr>
+              <a:t>+</a:t>
+            </a:r>
+            <a:br/>
+            <a:r>
+              <a:rPr>
+                <a:latin typeface="Courier"/>
+              </a:rPr>
+              <a:t>  </a:t>
+            </a:r>
+            <a:r>
+              <a:rPr>
+                <a:solidFill>
+                  <a:srgbClr val="06287E"/>
+                </a:solidFill>
+                <a:latin typeface="Courier"/>
+              </a:rPr>
+              <a:t>tm_layout</a:t>
+            </a:r>
+            <a:r>
+              <a:rPr>
+                <a:latin typeface="Courier"/>
+              </a:rPr>
+              <a:t>(</a:t>
+            </a:r>
+            <a:r>
+              <a:rPr>
+                <a:solidFill>
+                  <a:srgbClr val="7D9029"/>
+                </a:solidFill>
+                <a:latin typeface="Courier"/>
+              </a:rPr>
+              <a:t>title=</a:t>
+            </a:r>
+            <a:r>
+              <a:rPr>
+                <a:solidFill>
+                  <a:srgbClr val="4070A0"/>
+                </a:solidFill>
+                <a:latin typeface="Courier"/>
+              </a:rPr>
+              <a:t>'Income for VA'</a:t>
+            </a:r>
+            <a:r>
+              <a:rPr>
+                <a:latin typeface="Courier"/>
+              </a:rPr>
+              <a:t>,</a:t>
+            </a:r>
+            <a:r>
+              <a:rPr>
+                <a:solidFill>
+                  <a:srgbClr val="7D9029"/>
+                </a:solidFill>
+                <a:latin typeface="Courier"/>
+              </a:rPr>
+              <a:t>legend.text.size =</a:t>
+            </a:r>
+            <a:r>
+              <a:rPr>
+                <a:latin typeface="Courier"/>
+              </a:rPr>
+              <a:t> </a:t>
+            </a:r>
+            <a:r>
+              <a:rPr>
+                <a:solidFill>
+                  <a:srgbClr val="40A070"/>
+                </a:solidFill>
+                <a:latin typeface="Courier"/>
+              </a:rPr>
+              <a:t>0.5</a:t>
+            </a:r>
+            <a:r>
+              <a:rPr>
+                <a:latin typeface="Courier"/>
+              </a:rPr>
+              <a:t>)</a:t>
             </a:r>
           </a:p>
         </p:txBody>
       </p:sp>
       <p:pic>
         <p:nvPicPr>
-          <p:cNvPr descr="breaks.png" id="0" name="Picture 1"/>
+          <p:cNvPr id="3" name="Picture 1" descr="week4_files/figure-pptx/unnamed-chunk-4-1.png"/>
+          <p:cNvPicPr>
+            <a:picLocks noGrp="1" noChangeAspect="1"/>
+          </p:cNvPicPr>
+          <p:nvPr/>
+        </p:nvPicPr>
+        <p:blipFill>
+          <a:blip r:embed="rId2"/>
+          <a:stretch>
+            <a:fillRect/>
+          </a:stretch>
+        </p:blipFill>
+        <p:spPr bwMode="auto">
+          <a:xfrm>
+            <a:off x="3568700" y="355600"/>
+            <a:ext cx="5105400" cy="4089400"/>
+          </a:xfrm>
+          <a:prstGeom prst="rect">
+            <a:avLst/>
+          </a:prstGeom>
+          <a:noFill/>
+          <a:ln w="9525">
+            <a:noFill/>
+            <a:headEnd/>
+            <a:tailEnd/>
+          </a:ln>
+        </p:spPr>
+      </p:pic>
+    </p:spTree>
+  </p:cSld>
+  <p:clrMapOvr>
+    <a:masterClrMapping/>
+  </p:clrMapOvr>
+</p:sld>
+</file>
+
+<file path=ppt/slides/slide12.xml><?xml version="1.0" encoding="utf-8"?>
+<p:sld xmlns:a="http://schemas.openxmlformats.org/drawingml/2006/main" xmlns:r="http://schemas.openxmlformats.org/officeDocument/2006/relationships" xmlns:p="http://schemas.openxmlformats.org/presentationml/2006/main">
+  <p:cSld>
+    <p:spTree>
+      <p:nvGrpSpPr>
+        <p:cNvPr id="1" name=""/>
+        <p:cNvGrpSpPr/>
+        <p:nvPr/>
+      </p:nvGrpSpPr>
+      <p:grpSpPr>
+        <a:xfrm>
+          <a:off x="0" y="0"/>
+          <a:ext cx="0" cy="0"/>
+          <a:chOff x="0" y="0"/>
+          <a:chExt cx="0" cy="0"/>
+        </a:xfrm>
+      </p:grpSpPr>
+      <p:sp>
+        <p:nvSpPr>
+          <p:cNvPr id="2" name="Title 1"/>
+          <p:cNvSpPr>
+            <a:spLocks noGrp="1"/>
+          </p:cNvSpPr>
+          <p:nvPr>
+            <p:ph type="title"/>
+          </p:nvPr>
+        </p:nvSpPr>
+        <p:spPr/>
+        <p:txBody>
+          <a:bodyPr>
+            <a:normAutofit fontScale="90000"/>
+          </a:bodyPr>
+          <a:lstStyle/>
+          <a:p>
+            <a:pPr marL="0" lvl="0" indent="0">
+              <a:buNone/>
+            </a:pPr>
+            <a:r>
+              <a:t>Mapping values (e.g., population) into user-defined groups (Natural breaks or Jenks)</a:t>
+            </a:r>
+          </a:p>
+        </p:txBody>
+      </p:sp>
+      <p:pic>
+        <p:nvPicPr>
+          <p:cNvPr id="3" name="Picture 1" descr="breaks.png"/>
           <p:cNvPicPr>
             <a:picLocks noGrp="1" noChangeAspect="1"/>
           </p:cNvPicPr>
@@ -3269,10 +3593,13 @@
       </p:pic>
     </p:spTree>
   </p:cSld>
+  <p:clrMapOvr>
+    <a:masterClrMapping/>
+  </p:clrMapOvr>
 </p:sld>
 </file>
 
-<file path=ppt/slides/slide11.xml><?xml version="1.0" encoding="utf-8"?>
+<file path=ppt/slides/slide13.xml><?xml version="1.0" encoding="utf-8"?>
 <p:sld xmlns:a="http://schemas.openxmlformats.org/drawingml/2006/main" xmlns:r="http://schemas.openxmlformats.org/officeDocument/2006/relationships" xmlns:p="http://schemas.openxmlformats.org/presentationml/2006/main">
   <p:cSld>
     <p:spTree>
@@ -3309,12 +3636,20 @@
           <a:bodyPr/>
           <a:lstStyle/>
           <a:p>
-            <a:pPr lvl="0" indent="0" marL="0">
+            <a:pPr marL="0" lvl="0" indent="0">
               <a:buNone/>
             </a:pPr>
             <a:r>
-              <a:rPr/>
-              <a:t>Example uisng tmap</a:t>
+              <a:rPr dirty="0"/>
+              <a:t>Example </a:t>
+            </a:r>
+            <a:r>
+              <a:rPr dirty="0" err="1"/>
+              <a:t>uisng</a:t>
+            </a:r>
+            <a:r>
+              <a:rPr dirty="0"/>
+              <a:t> tmap</a:t>
             </a:r>
           </a:p>
         </p:txBody>
@@ -3326,7 +3661,7 @@
             <a:spLocks noGrp="1"/>
           </p:cNvSpPr>
           <p:nvPr>
-            <p:ph idx="2" sz="half" type="body"/>
+            <p:ph type="body" sz="half" idx="2"/>
           </p:nvPr>
         </p:nvSpPr>
         <p:spPr/>
@@ -3530,7 +3865,7 @@
       </p:sp>
       <p:pic>
         <p:nvPicPr>
-          <p:cNvPr descr="week4_files/figure-pptx/unnamed-chunk-5-1.png" id="0" name="Picture 1"/>
+          <p:cNvPr id="3" name="Picture 1" descr="week4_files/figure-pptx/unnamed-chunk-5-1.png"/>
           <p:cNvPicPr>
             <a:picLocks noGrp="1" noChangeAspect="1"/>
           </p:cNvPicPr>
@@ -3560,10 +3895,13 @@
       </p:pic>
     </p:spTree>
   </p:cSld>
+  <p:clrMapOvr>
+    <a:masterClrMapping/>
+  </p:clrMapOvr>
 </p:sld>
 </file>
 
-<file path=ppt/slides/slide12.xml><?xml version="1.0" encoding="utf-8"?>
+<file path=ppt/slides/slide14.xml><?xml version="1.0" encoding="utf-8"?>
 <p:sld xmlns:a="http://schemas.openxmlformats.org/drawingml/2006/main" xmlns:r="http://schemas.openxmlformats.org/officeDocument/2006/relationships" xmlns:p="http://schemas.openxmlformats.org/presentationml/2006/main">
   <p:cSld>
     <p:spTree>
@@ -3600,11 +3938,10 @@
           <a:bodyPr/>
           <a:lstStyle/>
           <a:p>
-            <a:pPr lvl="0" indent="0" marL="0">
+            <a:pPr marL="0" lvl="0" indent="0">
               <a:buNone/>
             </a:pPr>
             <a:r>
-              <a:rPr/>
               <a:t>Mapping with raster data (continuous variable)</a:t>
             </a:r>
           </a:p>
@@ -3617,10 +3954,15 @@
             <a:spLocks noGrp="1"/>
           </p:cNvSpPr>
           <p:nvPr>
-            <p:ph idx="2" sz="half" type="body"/>
-          </p:nvPr>
-        </p:nvSpPr>
-        <p:spPr/>
+            <p:ph type="body" sz="half" idx="2"/>
+          </p:nvPr>
+        </p:nvSpPr>
+        <p:spPr>
+          <a:xfrm>
+            <a:off x="457201" y="1076326"/>
+            <a:ext cx="3410792" cy="3518297"/>
+          </a:xfrm>
+        </p:spPr>
         <p:txBody>
           <a:bodyPr/>
           <a:lstStyle/>
@@ -3629,7 +3971,7 @@
               <a:buNone/>
             </a:pPr>
             <a:r>
-              <a:rPr>
+              <a:rPr dirty="0">
                 <a:solidFill>
                   <a:srgbClr val="06287E"/>
                 </a:solidFill>
@@ -3638,20 +3980,28 @@
               <a:t>library</a:t>
             </a:r>
             <a:r>
-              <a:rPr>
+              <a:rPr dirty="0">
                 <a:latin typeface="Courier"/>
               </a:rPr>
               <a:t>(terra)</a:t>
             </a:r>
-            <a:br/>
-            <a:r>
-              <a:rPr>
+            <a:br>
+              <a:rPr dirty="0"/>
+            </a:br>
+            <a:endParaRPr lang="en-US" dirty="0"/>
+          </a:p>
+          <a:p>
+            <a:pPr lvl="0" indent="0">
+              <a:buNone/>
+            </a:pPr>
+            <a:r>
+              <a:rPr dirty="0">
                 <a:latin typeface="Courier"/>
               </a:rPr>
               <a:t>dem</a:t>
             </a:r>
             <a:r>
-              <a:rPr>
+              <a:rPr dirty="0">
                 <a:solidFill>
                   <a:srgbClr val="007020"/>
                 </a:solidFill>
@@ -3660,7 +4010,7 @@
               <a:t>&lt;-</a:t>
             </a:r>
             <a:r>
-              <a:rPr>
+              <a:rPr dirty="0" err="1">
                 <a:solidFill>
                   <a:srgbClr val="06287E"/>
                 </a:solidFill>
@@ -3669,29 +4019,55 @@
               <a:t>rast</a:t>
             </a:r>
             <a:r>
-              <a:rPr>
+              <a:rPr dirty="0">
                 <a:latin typeface="Courier"/>
               </a:rPr>
               <a:t>(</a:t>
             </a:r>
             <a:r>
-              <a:rPr>
+              <a:rPr dirty="0">
                 <a:solidFill>
                   <a:srgbClr val="4070A0"/>
                 </a:solidFill>
                 <a:latin typeface="Courier"/>
               </a:rPr>
-              <a:t>'dem.tif'</a:t>
-            </a:r>
-            <a:r>
-              <a:rPr>
+              <a:t>'</a:t>
+            </a:r>
+            <a:r>
+              <a:rPr dirty="0" err="1">
+                <a:solidFill>
+                  <a:srgbClr val="4070A0"/>
+                </a:solidFill>
+                <a:latin typeface="Courier"/>
+              </a:rPr>
+              <a:t>dem.tif</a:t>
+            </a:r>
+            <a:r>
+              <a:rPr dirty="0">
+                <a:solidFill>
+                  <a:srgbClr val="4070A0"/>
+                </a:solidFill>
+                <a:latin typeface="Courier"/>
+              </a:rPr>
+              <a:t>'</a:t>
+            </a:r>
+            <a:r>
+              <a:rPr dirty="0">
                 <a:latin typeface="Courier"/>
               </a:rPr>
               <a:t>)</a:t>
             </a:r>
-            <a:br/>
-            <a:r>
-              <a:rPr>
+            <a:br>
+              <a:rPr dirty="0"/>
+            </a:br>
+            <a:endParaRPr lang="en-US" dirty="0"/>
+          </a:p>
+          <a:p>
+            <a:pPr lvl="0" indent="0">
+              <a:buNone/>
+            </a:pPr>
+            <a:r>
+              <a:rPr dirty="0">
                 <a:solidFill>
                   <a:srgbClr val="06287E"/>
                 </a:solidFill>
@@ -3700,13 +4076,13 @@
               <a:t>tm_shape</a:t>
             </a:r>
             <a:r>
-              <a:rPr>
+              <a:rPr dirty="0">
                 <a:latin typeface="Courier"/>
               </a:rPr>
               <a:t>(dem) </a:t>
             </a:r>
             <a:r>
-              <a:rPr>
+              <a:rPr dirty="0">
                 <a:solidFill>
                   <a:srgbClr val="4070A0"/>
                 </a:solidFill>
@@ -3715,20 +4091,22 @@
               <a:t>+</a:t>
             </a:r>
             <a:r>
-              <a:rPr>
+              <a:rPr dirty="0">
                 <a:latin typeface="Courier"/>
               </a:rPr>
               <a:t> </a:t>
             </a:r>
-            <a:br/>
-            <a:r>
-              <a:rPr>
+            <a:br>
+              <a:rPr dirty="0"/>
+            </a:br>
+            <a:r>
+              <a:rPr dirty="0">
                 <a:latin typeface="Courier"/>
               </a:rPr>
               <a:t>  </a:t>
             </a:r>
             <a:r>
-              <a:rPr>
+              <a:rPr dirty="0" err="1">
                 <a:solidFill>
                   <a:srgbClr val="06287E"/>
                 </a:solidFill>
@@ -3737,13 +4115,13 @@
               <a:t>tm_raster</a:t>
             </a:r>
             <a:r>
-              <a:rPr>
+              <a:rPr dirty="0">
                 <a:latin typeface="Courier"/>
               </a:rPr>
               <a:t>(</a:t>
             </a:r>
             <a:r>
-              <a:rPr>
+              <a:rPr dirty="0">
                 <a:solidFill>
                   <a:srgbClr val="7D9029"/>
                 </a:solidFill>
@@ -3752,28 +4130,46 @@
               <a:t>style =</a:t>
             </a:r>
             <a:r>
-              <a:rPr>
+              <a:rPr dirty="0">
                 <a:latin typeface="Courier"/>
               </a:rPr>
               <a:t> </a:t>
             </a:r>
             <a:r>
-              <a:rPr>
+              <a:rPr dirty="0">
                 <a:solidFill>
                   <a:srgbClr val="4070A0"/>
                 </a:solidFill>
                 <a:latin typeface="Courier"/>
               </a:rPr>
-              <a:t>"cont"</a:t>
-            </a:r>
-            <a:r>
-              <a:rPr>
+              <a:t>"</a:t>
+            </a:r>
+            <a:r>
+              <a:rPr dirty="0" err="1">
+                <a:solidFill>
+                  <a:srgbClr val="4070A0"/>
+                </a:solidFill>
+                <a:latin typeface="Courier"/>
+              </a:rPr>
+              <a:t>cont</a:t>
+            </a:r>
+            <a:r>
+              <a:rPr dirty="0">
+                <a:solidFill>
+                  <a:srgbClr val="4070A0"/>
+                </a:solidFill>
+                <a:latin typeface="Courier"/>
+              </a:rPr>
+              <a:t>"</a:t>
+            </a:r>
+            <a:r>
+              <a:rPr dirty="0">
                 <a:latin typeface="Courier"/>
               </a:rPr>
               <a:t>, </a:t>
             </a:r>
             <a:r>
-              <a:rPr>
+              <a:rPr dirty="0">
                 <a:solidFill>
                   <a:srgbClr val="7D9029"/>
                 </a:solidFill>
@@ -3782,22 +4178,40 @@
               <a:t>palette =</a:t>
             </a:r>
             <a:r>
-              <a:rPr>
+              <a:rPr dirty="0">
                 <a:latin typeface="Courier"/>
               </a:rPr>
               <a:t> </a:t>
             </a:r>
             <a:r>
-              <a:rPr>
+              <a:rPr dirty="0">
                 <a:solidFill>
                   <a:srgbClr val="4070A0"/>
                 </a:solidFill>
                 <a:latin typeface="Courier"/>
               </a:rPr>
-              <a:t>"-RdYlGn"</a:t>
-            </a:r>
-            <a:r>
-              <a:rPr>
+              <a:t>"-</a:t>
+            </a:r>
+            <a:r>
+              <a:rPr dirty="0" err="1">
+                <a:solidFill>
+                  <a:srgbClr val="4070A0"/>
+                </a:solidFill>
+                <a:latin typeface="Courier"/>
+              </a:rPr>
+              <a:t>RdYlGn</a:t>
+            </a:r>
+            <a:r>
+              <a:rPr dirty="0">
+                <a:solidFill>
+                  <a:srgbClr val="4070A0"/>
+                </a:solidFill>
+                <a:latin typeface="Courier"/>
+              </a:rPr>
+              <a:t>"</a:t>
+            </a:r>
+            <a:r>
+              <a:rPr dirty="0">
                 <a:latin typeface="Courier"/>
               </a:rPr>
               <a:t>) </a:t>
@@ -3807,7 +4221,7 @@
       </p:sp>
       <p:pic>
         <p:nvPicPr>
-          <p:cNvPr descr="week4_files/figure-pptx/unnamed-chunk-6-1.png" id="0" name="Picture 1"/>
+          <p:cNvPr id="3" name="Picture 1" descr="week4_files/figure-pptx/unnamed-chunk-6-1.png"/>
           <p:cNvPicPr>
             <a:picLocks noGrp="1" noChangeAspect="1"/>
           </p:cNvPicPr>
@@ -3837,10 +4251,13 @@
       </p:pic>
     </p:spTree>
   </p:cSld>
+  <p:clrMapOvr>
+    <a:masterClrMapping/>
+  </p:clrMapOvr>
 </p:sld>
 </file>
 
-<file path=ppt/slides/slide13.xml><?xml version="1.0" encoding="utf-8"?>
+<file path=ppt/slides/slide15.xml><?xml version="1.0" encoding="utf-8"?>
 <p:sld xmlns:a="http://schemas.openxmlformats.org/drawingml/2006/main" xmlns:r="http://schemas.openxmlformats.org/officeDocument/2006/relationships" xmlns:p="http://schemas.openxmlformats.org/presentationml/2006/main">
   <p:cSld>
     <p:spTree>
@@ -3877,11 +4294,10 @@
           <a:bodyPr/>
           <a:lstStyle/>
           <a:p>
-            <a:pPr lvl="0" indent="0" marL="0">
+            <a:pPr marL="0" lvl="0" indent="0">
               <a:buNone/>
             </a:pPr>
             <a:r>
-              <a:rPr/>
               <a:t>Mapping with raster data (categorical variable)</a:t>
             </a:r>
           </a:p>
@@ -3894,7 +4310,7 @@
             <a:spLocks noGrp="1"/>
           </p:cNvSpPr>
           <p:nvPr>
-            <p:ph idx="2" sz="half" type="body"/>
+            <p:ph type="body" sz="half" idx="2"/>
           </p:nvPr>
         </p:nvSpPr>
         <p:spPr/>
@@ -4414,7 +4830,7 @@
       </p:sp>
       <p:pic>
         <p:nvPicPr>
-          <p:cNvPr descr="week4_files/figure-pptx/unnamed-chunk-7-1.png" id="0" name="Picture 1"/>
+          <p:cNvPr id="3" name="Picture 1" descr="week4_files/figure-pptx/unnamed-chunk-7-1.png"/>
           <p:cNvPicPr>
             <a:picLocks noGrp="1" noChangeAspect="1"/>
           </p:cNvPicPr>
@@ -4444,10 +4860,13 @@
       </p:pic>
     </p:spTree>
   </p:cSld>
+  <p:clrMapOvr>
+    <a:masterClrMapping/>
+  </p:clrMapOvr>
 </p:sld>
 </file>
 
-<file path=ppt/slides/slide14.xml><?xml version="1.0" encoding="utf-8"?>
+<file path=ppt/slides/slide16.xml><?xml version="1.0" encoding="utf-8"?>
 <p:sld xmlns:a="http://schemas.openxmlformats.org/drawingml/2006/main" xmlns:r="http://schemas.openxmlformats.org/officeDocument/2006/relationships" xmlns:p="http://schemas.openxmlformats.org/presentationml/2006/main">
   <p:cSld>
     <p:spTree>
@@ -4479,11 +4898,10 @@
           <a:bodyPr/>
           <a:lstStyle/>
           <a:p>
-            <a:pPr lvl="0" indent="0" marL="0">
+            <a:pPr marL="0" lvl="0" indent="0">
               <a:buNone/>
             </a:pPr>
             <a:r>
-              <a:rPr/>
               <a:t>Three layers (usgs site, streams, and dem)</a:t>
             </a:r>
           </a:p>
@@ -4491,7 +4909,7 @@
       </p:sp>
       <p:pic>
         <p:nvPicPr>
-          <p:cNvPr descr="three.png" id="0" name="Picture 1"/>
+          <p:cNvPr id="3" name="Picture 1" descr="three.png"/>
           <p:cNvPicPr>
             <a:picLocks noGrp="1" noChangeAspect="1"/>
           </p:cNvPicPr>
@@ -4521,10 +4939,13 @@
       </p:pic>
     </p:spTree>
   </p:cSld>
+  <p:clrMapOvr>
+    <a:masterClrMapping/>
+  </p:clrMapOvr>
 </p:sld>
 </file>
 
-<file path=ppt/slides/slide15.xml><?xml version="1.0" encoding="utf-8"?>
+<file path=ppt/slides/slide17.xml><?xml version="1.0" encoding="utf-8"?>
 <p:sld xmlns:a="http://schemas.openxmlformats.org/drawingml/2006/main" xmlns:r="http://schemas.openxmlformats.org/officeDocument/2006/relationships" xmlns:p="http://schemas.openxmlformats.org/presentationml/2006/main">
   <p:cSld>
     <p:spTree>
@@ -4543,89 +4964,108 @@
       </p:grpSpPr>
       <p:sp>
         <p:nvSpPr>
-          <p:cNvPr id="2" name="Title 1"/>
-          <p:cNvSpPr>
-            <a:spLocks noGrp="1"/>
-          </p:cNvSpPr>
-          <p:nvPr>
-            <p:ph type="title"/>
-          </p:nvPr>
-        </p:nvSpPr>
-        <p:spPr/>
+          <p:cNvPr id="3" name="Content Placeholder 2">
+            <a:extLst>
+              <a:ext uri="{FF2B5EF4-FFF2-40B4-BE49-F238E27FC236}">
+                <a16:creationId xmlns:a16="http://schemas.microsoft.com/office/drawing/2014/main" id="{8E5C5E9B-1BB5-5656-2F23-E9B8B4164FA1}"/>
+              </a:ext>
+            </a:extLst>
+          </p:cNvPr>
+          <p:cNvSpPr>
+            <a:spLocks noGrp="1"/>
+          </p:cNvSpPr>
+          <p:nvPr>
+            <p:ph idx="1"/>
+          </p:nvPr>
+        </p:nvSpPr>
+        <p:spPr>
+          <a:xfrm>
+            <a:off x="546212" y="874514"/>
+            <a:ext cx="8229600" cy="3394472"/>
+          </a:xfrm>
+        </p:spPr>
         <p:txBody>
           <a:bodyPr/>
           <a:lstStyle/>
           <a:p>
-            <a:pPr lvl="0" indent="0" marL="0">
+            <a:pPr marL="0" indent="0">
               <a:buNone/>
             </a:pPr>
             <a:r>
-              <a:rPr/>
-              <a:t>Create maps in R</a:t>
-            </a:r>
-          </a:p>
-        </p:txBody>
-      </p:sp>
-      <p:sp>
-        <p:nvSpPr>
-          <p:cNvPr id="3" name="Content Placeholder 2"/>
-          <p:cNvSpPr>
-            <a:spLocks noGrp="1"/>
-          </p:cNvSpPr>
-          <p:nvPr>
-            <p:ph idx="1"/>
-          </p:nvPr>
-        </p:nvSpPr>
-        <p:spPr/>
-        <p:txBody>
-          <a:bodyPr/>
-          <a:lstStyle/>
-          <a:p>
-            <a:pPr lvl="0"/>
-            <a:r>
-              <a:rPr i="1"/>
-              <a:t>tmap (tmap is an R package for visualization spatial data)</a:t>
-            </a:r>
-            <a:br/>
-            <a:r>
-              <a:rPr>
-                <a:hlinkClick r:id="rId2"/>
-              </a:rPr>
-              <a:t>https://r-tmap.github.io/tmap-book/index.html</a:t>
-            </a:r>
-          </a:p>
-          <a:p>
-            <a:pPr lvl="0" indent="0" marL="0">
+              <a:rPr lang="en-US" dirty="0"/>
+              <a:t>tm_shape(</a:t>
+            </a:r>
+            <a:r>
+              <a:rPr lang="en-US" dirty="0" err="1"/>
+              <a:t>raster_layer</a:t>
+            </a:r>
+            <a:r>
+              <a:rPr lang="en-US" dirty="0"/>
+              <a:t>) +</a:t>
+            </a:r>
+          </a:p>
+          <a:p>
+            <a:pPr marL="0" indent="0">
               <a:buNone/>
             </a:pPr>
-          </a:p>
-          <a:p>
-            <a:pPr lvl="0" indent="0" marL="0">
+            <a:r>
+              <a:rPr lang="en-US" dirty="0"/>
+              <a:t>			</a:t>
+            </a:r>
+            <a:r>
+              <a:rPr lang="en-US" dirty="0" err="1"/>
+              <a:t>tm_raster</a:t>
+            </a:r>
+            <a:r>
+              <a:rPr lang="en-US" dirty="0"/>
+              <a:t>() +</a:t>
+            </a:r>
+          </a:p>
+          <a:p>
+            <a:pPr marL="0" indent="0">
               <a:buNone/>
             </a:pPr>
-          </a:p>
-          <a:p>
-            <a:pPr lvl="0"/>
-            <a:r>
-              <a:rPr i="1"/>
-              <a:t>ggplot2 library (data visualization; one of the most popular packages in R)</a:t>
-            </a:r>
-            <a:br/>
-            <a:r>
-              <a:rPr>
-                <a:hlinkClick r:id="rId3"/>
-              </a:rPr>
-              <a:t>https://r4ds.had.co.nz/data-visualisation.html</a:t>
-            </a:r>
+            <a:r>
+              <a:rPr lang="en-US" dirty="0"/>
+              <a:t>		      tm_shape(</a:t>
+            </a:r>
+            <a:r>
+              <a:rPr lang="en-US" dirty="0" err="1"/>
+              <a:t>vector_layer</a:t>
+            </a:r>
+            <a:r>
+              <a:rPr lang="en-US" dirty="0"/>
+              <a:t>) +</a:t>
+            </a:r>
+          </a:p>
+          <a:p>
+            <a:pPr marL="0" indent="0">
+              <a:buNone/>
+            </a:pPr>
+            <a:r>
+              <a:rPr lang="en-US" dirty="0"/>
+              <a:t>  		  tm_layout(title = "Raster with Vector Overlay")</a:t>
+            </a:r>
+          </a:p>
+          <a:p>
+            <a:endParaRPr lang="en-US" dirty="0"/>
           </a:p>
         </p:txBody>
       </p:sp>
     </p:spTree>
+    <p:extLst>
+      <p:ext uri="{BB962C8B-B14F-4D97-AF65-F5344CB8AC3E}">
+        <p14:creationId xmlns:p14="http://schemas.microsoft.com/office/powerpoint/2010/main" val="3992166695"/>
+      </p:ext>
+    </p:extLst>
   </p:cSld>
+  <p:clrMapOvr>
+    <a:masterClrMapping/>
+  </p:clrMapOvr>
 </p:sld>
 </file>
 
-<file path=ppt/slides/slide16.xml><?xml version="1.0" encoding="utf-8"?>
+<file path=ppt/slides/slide18.xml><?xml version="1.0" encoding="utf-8"?>
 <p:sld xmlns:a="http://schemas.openxmlformats.org/drawingml/2006/main" xmlns:r="http://schemas.openxmlformats.org/officeDocument/2006/relationships" xmlns:p="http://schemas.openxmlformats.org/presentationml/2006/main">
   <p:cSld>
     <p:spTree>
@@ -4652,6 +5092,119 @@
             <p:ph type="title"/>
           </p:nvPr>
         </p:nvSpPr>
+        <p:spPr/>
+        <p:txBody>
+          <a:bodyPr/>
+          <a:lstStyle/>
+          <a:p>
+            <a:pPr marL="0" lvl="0" indent="0">
+              <a:buNone/>
+            </a:pPr>
+            <a:r>
+              <a:t>Create maps in R</a:t>
+            </a:r>
+          </a:p>
+        </p:txBody>
+      </p:sp>
+      <p:sp>
+        <p:nvSpPr>
+          <p:cNvPr id="3" name="Content Placeholder 2"/>
+          <p:cNvSpPr>
+            <a:spLocks noGrp="1"/>
+          </p:cNvSpPr>
+          <p:nvPr>
+            <p:ph idx="1"/>
+          </p:nvPr>
+        </p:nvSpPr>
+        <p:spPr/>
+        <p:txBody>
+          <a:bodyPr/>
+          <a:lstStyle/>
+          <a:p>
+            <a:pPr lvl="0"/>
+            <a:r>
+              <a:rPr i="1" dirty="0"/>
+              <a:t>tmap (tmap is an R package for visualization spatial data)</a:t>
+            </a:r>
+            <a:br>
+              <a:rPr dirty="0"/>
+            </a:br>
+            <a:r>
+              <a:rPr dirty="0">
+                <a:hlinkClick r:id="rId2"/>
+              </a:rPr>
+              <a:t>https://r-tmap.github.io/tmap-book/index.html</a:t>
+            </a:r>
+          </a:p>
+          <a:p>
+            <a:pPr marL="0" lvl="0" indent="0">
+              <a:buNone/>
+            </a:pPr>
+            <a:endParaRPr dirty="0">
+              <a:hlinkClick r:id="rId2"/>
+            </a:endParaRPr>
+          </a:p>
+          <a:p>
+            <a:pPr marL="0" lvl="0" indent="0">
+              <a:buNone/>
+            </a:pPr>
+            <a:endParaRPr dirty="0">
+              <a:hlinkClick r:id="rId2"/>
+            </a:endParaRPr>
+          </a:p>
+          <a:p>
+            <a:pPr lvl="0"/>
+            <a:r>
+              <a:rPr i="1" dirty="0"/>
+              <a:t>ggplot2 library (data visualization; one of the most popular packages in R)</a:t>
+            </a:r>
+            <a:br>
+              <a:rPr dirty="0"/>
+            </a:br>
+            <a:r>
+              <a:rPr dirty="0">
+                <a:hlinkClick r:id="rId3"/>
+              </a:rPr>
+              <a:t>https://r4ds.had.co.nz/data-visualisation.html</a:t>
+            </a:r>
+          </a:p>
+        </p:txBody>
+      </p:sp>
+    </p:spTree>
+  </p:cSld>
+  <p:clrMapOvr>
+    <a:masterClrMapping/>
+  </p:clrMapOvr>
+</p:sld>
+</file>
+
+<file path=ppt/slides/slide19.xml><?xml version="1.0" encoding="utf-8"?>
+<p:sld xmlns:a="http://schemas.openxmlformats.org/drawingml/2006/main" xmlns:r="http://schemas.openxmlformats.org/officeDocument/2006/relationships" xmlns:p="http://schemas.openxmlformats.org/presentationml/2006/main">
+  <p:cSld>
+    <p:spTree>
+      <p:nvGrpSpPr>
+        <p:cNvPr id="1" name=""/>
+        <p:cNvGrpSpPr/>
+        <p:nvPr/>
+      </p:nvGrpSpPr>
+      <p:grpSpPr>
+        <a:xfrm>
+          <a:off x="0" y="0"/>
+          <a:ext cx="0" cy="0"/>
+          <a:chOff x="0" y="0"/>
+          <a:chExt cx="0" cy="0"/>
+        </a:xfrm>
+      </p:grpSpPr>
+      <p:sp>
+        <p:nvSpPr>
+          <p:cNvPr id="2" name="Title 1"/>
+          <p:cNvSpPr>
+            <a:spLocks noGrp="1"/>
+          </p:cNvSpPr>
+          <p:nvPr>
+            <p:ph type="title"/>
+          </p:nvPr>
+        </p:nvSpPr>
         <p:spPr>
           <a:xfrm>
             <a:off x="457201" y="204787"/>
@@ -4662,11 +5215,10 @@
           <a:bodyPr/>
           <a:lstStyle/>
           <a:p>
-            <a:pPr lvl="0" indent="0" marL="0">
+            <a:pPr marL="0" lvl="0" indent="0">
               <a:buNone/>
             </a:pPr>
             <a:r>
-              <a:rPr/>
               <a:t>Using ggplot2</a:t>
             </a:r>
           </a:p>
@@ -4679,7 +5231,7 @@
             <a:spLocks noGrp="1"/>
           </p:cNvSpPr>
           <p:nvPr>
-            <p:ph idx="2" sz="half" type="body"/>
+            <p:ph type="body" sz="half" idx="2"/>
           </p:nvPr>
         </p:nvSpPr>
         <p:spPr/>
@@ -4843,7 +5395,7 @@
       </p:sp>
       <p:pic>
         <p:nvPicPr>
-          <p:cNvPr descr="week4_files/figure-pptx/unnamed-chunk-8-1.png" id="0" name="Picture 1"/>
+          <p:cNvPr id="3" name="Picture 1" descr="week4_files/figure-pptx/unnamed-chunk-8-1.png"/>
           <p:cNvPicPr>
             <a:picLocks noGrp="1" noChangeAspect="1"/>
           </p:cNvPicPr>
@@ -4873,10 +5425,13 @@
       </p:pic>
     </p:spTree>
   </p:cSld>
+  <p:clrMapOvr>
+    <a:masterClrMapping/>
+  </p:clrMapOvr>
 </p:sld>
 </file>
 
-<file path=ppt/slides/slide17.xml><?xml version="1.0" encoding="utf-8"?>
+<file path=ppt/slides/slide2.xml><?xml version="1.0" encoding="utf-8"?>
 <p:sld xmlns:a="http://schemas.openxmlformats.org/drawingml/2006/main" xmlns:r="http://schemas.openxmlformats.org/officeDocument/2006/relationships" xmlns:p="http://schemas.openxmlformats.org/presentationml/2006/main">
   <p:cSld>
     <p:spTree>
@@ -4895,12 +5450,12 @@
       </p:grpSpPr>
       <p:sp>
         <p:nvSpPr>
-          <p:cNvPr id="4" name="Text Placeholder 3"/>
-          <p:cNvSpPr>
-            <a:spLocks noGrp="1"/>
-          </p:cNvSpPr>
-          <p:nvPr>
-            <p:ph idx="2" sz="half" type="body"/>
+          <p:cNvPr id="2" name="Title 1"/>
+          <p:cNvSpPr>
+            <a:spLocks noGrp="1"/>
+          </p:cNvSpPr>
+          <p:nvPr>
+            <p:ph type="title"/>
           </p:nvPr>
         </p:nvSpPr>
         <p:spPr/>
@@ -4908,11 +5463,282 @@
           <a:bodyPr/>
           <a:lstStyle/>
           <a:p>
-            <a:pPr lvl="0" indent="0" marL="0">
+            <a:r>
+              <a:rPr lang="en-US" dirty="0"/>
+              <a:t>Create maps</a:t>
+            </a:r>
+            <a:endParaRPr dirty="0"/>
+          </a:p>
+        </p:txBody>
+      </p:sp>
+      <p:graphicFrame>
+        <p:nvGraphicFramePr>
+          <p:cNvPr id="6" name="Table 5">
+            <a:extLst>
+              <a:ext uri="{FF2B5EF4-FFF2-40B4-BE49-F238E27FC236}">
+                <a16:creationId xmlns:a16="http://schemas.microsoft.com/office/drawing/2014/main" id="{5BFBB586-C90B-C1D8-2E5A-4914F2FDD62A}"/>
+              </a:ext>
+            </a:extLst>
+          </p:cNvPr>
+          <p:cNvGraphicFramePr>
+            <a:graphicFrameLocks noGrp="1"/>
+          </p:cNvGraphicFramePr>
+          <p:nvPr>
+            <p:extLst>
+              <p:ext uri="{D42A27DB-BD31-4B8C-83A1-F6EECF244321}">
+                <p14:modId xmlns:p14="http://schemas.microsoft.com/office/powerpoint/2010/main" val="655054264"/>
+              </p:ext>
+            </p:extLst>
+          </p:nvPr>
+        </p:nvGraphicFramePr>
+        <p:xfrm>
+          <a:off x="390059" y="1119021"/>
+          <a:ext cx="8296740" cy="3504133"/>
+        </p:xfrm>
+        <a:graphic>
+          <a:graphicData uri="http://schemas.openxmlformats.org/drawingml/2006/table">
+            <a:tbl>
+              <a:tblPr firstRow="1" bandRow="1">
+                <a:tableStyleId>{5C22544A-7EE6-4342-B048-85BDC9FD1C3A}</a:tableStyleId>
+              </a:tblPr>
+              <a:tblGrid>
+                <a:gridCol w="1843720">
+                  <a:extLst>
+                    <a:ext uri="{9D8B030D-6E8A-4147-A177-3AD203B41FA5}">
+                      <a16:colId xmlns:a16="http://schemas.microsoft.com/office/drawing/2014/main" val="20000"/>
+                    </a:ext>
+                  </a:extLst>
+                </a:gridCol>
+                <a:gridCol w="3226510">
+                  <a:extLst>
+                    <a:ext uri="{9D8B030D-6E8A-4147-A177-3AD203B41FA5}">
+                      <a16:colId xmlns:a16="http://schemas.microsoft.com/office/drawing/2014/main" val="20001"/>
+                    </a:ext>
+                  </a:extLst>
+                </a:gridCol>
+                <a:gridCol w="3226510">
+                  <a:extLst>
+                    <a:ext uri="{9D8B030D-6E8A-4147-A177-3AD203B41FA5}">
+                      <a16:colId xmlns:a16="http://schemas.microsoft.com/office/drawing/2014/main" val="20002"/>
+                    </a:ext>
+                  </a:extLst>
+                </a:gridCol>
+              </a:tblGrid>
+              <a:tr h="1156479">
+                <a:tc>
+                  <a:txBody>
+                    <a:bodyPr/>
+                    <a:lstStyle/>
+                    <a:p>
+                      <a:endParaRPr/>
+                    </a:p>
+                  </a:txBody>
+                  <a:tcPr/>
+                </a:tc>
+                <a:tc>
+                  <a:txBody>
+                    <a:bodyPr/>
+                    <a:lstStyle/>
+                    <a:p>
+                      <a:r>
+                        <a:t>Upsides</a:t>
+                      </a:r>
+                    </a:p>
+                  </a:txBody>
+                  <a:tcPr/>
+                </a:tc>
+                <a:tc>
+                  <a:txBody>
+                    <a:bodyPr/>
+                    <a:lstStyle/>
+                    <a:p>
+                      <a:r>
+                        <a:t>Downsides</a:t>
+                      </a:r>
+                    </a:p>
+                  </a:txBody>
+                  <a:tcPr/>
+                </a:tc>
+                <a:extLst>
+                  <a:ext uri="{0D108BD9-81ED-4DB2-BD59-A6C34878D82A}">
+                    <a16:rowId xmlns:a16="http://schemas.microsoft.com/office/drawing/2014/main" val="10000"/>
+                  </a:ext>
+                </a:extLst>
+              </a:tr>
+              <a:tr h="1173827">
+                <a:tc>
+                  <a:txBody>
+                    <a:bodyPr/>
+                    <a:lstStyle/>
+                    <a:p>
+                      <a:r>
+                        <a:t>R Programming</a:t>
+                      </a:r>
+                    </a:p>
+                  </a:txBody>
+                  <a:tcPr/>
+                </a:tc>
+                <a:tc>
+                  <a:txBody>
+                    <a:bodyPr/>
+                    <a:lstStyle/>
+                    <a:p>
+                      <a:r>
+                        <a:t>- Flexibility and Customization</a:t>
+                      </a:r>
+                    </a:p>
+                    <a:p>
+                      <a:r>
+                        <a:t>- Reproducibility</a:t>
+                      </a:r>
+                    </a:p>
+                    <a:p>
+                      <a:r>
+                        <a:t>- Cost-effective</a:t>
+                      </a:r>
+                    </a:p>
+                  </a:txBody>
+                  <a:tcPr/>
+                </a:tc>
+                <a:tc>
+                  <a:txBody>
+                    <a:bodyPr/>
+                    <a:lstStyle/>
+                    <a:p>
+                      <a:r>
+                        <a:t>- Steeper learning curve</a:t>
+                      </a:r>
+                    </a:p>
+                    <a:p>
+                      <a:r>
+                        <a:t>- Performance with large datasets</a:t>
+                      </a:r>
+                    </a:p>
+                    <a:p>
+                      <a:r>
+                        <a:t>- Lack of intuitive GUI</a:t>
+                      </a:r>
+                    </a:p>
+                  </a:txBody>
+                  <a:tcPr/>
+                </a:tc>
+                <a:extLst>
+                  <a:ext uri="{0D108BD9-81ED-4DB2-BD59-A6C34878D82A}">
+                    <a16:rowId xmlns:a16="http://schemas.microsoft.com/office/drawing/2014/main" val="10001"/>
+                  </a:ext>
+                </a:extLst>
+              </a:tr>
+              <a:tr h="1173827">
+                <a:tc>
+                  <a:txBody>
+                    <a:bodyPr/>
+                    <a:lstStyle/>
+                    <a:p>
+                      <a:r>
+                        <a:t>ArcGIS</a:t>
+                      </a:r>
+                    </a:p>
+                  </a:txBody>
+                  <a:tcPr/>
+                </a:tc>
+                <a:tc>
+                  <a:txBody>
+                    <a:bodyPr/>
+                    <a:lstStyle/>
+                    <a:p>
+                      <a:r>
+                        <a:rPr dirty="0"/>
+                        <a:t>- User-friendly interface</a:t>
+                      </a:r>
+                    </a:p>
+                    <a:p>
+                      <a:r>
+                        <a:rPr dirty="0"/>
+                        <a:t>- Comprehensive tools</a:t>
+                      </a:r>
+                    </a:p>
+                  </a:txBody>
+                  <a:tcPr/>
+                </a:tc>
+                <a:tc>
+                  <a:txBody>
+                    <a:bodyPr/>
+                    <a:lstStyle/>
+                    <a:p>
+                      <a:r>
+                        <a:rPr dirty="0"/>
+                        <a:t>- High cost</a:t>
+                      </a:r>
+                    </a:p>
+                    <a:p>
+                      <a:r>
+                        <a:rPr dirty="0"/>
+                        <a:t>- Reproducibility challenges</a:t>
+                      </a:r>
+                    </a:p>
+                    <a:p>
+                      <a:r>
+                        <a:rPr dirty="0"/>
+                        <a:t>- Dependency on proprietary software</a:t>
+                      </a:r>
+                    </a:p>
+                  </a:txBody>
+                  <a:tcPr/>
+                </a:tc>
+                <a:extLst>
+                  <a:ext uri="{0D108BD9-81ED-4DB2-BD59-A6C34878D82A}">
+                    <a16:rowId xmlns:a16="http://schemas.microsoft.com/office/drawing/2014/main" val="10002"/>
+                  </a:ext>
+                </a:extLst>
+              </a:tr>
+            </a:tbl>
+          </a:graphicData>
+        </a:graphic>
+      </p:graphicFrame>
+    </p:spTree>
+  </p:cSld>
+  <p:clrMapOvr>
+    <a:masterClrMapping/>
+  </p:clrMapOvr>
+</p:sld>
+</file>
+
+<file path=ppt/slides/slide20.xml><?xml version="1.0" encoding="utf-8"?>
+<p:sld xmlns:a="http://schemas.openxmlformats.org/drawingml/2006/main" xmlns:r="http://schemas.openxmlformats.org/officeDocument/2006/relationships" xmlns:p="http://schemas.openxmlformats.org/presentationml/2006/main">
+  <p:cSld>
+    <p:spTree>
+      <p:nvGrpSpPr>
+        <p:cNvPr id="1" name=""/>
+        <p:cNvGrpSpPr/>
+        <p:nvPr/>
+      </p:nvGrpSpPr>
+      <p:grpSpPr>
+        <a:xfrm>
+          <a:off x="0" y="0"/>
+          <a:ext cx="0" cy="0"/>
+          <a:chOff x="0" y="0"/>
+          <a:chExt cx="0" cy="0"/>
+        </a:xfrm>
+      </p:grpSpPr>
+      <p:sp>
+        <p:nvSpPr>
+          <p:cNvPr id="4" name="Text Placeholder 3"/>
+          <p:cNvSpPr>
+            <a:spLocks noGrp="1"/>
+          </p:cNvSpPr>
+          <p:nvPr>
+            <p:ph type="body" sz="half" idx="2"/>
+          </p:nvPr>
+        </p:nvSpPr>
+        <p:spPr/>
+        <p:txBody>
+          <a:bodyPr/>
+          <a:lstStyle/>
+          <a:p>
+            <a:pPr marL="0" lvl="0" indent="0">
               <a:buNone/>
             </a:pPr>
             <a:r>
-              <a:rPr/>
               <a:t> ## ggplot2- Custom Styling</a:t>
             </a:r>
           </a:p>
@@ -5226,7 +6052,7 @@
       </p:sp>
       <p:pic>
         <p:nvPicPr>
-          <p:cNvPr descr="week4_files/figure-pptx/unnamed-chunk-9-1.png" id="0" name="Picture 1"/>
+          <p:cNvPr id="2" name="Picture 1" descr="week4_files/figure-pptx/unnamed-chunk-9-1.png"/>
           <p:cNvPicPr>
             <a:picLocks noGrp="1" noChangeAspect="1"/>
           </p:cNvPicPr>
@@ -5256,10 +6082,13 @@
       </p:pic>
     </p:spTree>
   </p:cSld>
+  <p:clrMapOvr>
+    <a:masterClrMapping/>
+  </p:clrMapOvr>
 </p:sld>
 </file>
 
-<file path=ppt/slides/slide18.xml><?xml version="1.0" encoding="utf-8"?>
+<file path=ppt/slides/slide21.xml><?xml version="1.0" encoding="utf-8"?>
 <p:sld xmlns:a="http://schemas.openxmlformats.org/drawingml/2006/main" xmlns:r="http://schemas.openxmlformats.org/officeDocument/2006/relationships" xmlns:p="http://schemas.openxmlformats.org/presentationml/2006/main">
   <p:cSld>
     <p:spTree>
@@ -5288,20 +6117,28 @@
         </p:nvSpPr>
         <p:spPr>
           <a:xfrm>
-            <a:off x="457201" y="204787"/>
-            <a:ext cx="3008313" cy="871538"/>
+            <a:off x="1563433" y="87530"/>
+            <a:ext cx="6122642" cy="871538"/>
           </a:xfrm>
         </p:spPr>
         <p:txBody>
           <a:bodyPr/>
           <a:lstStyle/>
           <a:p>
-            <a:pPr lvl="0" indent="0" marL="0">
+            <a:pPr marL="0" lvl="0" indent="0">
               <a:buNone/>
             </a:pPr>
             <a:r>
-              <a:rPr/>
-              <a:t>north arrow and scale bar using the ggspatial package</a:t>
+              <a:rPr dirty="0"/>
+              <a:t>north arrow and scale bar using the </a:t>
+            </a:r>
+            <a:r>
+              <a:rPr dirty="0" err="1"/>
+              <a:t>ggspatial</a:t>
+            </a:r>
+            <a:r>
+              <a:rPr dirty="0"/>
+              <a:t> package</a:t>
             </a:r>
           </a:p>
         </p:txBody>
@@ -5313,19 +6150,26 @@
             <a:spLocks noGrp="1"/>
           </p:cNvSpPr>
           <p:nvPr>
-            <p:ph idx="2" sz="half" type="body"/>
-          </p:nvPr>
-        </p:nvSpPr>
-        <p:spPr/>
-        <p:txBody>
-          <a:bodyPr/>
+            <p:ph type="body" sz="half" idx="2"/>
+          </p:nvPr>
+        </p:nvSpPr>
+        <p:spPr>
+          <a:xfrm>
+            <a:off x="815288" y="1050749"/>
+            <a:ext cx="7171325" cy="3518297"/>
+          </a:xfrm>
+        </p:spPr>
+        <p:txBody>
+          <a:bodyPr>
+            <a:normAutofit/>
+          </a:bodyPr>
           <a:lstStyle/>
           <a:p>
             <a:pPr lvl="0" indent="0">
               <a:buNone/>
             </a:pPr>
             <a:r>
-              <a:rPr>
+              <a:rPr dirty="0">
                 <a:solidFill>
                   <a:srgbClr val="06287E"/>
                 </a:solidFill>
@@ -5334,14 +6178,16 @@
               <a:t>library</a:t>
             </a:r>
             <a:r>
-              <a:rPr>
+              <a:rPr dirty="0">
                 <a:latin typeface="Courier"/>
               </a:rPr>
               <a:t>(ggplot2)</a:t>
             </a:r>
-            <a:br/>
-            <a:r>
-              <a:rPr>
+            <a:br>
+              <a:rPr dirty="0"/>
+            </a:br>
+            <a:r>
+              <a:rPr dirty="0">
                 <a:solidFill>
                   <a:srgbClr val="06287E"/>
                 </a:solidFill>
@@ -5350,15 +6196,31 @@
               <a:t>library</a:t>
             </a:r>
             <a:r>
-              <a:rPr>
-                <a:latin typeface="Courier"/>
-              </a:rPr>
-              <a:t>(ggspatial)</a:t>
-            </a:r>
-            <a:br/>
-            <a:br/>
-            <a:r>
-              <a:rPr i="1">
+              <a:rPr dirty="0">
+                <a:latin typeface="Courier"/>
+              </a:rPr>
+              <a:t>(</a:t>
+            </a:r>
+            <a:r>
+              <a:rPr dirty="0" err="1">
+                <a:latin typeface="Courier"/>
+              </a:rPr>
+              <a:t>ggspatial</a:t>
+            </a:r>
+            <a:r>
+              <a:rPr dirty="0">
+                <a:latin typeface="Courier"/>
+              </a:rPr>
+              <a:t>)</a:t>
+            </a:r>
+            <a:br>
+              <a:rPr dirty="0"/>
+            </a:br>
+            <a:br>
+              <a:rPr dirty="0"/>
+            </a:br>
+            <a:r>
+              <a:rPr i="1" dirty="0">
                 <a:solidFill>
                   <a:srgbClr val="60A0B0"/>
                 </a:solidFill>
@@ -5366,15 +6228,23 @@
               </a:rPr>
               <a:t># Define margins to make space for the scale bar</a:t>
             </a:r>
-            <a:br/>
-            <a:r>
-              <a:rPr>
-                <a:latin typeface="Courier"/>
-              </a:rPr>
-              <a:t>plot_margin </a:t>
-            </a:r>
-            <a:r>
-              <a:rPr>
+            <a:br>
+              <a:rPr dirty="0"/>
+            </a:br>
+            <a:r>
+              <a:rPr dirty="0" err="1">
+                <a:latin typeface="Courier"/>
+              </a:rPr>
+              <a:t>plot_margin</a:t>
+            </a:r>
+            <a:r>
+              <a:rPr dirty="0">
+                <a:latin typeface="Courier"/>
+              </a:rPr>
+              <a:t> </a:t>
+            </a:r>
+            <a:r>
+              <a:rPr dirty="0">
                 <a:solidFill>
                   <a:srgbClr val="007020"/>
                 </a:solidFill>
@@ -5383,13 +6253,13 @@
               <a:t>&lt;-</a:t>
             </a:r>
             <a:r>
-              <a:rPr>
+              <a:rPr dirty="0">
                 <a:latin typeface="Courier"/>
               </a:rPr>
               <a:t> </a:t>
             </a:r>
             <a:r>
-              <a:rPr>
+              <a:rPr dirty="0">
                 <a:solidFill>
                   <a:srgbClr val="06287E"/>
                 </a:solidFill>
@@ -5398,28 +6268,37 @@
               <a:t>theme</a:t>
             </a:r>
             <a:r>
-              <a:rPr>
+              <a:rPr dirty="0">
                 <a:latin typeface="Courier"/>
               </a:rPr>
               <a:t>(</a:t>
             </a:r>
             <a:r>
-              <a:rPr>
+              <a:rPr dirty="0" err="1">
                 <a:solidFill>
                   <a:srgbClr val="7D9029"/>
                 </a:solidFill>
                 <a:latin typeface="Courier"/>
               </a:rPr>
-              <a:t>plot.margin =</a:t>
-            </a:r>
-            <a:r>
-              <a:rPr>
+              <a:t>plot.margin</a:t>
+            </a:r>
+            <a:r>
+              <a:rPr dirty="0">
+                <a:solidFill>
+                  <a:srgbClr val="7D9029"/>
+                </a:solidFill>
+                <a:latin typeface="Courier"/>
+              </a:rPr>
+              <a:t> =</a:t>
+            </a:r>
+            <a:r>
+              <a:rPr dirty="0">
                 <a:latin typeface="Courier"/>
               </a:rPr>
               <a:t> </a:t>
             </a:r>
             <a:r>
-              <a:rPr>
+              <a:rPr dirty="0">
                 <a:solidFill>
                   <a:srgbClr val="06287E"/>
                 </a:solidFill>
@@ -5428,13 +6307,13 @@
               <a:t>unit</a:t>
             </a:r>
             <a:r>
-              <a:rPr>
+              <a:rPr dirty="0">
                 <a:latin typeface="Courier"/>
               </a:rPr>
               <a:t>(</a:t>
             </a:r>
             <a:r>
-              <a:rPr>
+              <a:rPr dirty="0">
                 <a:solidFill>
                   <a:srgbClr val="06287E"/>
                 </a:solidFill>
@@ -5443,13 +6322,13 @@
               <a:t>c</a:t>
             </a:r>
             <a:r>
-              <a:rPr>
+              <a:rPr dirty="0">
                 <a:latin typeface="Courier"/>
               </a:rPr>
               <a:t>(</a:t>
             </a:r>
             <a:r>
-              <a:rPr>
+              <a:rPr dirty="0">
                 <a:solidFill>
                   <a:srgbClr val="40A070"/>
                 </a:solidFill>
@@ -5458,13 +6337,13 @@
               <a:t>1</a:t>
             </a:r>
             <a:r>
-              <a:rPr>
+              <a:rPr dirty="0">
                 <a:latin typeface="Courier"/>
               </a:rPr>
               <a:t>, </a:t>
             </a:r>
             <a:r>
-              <a:rPr>
+              <a:rPr dirty="0">
                 <a:solidFill>
                   <a:srgbClr val="40A070"/>
                 </a:solidFill>
@@ -5473,13 +6352,13 @@
               <a:t>1</a:t>
             </a:r>
             <a:r>
-              <a:rPr>
+              <a:rPr dirty="0">
                 <a:latin typeface="Courier"/>
               </a:rPr>
               <a:t>, </a:t>
             </a:r>
             <a:r>
-              <a:rPr>
+              <a:rPr dirty="0">
                 <a:solidFill>
                   <a:srgbClr val="40A070"/>
                 </a:solidFill>
@@ -5488,13 +6367,13 @@
               <a:t>1</a:t>
             </a:r>
             <a:r>
-              <a:rPr>
+              <a:rPr dirty="0">
                 <a:latin typeface="Courier"/>
               </a:rPr>
               <a:t>, </a:t>
             </a:r>
             <a:r>
-              <a:rPr>
+              <a:rPr dirty="0">
                 <a:solidFill>
                   <a:srgbClr val="40A070"/>
                 </a:solidFill>
@@ -5503,13 +6382,13 @@
               <a:t>1</a:t>
             </a:r>
             <a:r>
-              <a:rPr>
+              <a:rPr dirty="0">
                 <a:latin typeface="Courier"/>
               </a:rPr>
               <a:t>), </a:t>
             </a:r>
             <a:r>
-              <a:rPr>
+              <a:rPr dirty="0">
                 <a:solidFill>
                   <a:srgbClr val="4070A0"/>
                 </a:solidFill>
@@ -5518,15 +6397,19 @@
               <a:t>"cm"</a:t>
             </a:r>
             <a:r>
-              <a:rPr>
+              <a:rPr dirty="0">
                 <a:latin typeface="Courier"/>
               </a:rPr>
               <a:t>))</a:t>
             </a:r>
-            <a:br/>
-            <a:br/>
-            <a:r>
-              <a:rPr i="1">
+            <a:br>
+              <a:rPr dirty="0"/>
+            </a:br>
+            <a:br>
+              <a:rPr dirty="0"/>
+            </a:br>
+            <a:r>
+              <a:rPr i="1" dirty="0">
                 <a:solidFill>
                   <a:srgbClr val="60A0B0"/>
                 </a:solidFill>
@@ -5534,9 +6417,11 @@
               </a:rPr>
               <a:t># Basic map with north arrow and scale bar placed outside the plotting area</a:t>
             </a:r>
-            <a:br/>
-            <a:r>
-              <a:rPr>
+            <a:br>
+              <a:rPr dirty="0"/>
+            </a:br>
+            <a:r>
+              <a:rPr dirty="0" err="1">
                 <a:solidFill>
                   <a:srgbClr val="06287E"/>
                 </a:solidFill>
@@ -5545,13 +6430,13 @@
               <a:t>ggplot</a:t>
             </a:r>
             <a:r>
-              <a:rPr>
+              <a:rPr dirty="0">
                 <a:latin typeface="Courier"/>
               </a:rPr>
               <a:t>(</a:t>
             </a:r>
             <a:r>
-              <a:rPr>
+              <a:rPr dirty="0">
                 <a:solidFill>
                   <a:srgbClr val="7D9029"/>
                 </a:solidFill>
@@ -5560,13 +6445,25 @@
               <a:t>data =</a:t>
             </a:r>
             <a:r>
-              <a:rPr>
-                <a:latin typeface="Courier"/>
-              </a:rPr>
-              <a:t> income_va) </a:t>
-            </a:r>
-            <a:r>
-              <a:rPr>
+              <a:rPr dirty="0">
+                <a:latin typeface="Courier"/>
+              </a:rPr>
+              <a:t> </a:t>
+            </a:r>
+            <a:r>
+              <a:rPr dirty="0" err="1">
+                <a:latin typeface="Courier"/>
+              </a:rPr>
+              <a:t>income_va</a:t>
+            </a:r>
+            <a:r>
+              <a:rPr dirty="0">
+                <a:latin typeface="Courier"/>
+              </a:rPr>
+              <a:t>) </a:t>
+            </a:r>
+            <a:r>
+              <a:rPr dirty="0">
                 <a:solidFill>
                   <a:srgbClr val="4070A0"/>
                 </a:solidFill>
@@ -5574,15 +6471,17 @@
               </a:rPr>
               <a:t>+</a:t>
             </a:r>
-            <a:br/>
-            <a:r>
-              <a:rPr>
+            <a:br>
+              <a:rPr dirty="0"/>
+            </a:br>
+            <a:r>
+              <a:rPr dirty="0">
                 <a:latin typeface="Courier"/>
               </a:rPr>
               <a:t>  </a:t>
             </a:r>
             <a:r>
-              <a:rPr>
+              <a:rPr dirty="0" err="1">
                 <a:solidFill>
                   <a:srgbClr val="06287E"/>
                 </a:solidFill>
@@ -5591,13 +6490,13 @@
               <a:t>geom_sf</a:t>
             </a:r>
             <a:r>
-              <a:rPr>
+              <a:rPr dirty="0">
                 <a:latin typeface="Courier"/>
               </a:rPr>
               <a:t>(</a:t>
             </a:r>
             <a:r>
-              <a:rPr>
+              <a:rPr dirty="0" err="1">
                 <a:solidFill>
                   <a:srgbClr val="06287E"/>
                 </a:solidFill>
@@ -5606,13 +6505,13 @@
               <a:t>aes</a:t>
             </a:r>
             <a:r>
-              <a:rPr>
+              <a:rPr dirty="0">
                 <a:latin typeface="Courier"/>
               </a:rPr>
               <a:t>(</a:t>
             </a:r>
             <a:r>
-              <a:rPr>
+              <a:rPr dirty="0">
                 <a:solidFill>
                   <a:srgbClr val="7D9029"/>
                 </a:solidFill>
@@ -5621,13 +6520,13 @@
               <a:t>fill =</a:t>
             </a:r>
             <a:r>
-              <a:rPr>
+              <a:rPr dirty="0">
                 <a:latin typeface="Courier"/>
               </a:rPr>
               <a:t> income)) </a:t>
             </a:r>
             <a:r>
-              <a:rPr>
+              <a:rPr dirty="0">
                 <a:solidFill>
                   <a:srgbClr val="4070A0"/>
                 </a:solidFill>
@@ -5635,15 +6534,17 @@
               </a:rPr>
               <a:t>+</a:t>
             </a:r>
-            <a:br/>
-            <a:r>
-              <a:rPr>
+            <a:br>
+              <a:rPr dirty="0"/>
+            </a:br>
+            <a:r>
+              <a:rPr dirty="0">
                 <a:latin typeface="Courier"/>
               </a:rPr>
               <a:t>  </a:t>
             </a:r>
             <a:r>
-              <a:rPr>
+              <a:rPr dirty="0" err="1">
                 <a:solidFill>
                   <a:srgbClr val="06287E"/>
                 </a:solidFill>
@@ -5652,13 +6553,13 @@
               <a:t>scale_fill_viridis_c</a:t>
             </a:r>
             <a:r>
-              <a:rPr>
+              <a:rPr dirty="0">
                 <a:latin typeface="Courier"/>
               </a:rPr>
               <a:t>(</a:t>
             </a:r>
             <a:r>
-              <a:rPr>
+              <a:rPr dirty="0">
                 <a:solidFill>
                   <a:srgbClr val="7D9029"/>
                 </a:solidFill>
@@ -5667,13 +6568,13 @@
               <a:t>option =</a:t>
             </a:r>
             <a:r>
-              <a:rPr>
+              <a:rPr dirty="0">
                 <a:latin typeface="Courier"/>
               </a:rPr>
               <a:t> </a:t>
             </a:r>
             <a:r>
-              <a:rPr>
+              <a:rPr dirty="0">
                 <a:solidFill>
                   <a:srgbClr val="4070A0"/>
                 </a:solidFill>
@@ -5682,13 +6583,13 @@
               <a:t>"plasma"</a:t>
             </a:r>
             <a:r>
-              <a:rPr>
+              <a:rPr dirty="0">
                 <a:latin typeface="Courier"/>
               </a:rPr>
               <a:t>) </a:t>
             </a:r>
             <a:r>
-              <a:rPr>
+              <a:rPr dirty="0">
                 <a:solidFill>
                   <a:srgbClr val="4070A0"/>
                 </a:solidFill>
@@ -5696,15 +6597,17 @@
               </a:rPr>
               <a:t>+</a:t>
             </a:r>
-            <a:br/>
-            <a:r>
-              <a:rPr>
+            <a:br>
+              <a:rPr dirty="0"/>
+            </a:br>
+            <a:r>
+              <a:rPr dirty="0">
                 <a:latin typeface="Courier"/>
               </a:rPr>
               <a:t>  </a:t>
             </a:r>
             <a:r>
-              <a:rPr>
+              <a:rPr dirty="0" err="1">
                 <a:solidFill>
                   <a:srgbClr val="06287E"/>
                 </a:solidFill>
@@ -5713,13 +6616,13 @@
               <a:t>annotation_scale</a:t>
             </a:r>
             <a:r>
-              <a:rPr>
+              <a:rPr dirty="0">
                 <a:latin typeface="Courier"/>
               </a:rPr>
               <a:t>(</a:t>
             </a:r>
             <a:r>
-              <a:rPr>
+              <a:rPr dirty="0">
                 <a:solidFill>
                   <a:srgbClr val="7D9029"/>
                 </a:solidFill>
@@ -5728,13 +6631,13 @@
               <a:t>location =</a:t>
             </a:r>
             <a:r>
-              <a:rPr>
+              <a:rPr dirty="0">
                 <a:latin typeface="Courier"/>
               </a:rPr>
               <a:t> </a:t>
             </a:r>
             <a:r>
-              <a:rPr>
+              <a:rPr dirty="0">
                 <a:solidFill>
                   <a:srgbClr val="4070A0"/>
                 </a:solidFill>
@@ -5743,28 +6646,37 @@
               <a:t>"bl"</a:t>
             </a:r>
             <a:r>
-              <a:rPr>
+              <a:rPr dirty="0">
                 <a:latin typeface="Courier"/>
               </a:rPr>
               <a:t>, </a:t>
             </a:r>
             <a:r>
-              <a:rPr>
+              <a:rPr dirty="0" err="1">
                 <a:solidFill>
                   <a:srgbClr val="7D9029"/>
                 </a:solidFill>
                 <a:latin typeface="Courier"/>
               </a:rPr>
-              <a:t>width_hint =</a:t>
-            </a:r>
-            <a:r>
-              <a:rPr>
+              <a:t>width_hint</a:t>
+            </a:r>
+            <a:r>
+              <a:rPr dirty="0">
+                <a:solidFill>
+                  <a:srgbClr val="7D9029"/>
+                </a:solidFill>
+                <a:latin typeface="Courier"/>
+              </a:rPr>
+              <a:t> =</a:t>
+            </a:r>
+            <a:r>
+              <a:rPr dirty="0">
                 <a:latin typeface="Courier"/>
               </a:rPr>
               <a:t> </a:t>
             </a:r>
             <a:r>
-              <a:rPr>
+              <a:rPr dirty="0">
                 <a:solidFill>
                   <a:srgbClr val="40A070"/>
                 </a:solidFill>
@@ -5773,35 +6685,46 @@
               <a:t>0.5</a:t>
             </a:r>
             <a:r>
-              <a:rPr>
+              <a:rPr dirty="0">
                 <a:latin typeface="Courier"/>
               </a:rPr>
               <a:t>, </a:t>
             </a:r>
-            <a:br/>
-            <a:r>
-              <a:rPr>
+            <a:br>
+              <a:rPr dirty="0"/>
+            </a:br>
+            <a:r>
+              <a:rPr dirty="0">
                 <a:latin typeface="Courier"/>
               </a:rPr>
               <a:t>                   </a:t>
             </a:r>
             <a:r>
-              <a:rPr>
+              <a:rPr dirty="0" err="1">
                 <a:solidFill>
                   <a:srgbClr val="7D9029"/>
                 </a:solidFill>
                 <a:latin typeface="Courier"/>
               </a:rPr>
-              <a:t>pad_x =</a:t>
-            </a:r>
-            <a:r>
-              <a:rPr>
+              <a:t>pad_x</a:t>
+            </a:r>
+            <a:r>
+              <a:rPr dirty="0">
+                <a:solidFill>
+                  <a:srgbClr val="7D9029"/>
+                </a:solidFill>
+                <a:latin typeface="Courier"/>
+              </a:rPr>
+              <a:t> =</a:t>
+            </a:r>
+            <a:r>
+              <a:rPr dirty="0">
                 <a:latin typeface="Courier"/>
               </a:rPr>
               <a:t> </a:t>
             </a:r>
             <a:r>
-              <a:rPr>
+              <a:rPr dirty="0">
                 <a:solidFill>
                   <a:srgbClr val="06287E"/>
                 </a:solidFill>
@@ -5810,13 +6733,13 @@
               <a:t>unit</a:t>
             </a:r>
             <a:r>
-              <a:rPr>
+              <a:rPr dirty="0">
                 <a:latin typeface="Courier"/>
               </a:rPr>
               <a:t>(</a:t>
             </a:r>
             <a:r>
-              <a:rPr>
+              <a:rPr dirty="0">
                 <a:solidFill>
                   <a:srgbClr val="40A070"/>
                 </a:solidFill>
@@ -5825,13 +6748,13 @@
               <a:t>0.5</a:t>
             </a:r>
             <a:r>
-              <a:rPr>
+              <a:rPr dirty="0">
                 <a:latin typeface="Courier"/>
               </a:rPr>
               <a:t>, </a:t>
             </a:r>
             <a:r>
-              <a:rPr>
+              <a:rPr dirty="0">
                 <a:solidFill>
                   <a:srgbClr val="4070A0"/>
                 </a:solidFill>
@@ -5840,28 +6763,37 @@
               <a:t>"in"</a:t>
             </a:r>
             <a:r>
-              <a:rPr>
+              <a:rPr dirty="0">
                 <a:latin typeface="Courier"/>
               </a:rPr>
               <a:t>), </a:t>
             </a:r>
             <a:r>
-              <a:rPr>
+              <a:rPr dirty="0" err="1">
                 <a:solidFill>
                   <a:srgbClr val="7D9029"/>
                 </a:solidFill>
                 <a:latin typeface="Courier"/>
               </a:rPr>
-              <a:t>pad_y =</a:t>
-            </a:r>
-            <a:r>
-              <a:rPr>
+              <a:t>pad_y</a:t>
+            </a:r>
+            <a:r>
+              <a:rPr dirty="0">
+                <a:solidFill>
+                  <a:srgbClr val="7D9029"/>
+                </a:solidFill>
+                <a:latin typeface="Courier"/>
+              </a:rPr>
+              <a:t> =</a:t>
+            </a:r>
+            <a:r>
+              <a:rPr dirty="0">
                 <a:latin typeface="Courier"/>
               </a:rPr>
               <a:t> </a:t>
             </a:r>
             <a:r>
-              <a:rPr>
+              <a:rPr dirty="0">
                 <a:solidFill>
                   <a:srgbClr val="06287E"/>
                 </a:solidFill>
@@ -5870,13 +6802,13 @@
               <a:t>unit</a:t>
             </a:r>
             <a:r>
-              <a:rPr>
+              <a:rPr dirty="0">
                 <a:latin typeface="Courier"/>
               </a:rPr>
               <a:t>(</a:t>
             </a:r>
             <a:r>
-              <a:rPr>
+              <a:rPr dirty="0">
                 <a:solidFill>
                   <a:srgbClr val="40A070"/>
                 </a:solidFill>
@@ -5885,13 +6817,13 @@
               <a:t>0</a:t>
             </a:r>
             <a:r>
-              <a:rPr>
+              <a:rPr dirty="0">
                 <a:latin typeface="Courier"/>
               </a:rPr>
               <a:t>, </a:t>
             </a:r>
             <a:r>
-              <a:rPr>
+              <a:rPr dirty="0">
                 <a:solidFill>
                   <a:srgbClr val="4070A0"/>
                 </a:solidFill>
@@ -5900,20 +6832,22 @@
               <a:t>"in"</a:t>
             </a:r>
             <a:r>
-              <a:rPr>
+              <a:rPr dirty="0">
                 <a:latin typeface="Courier"/>
               </a:rPr>
               <a:t>), </a:t>
             </a:r>
-            <a:br/>
-            <a:r>
-              <a:rPr>
+            <a:br>
+              <a:rPr dirty="0"/>
+            </a:br>
+            <a:r>
+              <a:rPr dirty="0">
                 <a:latin typeface="Courier"/>
               </a:rPr>
               <a:t>                   </a:t>
             </a:r>
             <a:r>
-              <a:rPr>
+              <a:rPr dirty="0">
                 <a:solidFill>
                   <a:srgbClr val="7D9029"/>
                 </a:solidFill>
@@ -5922,13 +6856,13 @@
               <a:t>height =</a:t>
             </a:r>
             <a:r>
-              <a:rPr>
+              <a:rPr dirty="0">
                 <a:latin typeface="Courier"/>
               </a:rPr>
               <a:t> </a:t>
             </a:r>
             <a:r>
-              <a:rPr>
+              <a:rPr dirty="0">
                 <a:solidFill>
                   <a:srgbClr val="06287E"/>
                 </a:solidFill>
@@ -5937,13 +6871,13 @@
               <a:t>unit</a:t>
             </a:r>
             <a:r>
-              <a:rPr>
+              <a:rPr dirty="0">
                 <a:latin typeface="Courier"/>
               </a:rPr>
               <a:t>(</a:t>
             </a:r>
             <a:r>
-              <a:rPr>
+              <a:rPr dirty="0">
                 <a:solidFill>
                   <a:srgbClr val="40A070"/>
                 </a:solidFill>
@@ -5952,13 +6886,13 @@
               <a:t>0.2</a:t>
             </a:r>
             <a:r>
-              <a:rPr>
+              <a:rPr dirty="0">
                 <a:latin typeface="Courier"/>
               </a:rPr>
               <a:t>, </a:t>
             </a:r>
             <a:r>
-              <a:rPr>
+              <a:rPr dirty="0">
                 <a:solidFill>
                   <a:srgbClr val="4070A0"/>
                 </a:solidFill>
@@ -5967,13 +6901,13 @@
               <a:t>"cm"</a:t>
             </a:r>
             <a:r>
-              <a:rPr>
+              <a:rPr dirty="0">
                 <a:latin typeface="Courier"/>
               </a:rPr>
               <a:t>)) </a:t>
             </a:r>
             <a:r>
-              <a:rPr>
+              <a:rPr dirty="0">
                 <a:solidFill>
                   <a:srgbClr val="4070A0"/>
                 </a:solidFill>
@@ -5981,15 +6915,17 @@
               </a:rPr>
               <a:t>+</a:t>
             </a:r>
-            <a:br/>
-            <a:r>
-              <a:rPr>
+            <a:br>
+              <a:rPr dirty="0"/>
+            </a:br>
+            <a:r>
+              <a:rPr dirty="0">
                 <a:latin typeface="Courier"/>
               </a:rPr>
               <a:t>  </a:t>
             </a:r>
             <a:r>
-              <a:rPr>
+              <a:rPr dirty="0" err="1">
                 <a:solidFill>
                   <a:srgbClr val="06287E"/>
                 </a:solidFill>
@@ -5998,13 +6934,13 @@
               <a:t>annotation_north_arrow</a:t>
             </a:r>
             <a:r>
-              <a:rPr>
+              <a:rPr dirty="0">
                 <a:latin typeface="Courier"/>
               </a:rPr>
               <a:t>(</a:t>
             </a:r>
             <a:r>
-              <a:rPr>
+              <a:rPr dirty="0">
                 <a:solidFill>
                   <a:srgbClr val="7D9029"/>
                 </a:solidFill>
@@ -6013,43 +6949,70 @@
               <a:t>location =</a:t>
             </a:r>
             <a:r>
-              <a:rPr>
+              <a:rPr dirty="0">
                 <a:latin typeface="Courier"/>
               </a:rPr>
               <a:t> </a:t>
             </a:r>
             <a:r>
-              <a:rPr>
+              <a:rPr dirty="0">
                 <a:solidFill>
                   <a:srgbClr val="4070A0"/>
                 </a:solidFill>
                 <a:latin typeface="Courier"/>
               </a:rPr>
-              <a:t>"tl"</a:t>
-            </a:r>
-            <a:r>
-              <a:rPr>
+              <a:t>"</a:t>
+            </a:r>
+            <a:r>
+              <a:rPr dirty="0" err="1">
+                <a:solidFill>
+                  <a:srgbClr val="4070A0"/>
+                </a:solidFill>
+                <a:latin typeface="Courier"/>
+              </a:rPr>
+              <a:t>tl</a:t>
+            </a:r>
+            <a:r>
+              <a:rPr dirty="0">
+                <a:solidFill>
+                  <a:srgbClr val="4070A0"/>
+                </a:solidFill>
+                <a:latin typeface="Courier"/>
+              </a:rPr>
+              <a:t>"</a:t>
+            </a:r>
+            <a:r>
+              <a:rPr dirty="0">
                 <a:latin typeface="Courier"/>
               </a:rPr>
               <a:t>, </a:t>
             </a:r>
             <a:r>
-              <a:rPr>
+              <a:rPr dirty="0" err="1">
                 <a:solidFill>
                   <a:srgbClr val="7D9029"/>
                 </a:solidFill>
                 <a:latin typeface="Courier"/>
               </a:rPr>
-              <a:t>which_north =</a:t>
-            </a:r>
-            <a:r>
-              <a:rPr>
+              <a:t>which_north</a:t>
+            </a:r>
+            <a:r>
+              <a:rPr dirty="0">
+                <a:solidFill>
+                  <a:srgbClr val="7D9029"/>
+                </a:solidFill>
+                <a:latin typeface="Courier"/>
+              </a:rPr>
+              <a:t> =</a:t>
+            </a:r>
+            <a:r>
+              <a:rPr dirty="0">
                 <a:latin typeface="Courier"/>
               </a:rPr>
               <a:t> </a:t>
             </a:r>
             <a:r>
-              <a:rPr>
+              <a:rPr dirty="0">
                 <a:solidFill>
                   <a:srgbClr val="4070A0"/>
                 </a:solidFill>
@@ -6058,35 +7021,46 @@
               <a:t>"true"</a:t>
             </a:r>
             <a:r>
-              <a:rPr>
+              <a:rPr dirty="0">
                 <a:latin typeface="Courier"/>
               </a:rPr>
               <a:t>, </a:t>
             </a:r>
-            <a:br/>
-            <a:r>
-              <a:rPr>
+            <a:br>
+              <a:rPr dirty="0"/>
+            </a:br>
+            <a:r>
+              <a:rPr dirty="0">
                 <a:latin typeface="Courier"/>
               </a:rPr>
               <a:t>                         </a:t>
             </a:r>
             <a:r>
-              <a:rPr>
+              <a:rPr dirty="0" err="1">
                 <a:solidFill>
                   <a:srgbClr val="7D9029"/>
                 </a:solidFill>
                 <a:latin typeface="Courier"/>
               </a:rPr>
-              <a:t>pad_x =</a:t>
-            </a:r>
-            <a:r>
-              <a:rPr>
+              <a:t>pad_x</a:t>
+            </a:r>
+            <a:r>
+              <a:rPr dirty="0">
+                <a:solidFill>
+                  <a:srgbClr val="7D9029"/>
+                </a:solidFill>
+                <a:latin typeface="Courier"/>
+              </a:rPr>
+              <a:t> =</a:t>
+            </a:r>
+            <a:r>
+              <a:rPr dirty="0">
                 <a:latin typeface="Courier"/>
               </a:rPr>
               <a:t> </a:t>
             </a:r>
             <a:r>
-              <a:rPr>
+              <a:rPr dirty="0">
                 <a:solidFill>
                   <a:srgbClr val="06287E"/>
                 </a:solidFill>
@@ -6095,13 +7069,13 @@
               <a:t>unit</a:t>
             </a:r>
             <a:r>
-              <a:rPr>
+              <a:rPr dirty="0">
                 <a:latin typeface="Courier"/>
               </a:rPr>
               <a:t>(</a:t>
             </a:r>
             <a:r>
-              <a:rPr>
+              <a:rPr dirty="0">
                 <a:solidFill>
                   <a:srgbClr val="40A070"/>
                 </a:solidFill>
@@ -6110,13 +7084,13 @@
               <a:t>0.1</a:t>
             </a:r>
             <a:r>
-              <a:rPr>
+              <a:rPr dirty="0">
                 <a:latin typeface="Courier"/>
               </a:rPr>
               <a:t>, </a:t>
             </a:r>
             <a:r>
-              <a:rPr>
+              <a:rPr dirty="0">
                 <a:solidFill>
                   <a:srgbClr val="4070A0"/>
                 </a:solidFill>
@@ -6125,28 +7099,37 @@
               <a:t>"in"</a:t>
             </a:r>
             <a:r>
-              <a:rPr>
+              <a:rPr dirty="0">
                 <a:latin typeface="Courier"/>
               </a:rPr>
               <a:t>), </a:t>
             </a:r>
             <a:r>
-              <a:rPr>
+              <a:rPr dirty="0" err="1">
                 <a:solidFill>
                   <a:srgbClr val="7D9029"/>
                 </a:solidFill>
                 <a:latin typeface="Courier"/>
               </a:rPr>
-              <a:t>pad_y =</a:t>
-            </a:r>
-            <a:r>
-              <a:rPr>
+              <a:t>pad_y</a:t>
+            </a:r>
+            <a:r>
+              <a:rPr dirty="0">
+                <a:solidFill>
+                  <a:srgbClr val="7D9029"/>
+                </a:solidFill>
+                <a:latin typeface="Courier"/>
+              </a:rPr>
+              <a:t> =</a:t>
+            </a:r>
+            <a:r>
+              <a:rPr dirty="0">
                 <a:latin typeface="Courier"/>
               </a:rPr>
               <a:t> </a:t>
             </a:r>
             <a:r>
-              <a:rPr>
+              <a:rPr dirty="0">
                 <a:solidFill>
                   <a:srgbClr val="06287E"/>
                 </a:solidFill>
@@ -6155,13 +7138,13 @@
               <a:t>unit</a:t>
             </a:r>
             <a:r>
-              <a:rPr>
+              <a:rPr dirty="0">
                 <a:latin typeface="Courier"/>
               </a:rPr>
               <a:t>(</a:t>
             </a:r>
             <a:r>
-              <a:rPr>
+              <a:rPr dirty="0">
                 <a:solidFill>
                   <a:srgbClr val="40A070"/>
                 </a:solidFill>
@@ -6170,13 +7153,13 @@
               <a:t>0</a:t>
             </a:r>
             <a:r>
-              <a:rPr>
+              <a:rPr dirty="0">
                 <a:latin typeface="Courier"/>
               </a:rPr>
               <a:t>, </a:t>
             </a:r>
             <a:r>
-              <a:rPr>
+              <a:rPr dirty="0">
                 <a:solidFill>
                   <a:srgbClr val="4070A0"/>
                 </a:solidFill>
@@ -6185,20 +7168,22 @@
               <a:t>"in"</a:t>
             </a:r>
             <a:r>
-              <a:rPr>
+              <a:rPr dirty="0">
                 <a:latin typeface="Courier"/>
               </a:rPr>
               <a:t>),</a:t>
             </a:r>
-            <a:br/>
-            <a:r>
-              <a:rPr>
+            <a:br>
+              <a:rPr dirty="0"/>
+            </a:br>
+            <a:r>
+              <a:rPr dirty="0">
                 <a:latin typeface="Courier"/>
               </a:rPr>
               <a:t>                         </a:t>
             </a:r>
             <a:r>
-              <a:rPr>
+              <a:rPr dirty="0">
                 <a:solidFill>
                   <a:srgbClr val="7D9029"/>
                 </a:solidFill>
@@ -6207,13 +7192,25 @@
               <a:t>style =</a:t>
             </a:r>
             <a:r>
-              <a:rPr>
-                <a:latin typeface="Courier"/>
-              </a:rPr>
-              <a:t> north_arrow_fancy_orienteering) </a:t>
-            </a:r>
-            <a:r>
-              <a:rPr>
+              <a:rPr dirty="0">
+                <a:latin typeface="Courier"/>
+              </a:rPr>
+              <a:t> </a:t>
+            </a:r>
+            <a:r>
+              <a:rPr dirty="0" err="1">
+                <a:latin typeface="Courier"/>
+              </a:rPr>
+              <a:t>north_arrow_fancy_orienteering</a:t>
+            </a:r>
+            <a:r>
+              <a:rPr dirty="0">
+                <a:latin typeface="Courier"/>
+              </a:rPr>
+              <a:t>) </a:t>
+            </a:r>
+            <a:r>
+              <a:rPr dirty="0">
                 <a:solidFill>
                   <a:srgbClr val="4070A0"/>
                 </a:solidFill>
@@ -6221,15 +7218,17 @@
               </a:rPr>
               <a:t>+</a:t>
             </a:r>
-            <a:br/>
-            <a:r>
-              <a:rPr>
+            <a:br>
+              <a:rPr dirty="0"/>
+            </a:br>
+            <a:r>
+              <a:rPr dirty="0">
                 <a:latin typeface="Courier"/>
               </a:rPr>
               <a:t>  </a:t>
             </a:r>
             <a:r>
-              <a:rPr>
+              <a:rPr dirty="0">
                 <a:solidFill>
                   <a:srgbClr val="06287E"/>
                 </a:solidFill>
@@ -6238,13 +7237,13 @@
               <a:t>labs</a:t>
             </a:r>
             <a:r>
-              <a:rPr>
+              <a:rPr dirty="0">
                 <a:latin typeface="Courier"/>
               </a:rPr>
               <a:t>(</a:t>
             </a:r>
             <a:r>
-              <a:rPr>
+              <a:rPr dirty="0">
                 <a:solidFill>
                   <a:srgbClr val="7D9029"/>
                 </a:solidFill>
@@ -6253,13 +7252,13 @@
               <a:t>title =</a:t>
             </a:r>
             <a:r>
-              <a:rPr>
+              <a:rPr dirty="0">
                 <a:latin typeface="Courier"/>
               </a:rPr>
               <a:t> </a:t>
             </a:r>
             <a:r>
-              <a:rPr>
+              <a:rPr dirty="0">
                 <a:solidFill>
                   <a:srgbClr val="4070A0"/>
                 </a:solidFill>
@@ -6268,13 +7267,13 @@
               <a:t>"Map of Income distribution, VA"</a:t>
             </a:r>
             <a:r>
-              <a:rPr>
+              <a:rPr dirty="0">
                 <a:latin typeface="Courier"/>
               </a:rPr>
               <a:t>) </a:t>
             </a:r>
             <a:r>
-              <a:rPr>
+              <a:rPr dirty="0">
                 <a:solidFill>
                   <a:srgbClr val="4070A0"/>
                 </a:solidFill>
@@ -6282,52 +7281,36 @@
               </a:rPr>
               <a:t>+</a:t>
             </a:r>
-            <a:br/>
-            <a:r>
-              <a:rPr>
-                <a:latin typeface="Courier"/>
-              </a:rPr>
-              <a:t>  plot_margin</a:t>
-            </a:r>
-          </a:p>
-        </p:txBody>
-      </p:sp>
-      <p:pic>
-        <p:nvPicPr>
-          <p:cNvPr descr="week4_files/figure-pptx/unnamed-chunk-10-1.png" id="0" name="Picture 1"/>
-          <p:cNvPicPr>
-            <a:picLocks noGrp="1" noChangeAspect="1"/>
-          </p:cNvPicPr>
-          <p:nvPr/>
-        </p:nvPicPr>
-        <p:blipFill>
-          <a:blip r:embed="rId2"/>
-          <a:stretch>
-            <a:fillRect/>
-          </a:stretch>
-        </p:blipFill>
-        <p:spPr bwMode="auto">
-          <a:xfrm>
-            <a:off x="3568700" y="355600"/>
-            <a:ext cx="5105400" cy="4089400"/>
-          </a:xfrm>
-          <a:prstGeom prst="rect">
-            <a:avLst/>
-          </a:prstGeom>
-          <a:noFill/>
-          <a:ln w="9525">
-            <a:noFill/>
-            <a:headEnd/>
-            <a:tailEnd/>
-          </a:ln>
-        </p:spPr>
-      </p:pic>
+            <a:br>
+              <a:rPr dirty="0"/>
+            </a:br>
+            <a:r>
+              <a:rPr dirty="0">
+                <a:latin typeface="Courier"/>
+              </a:rPr>
+              <a:t>  </a:t>
+            </a:r>
+            <a:r>
+              <a:rPr dirty="0" err="1">
+                <a:latin typeface="Courier"/>
+              </a:rPr>
+              <a:t>plot_margin</a:t>
+            </a:r>
+            <a:endParaRPr dirty="0">
+              <a:latin typeface="Courier"/>
+            </a:endParaRPr>
+          </a:p>
+        </p:txBody>
+      </p:sp>
     </p:spTree>
   </p:cSld>
+  <p:clrMapOvr>
+    <a:masterClrMapping/>
+  </p:clrMapOvr>
 </p:sld>
 </file>
 
-<file path=ppt/slides/slide2.xml><?xml version="1.0" encoding="utf-8"?>
+<file path=ppt/slides/slide22.xml><?xml version="1.0" encoding="utf-8"?>
 <p:sld xmlns:a="http://schemas.openxmlformats.org/drawingml/2006/main" xmlns:r="http://schemas.openxmlformats.org/officeDocument/2006/relationships" xmlns:p="http://schemas.openxmlformats.org/presentationml/2006/main">
   <p:cSld>
     <p:spTree>
@@ -6344,87 +7327,52 @@
           <a:chExt cx="0" cy="0"/>
         </a:xfrm>
       </p:grpSpPr>
-      <p:sp>
-        <p:nvSpPr>
-          <p:cNvPr id="2" name="Title 1"/>
-          <p:cNvSpPr>
-            <a:spLocks noGrp="1"/>
-          </p:cNvSpPr>
-          <p:nvPr>
-            <p:ph type="title"/>
-          </p:nvPr>
-        </p:nvSpPr>
-        <p:spPr/>
-        <p:txBody>
-          <a:bodyPr/>
-          <a:lstStyle/>
-          <a:p>
-            <a:pPr lvl="0" indent="0" marL="0">
-              <a:buNone/>
-            </a:pPr>
-            <a:r>
-              <a:rPr/>
-              <a:t>Create maps in R</a:t>
-            </a:r>
-          </a:p>
-        </p:txBody>
-      </p:sp>
-      <p:sp>
-        <p:nvSpPr>
-          <p:cNvPr id="3" name="Content Placeholder 2"/>
-          <p:cNvSpPr>
-            <a:spLocks noGrp="1"/>
-          </p:cNvSpPr>
-          <p:nvPr>
-            <p:ph idx="1"/>
-          </p:nvPr>
-        </p:nvSpPr>
-        <p:spPr/>
-        <p:txBody>
-          <a:bodyPr/>
-          <a:lstStyle/>
-          <a:p>
-            <a:pPr lvl="0"/>
-            <a:r>
-              <a:rPr i="1"/>
-              <a:t>tmap (tmap is an R package for visualization spatial data)</a:t>
-            </a:r>
-            <a:br/>
-            <a:r>
-              <a:rPr>
-                <a:hlinkClick r:id="rId2"/>
-              </a:rPr>
-              <a:t>https://r-tmap.github.io/tmap-book/index.html</a:t>
-            </a:r>
-          </a:p>
-          <a:p>
-            <a:pPr lvl="0" indent="0" marL="0">
-              <a:buNone/>
-            </a:pPr>
-          </a:p>
-          <a:p>
-            <a:pPr lvl="0" indent="0" marL="0">
-              <a:buNone/>
-            </a:pPr>
-          </a:p>
-          <a:p>
-            <a:pPr lvl="0"/>
-            <a:r>
-              <a:rPr i="1"/>
-              <a:t>ggplot2 library (data visualization; one of the most popular packages in R)</a:t>
-            </a:r>
-            <a:br/>
-            <a:r>
-              <a:rPr>
-                <a:hlinkClick r:id="rId3"/>
-              </a:rPr>
-              <a:t>https://r4ds.had.co.nz/data-visualisation.html</a:t>
-            </a:r>
-          </a:p>
-        </p:txBody>
-      </p:sp>
+      <p:pic>
+        <p:nvPicPr>
+          <p:cNvPr id="5" name="Picture 1" descr="week4_files/figure-pptx/unnamed-chunk-10-1.png">
+            <a:extLst>
+              <a:ext uri="{FF2B5EF4-FFF2-40B4-BE49-F238E27FC236}">
+                <a16:creationId xmlns:a16="http://schemas.microsoft.com/office/drawing/2014/main" id="{76C5684A-9CAE-D5FF-6096-11204D18E925}"/>
+              </a:ext>
+            </a:extLst>
+          </p:cNvPr>
+          <p:cNvPicPr>
+            <a:picLocks noGrp="1" noChangeAspect="1"/>
+          </p:cNvPicPr>
+          <p:nvPr/>
+        </p:nvPicPr>
+        <p:blipFill>
+          <a:blip r:embed="rId2"/>
+          <a:stretch>
+            <a:fillRect/>
+          </a:stretch>
+        </p:blipFill>
+        <p:spPr bwMode="auto">
+          <a:xfrm>
+            <a:off x="1876843" y="583694"/>
+            <a:ext cx="5105400" cy="4089400"/>
+          </a:xfrm>
+          <a:prstGeom prst="rect">
+            <a:avLst/>
+          </a:prstGeom>
+          <a:noFill/>
+          <a:ln w="9525">
+            <a:noFill/>
+            <a:headEnd/>
+            <a:tailEnd/>
+          </a:ln>
+        </p:spPr>
+      </p:pic>
     </p:spTree>
+    <p:extLst>
+      <p:ext uri="{BB962C8B-B14F-4D97-AF65-F5344CB8AC3E}">
+        <p14:creationId xmlns:p14="http://schemas.microsoft.com/office/powerpoint/2010/main" val="701252000"/>
+      </p:ext>
+    </p:extLst>
   </p:cSld>
+  <p:clrMapOvr>
+    <a:masterClrMapping/>
+  </p:clrMapOvr>
 </p:sld>
 </file>
 
@@ -6455,6 +7403,120 @@
             <p:ph type="title"/>
           </p:nvPr>
         </p:nvSpPr>
+        <p:spPr/>
+        <p:txBody>
+          <a:bodyPr/>
+          <a:lstStyle/>
+          <a:p>
+            <a:pPr marL="0" lvl="0" indent="0">
+              <a:buNone/>
+            </a:pPr>
+            <a:r>
+              <a:rPr dirty="0"/>
+              <a:t>Create maps in R</a:t>
+            </a:r>
+          </a:p>
+        </p:txBody>
+      </p:sp>
+      <p:sp>
+        <p:nvSpPr>
+          <p:cNvPr id="3" name="Content Placeholder 2"/>
+          <p:cNvSpPr>
+            <a:spLocks noGrp="1"/>
+          </p:cNvSpPr>
+          <p:nvPr>
+            <p:ph idx="1"/>
+          </p:nvPr>
+        </p:nvSpPr>
+        <p:spPr/>
+        <p:txBody>
+          <a:bodyPr/>
+          <a:lstStyle/>
+          <a:p>
+            <a:pPr lvl="0"/>
+            <a:r>
+              <a:rPr i="1" dirty="0"/>
+              <a:t>tmap (tmap is an R package for visualization spatial data)</a:t>
+            </a:r>
+            <a:br>
+              <a:rPr dirty="0"/>
+            </a:br>
+            <a:r>
+              <a:rPr dirty="0">
+                <a:hlinkClick r:id="rId2"/>
+              </a:rPr>
+              <a:t>https://r-tmap.github.io/tmap-book/index.html</a:t>
+            </a:r>
+          </a:p>
+          <a:p>
+            <a:pPr marL="0" lvl="0" indent="0">
+              <a:buNone/>
+            </a:pPr>
+            <a:endParaRPr dirty="0">
+              <a:hlinkClick r:id="rId2"/>
+            </a:endParaRPr>
+          </a:p>
+          <a:p>
+            <a:pPr marL="0" lvl="0" indent="0">
+              <a:buNone/>
+            </a:pPr>
+            <a:endParaRPr dirty="0">
+              <a:hlinkClick r:id="rId2"/>
+            </a:endParaRPr>
+          </a:p>
+          <a:p>
+            <a:pPr lvl="0"/>
+            <a:r>
+              <a:rPr i="1" dirty="0"/>
+              <a:t>ggplot2 library (data visualization; one of the most popular packages in R)</a:t>
+            </a:r>
+            <a:br>
+              <a:rPr dirty="0"/>
+            </a:br>
+            <a:r>
+              <a:rPr dirty="0">
+                <a:hlinkClick r:id="rId3"/>
+              </a:rPr>
+              <a:t>https://r4ds.had.co.nz/data-visualisation.html</a:t>
+            </a:r>
+          </a:p>
+        </p:txBody>
+      </p:sp>
+    </p:spTree>
+  </p:cSld>
+  <p:clrMapOvr>
+    <a:masterClrMapping/>
+  </p:clrMapOvr>
+</p:sld>
+</file>
+
+<file path=ppt/slides/slide4.xml><?xml version="1.0" encoding="utf-8"?>
+<p:sld xmlns:a="http://schemas.openxmlformats.org/drawingml/2006/main" xmlns:r="http://schemas.openxmlformats.org/officeDocument/2006/relationships" xmlns:p="http://schemas.openxmlformats.org/presentationml/2006/main">
+  <p:cSld>
+    <p:spTree>
+      <p:nvGrpSpPr>
+        <p:cNvPr id="1" name=""/>
+        <p:cNvGrpSpPr/>
+        <p:nvPr/>
+      </p:nvGrpSpPr>
+      <p:grpSpPr>
+        <a:xfrm>
+          <a:off x="0" y="0"/>
+          <a:ext cx="0" cy="0"/>
+          <a:chOff x="0" y="0"/>
+          <a:chExt cx="0" cy="0"/>
+        </a:xfrm>
+      </p:grpSpPr>
+      <p:sp>
+        <p:nvSpPr>
+          <p:cNvPr id="2" name="Title 1"/>
+          <p:cNvSpPr>
+            <a:spLocks noGrp="1"/>
+          </p:cNvSpPr>
+          <p:nvPr>
+            <p:ph type="title"/>
+          </p:nvPr>
+        </p:nvSpPr>
         <p:spPr>
           <a:xfrm>
             <a:off x="457201" y="204787"/>
@@ -6465,11 +7527,11 @@
           <a:bodyPr/>
           <a:lstStyle/>
           <a:p>
-            <a:pPr lvl="0" indent="0" marL="0">
+            <a:pPr marL="0" lvl="0" indent="0">
               <a:buNone/>
             </a:pPr>
             <a:r>
-              <a:rPr/>
+              <a:rPr dirty="0"/>
               <a:t>tmap</a:t>
             </a:r>
           </a:p>
@@ -6482,7 +7544,7 @@
             <a:spLocks noGrp="1"/>
           </p:cNvSpPr>
           <p:nvPr>
-            <p:ph idx="2" sz="half" type="body"/>
+            <p:ph type="body" sz="half" idx="2"/>
           </p:nvPr>
         </p:nvSpPr>
         <p:spPr/>
@@ -6490,19 +7552,23 @@
           <a:bodyPr/>
           <a:lstStyle/>
           <a:p>
-            <a:pPr lvl="0" indent="0" marL="0">
+            <a:pPr marL="0" lvl="0" indent="0">
               <a:buNone/>
             </a:pPr>
             <a:r>
-              <a:rPr/>
-              <a:t>Tennekes M (2018). “tmap: Thematic Maps in R.” Journal of Statistical Software,84(6), 1–39.doi:10.18637/jss.v084.i06.</a:t>
+              <a:rPr dirty="0" err="1"/>
+              <a:t>Tennekes</a:t>
+            </a:r>
+            <a:r>
+              <a:rPr dirty="0"/>
+              <a:t> M (2018). “tmap: Thematic Maps in R.” Journal of Statistical Software,84(6), 1–39.doi:10.18637/jss.v084.i06.</a:t>
             </a:r>
           </a:p>
         </p:txBody>
       </p:sp>
       <p:pic>
         <p:nvPicPr>
-          <p:cNvPr descr="tmap.png" id="0" name="Picture 1"/>
+          <p:cNvPr id="3" name="Picture 1" descr="tmap.png"/>
           <p:cNvPicPr>
             <a:picLocks noGrp="1" noChangeAspect="1"/>
           </p:cNvPicPr>
@@ -6532,117 +7598,9 @@
       </p:pic>
     </p:spTree>
   </p:cSld>
-</p:sld>
-</file>
-
-<file path=ppt/slides/slide4.xml><?xml version="1.0" encoding="utf-8"?>
-<p:sld xmlns:a="http://schemas.openxmlformats.org/drawingml/2006/main" xmlns:r="http://schemas.openxmlformats.org/officeDocument/2006/relationships" xmlns:p="http://schemas.openxmlformats.org/presentationml/2006/main">
-  <p:cSld>
-    <p:spTree>
-      <p:nvGrpSpPr>
-        <p:cNvPr id="1" name=""/>
-        <p:cNvGrpSpPr/>
-        <p:nvPr/>
-      </p:nvGrpSpPr>
-      <p:grpSpPr>
-        <a:xfrm>
-          <a:off x="0" y="0"/>
-          <a:ext cx="0" cy="0"/>
-          <a:chOff x="0" y="0"/>
-          <a:chExt cx="0" cy="0"/>
-        </a:xfrm>
-      </p:grpSpPr>
-      <p:sp>
-        <p:nvSpPr>
-          <p:cNvPr id="2" name="Title 1"/>
-          <p:cNvSpPr>
-            <a:spLocks noGrp="1"/>
-          </p:cNvSpPr>
-          <p:nvPr>
-            <p:ph type="title"/>
-          </p:nvPr>
-        </p:nvSpPr>
-        <p:spPr/>
-        <p:txBody>
-          <a:bodyPr/>
-          <a:lstStyle/>
-          <a:p>
-            <a:pPr lvl="0" indent="0" marL="0">
-              <a:buNone/>
-            </a:pPr>
-            <a:r>
-              <a:rPr/>
-              <a:t>tmap</a:t>
-            </a:r>
-          </a:p>
-        </p:txBody>
-      </p:sp>
-      <p:sp>
-        <p:nvSpPr>
-          <p:cNvPr id="3" name="Content Placeholder 2"/>
-          <p:cNvSpPr>
-            <a:spLocks noGrp="1"/>
-          </p:cNvSpPr>
-          <p:nvPr>
-            <p:ph idx="1"/>
-          </p:nvPr>
-        </p:nvSpPr>
-        <p:spPr/>
-        <p:txBody>
-          <a:bodyPr/>
-          <a:lstStyle/>
-          <a:p>
-            <a:pPr lvl="0"/>
-            <a:r>
-              <a:rPr/>
-              <a:t>tmap works well with vector data (sf library) and raster data (terra library)</a:t>
-            </a:r>
-          </a:p>
-          <a:p>
-            <a:pPr lvl="0" indent="0" marL="0">
-              <a:buNone/>
-            </a:pPr>
-          </a:p>
-          <a:p>
-            <a:pPr lvl="0"/>
-            <a:r>
-              <a:rPr/>
-              <a:t>The spatial data can be used to create simple, quick maps (qtm) and more complex and expandable maps.</a:t>
-            </a:r>
-          </a:p>
-          <a:p>
-            <a:pPr lvl="0" indent="0" marL="0">
-              <a:buNone/>
-            </a:pPr>
-          </a:p>
-          <a:p>
-            <a:pPr lvl="0"/>
-            <a:r>
-              <a:rPr/>
-              <a:t>These maps can be presented in two modes as a static map and an interactive one:</a:t>
-            </a:r>
-          </a:p>
-          <a:p>
-            <a:pPr lvl="1" indent="0" marL="342900">
-              <a:buNone/>
-            </a:pPr>
-            <a:r>
-              <a:rPr i="1"/>
-              <a:t>tmap_mode(‘plot’)</a:t>
-            </a:r>
-            <a:r>
-              <a:rPr/>
-              <a:t> or </a:t>
-            </a:r>
-            <a:r>
-              <a:rPr i="1"/>
-              <a:t>tmap_mode(‘view’)</a:t>
-            </a:r>
-          </a:p>
-        </p:txBody>
-      </p:sp>
-    </p:spTree>
-  </p:cSld>
+  <p:clrMapOvr>
+    <a:masterClrMapping/>
+  </p:clrMapOvr>
 </p:sld>
 </file>
 
@@ -6673,243 +7631,102 @@
             <p:ph type="title"/>
           </p:nvPr>
         </p:nvSpPr>
-        <p:spPr>
-          <a:xfrm>
-            <a:off x="457201" y="204787"/>
-            <a:ext cx="3008313" cy="871538"/>
-          </a:xfrm>
-        </p:spPr>
+        <p:spPr/>
         <p:txBody>
           <a:bodyPr/>
           <a:lstStyle/>
           <a:p>
-            <a:pPr lvl="0" indent="0" marL="0">
+            <a:pPr marL="0" lvl="0" indent="0">
               <a:buNone/>
             </a:pPr>
             <a:r>
-              <a:rPr/>
-              <a:t>tmap - quick maps</a:t>
-            </a:r>
-          </a:p>
-        </p:txBody>
-      </p:sp>
-      <p:sp>
-        <p:nvSpPr>
-          <p:cNvPr id="4" name="Text Placeholder 3"/>
-          <p:cNvSpPr>
-            <a:spLocks noGrp="1"/>
-          </p:cNvSpPr>
-          <p:nvPr>
-            <p:ph idx="2" sz="half" type="body"/>
+              <a:rPr dirty="0"/>
+              <a:t>tmap</a:t>
+            </a:r>
+          </a:p>
+        </p:txBody>
+      </p:sp>
+      <p:sp>
+        <p:nvSpPr>
+          <p:cNvPr id="3" name="Content Placeholder 2"/>
+          <p:cNvSpPr>
+            <a:spLocks noGrp="1"/>
+          </p:cNvSpPr>
+          <p:nvPr>
+            <p:ph idx="1"/>
           </p:nvPr>
         </p:nvSpPr>
         <p:spPr/>
         <p:txBody>
-          <a:bodyPr/>
+          <a:bodyPr>
+            <a:normAutofit lnSpcReduction="10000"/>
+          </a:bodyPr>
           <a:lstStyle/>
           <a:p>
-            <a:pPr lvl="0" indent="0">
+            <a:pPr lvl="0"/>
+            <a:r>
+              <a:rPr dirty="0"/>
+              <a:t>tmap works well with vector data (sf library) and raster data (terra library)</a:t>
+            </a:r>
+          </a:p>
+          <a:p>
+            <a:pPr marL="0" lvl="0" indent="0">
               <a:buNone/>
             </a:pPr>
-            <a:r>
-              <a:rPr>
-                <a:solidFill>
-                  <a:srgbClr val="06287E"/>
-                </a:solidFill>
-                <a:latin typeface="Courier"/>
-              </a:rPr>
-              <a:t>library</a:t>
-            </a:r>
-            <a:r>
-              <a:rPr>
-                <a:latin typeface="Courier"/>
-              </a:rPr>
-              <a:t>(sf)</a:t>
-            </a:r>
-            <a:br/>
-            <a:r>
-              <a:rPr>
-                <a:solidFill>
-                  <a:srgbClr val="06287E"/>
-                </a:solidFill>
-                <a:latin typeface="Courier"/>
-              </a:rPr>
-              <a:t>library</a:t>
-            </a:r>
-            <a:r>
-              <a:rPr>
-                <a:latin typeface="Courier"/>
-              </a:rPr>
-              <a:t>(tmap)</a:t>
-            </a:r>
-            <a:br/>
-            <a:r>
-              <a:rPr i="1">
-                <a:solidFill>
-                  <a:srgbClr val="60A0B0"/>
-                </a:solidFill>
-                <a:latin typeface="Courier"/>
-              </a:rPr>
-              <a:t># Load the shapefile</a:t>
-            </a:r>
-            <a:br/>
-            <a:r>
-              <a:rPr>
-                <a:latin typeface="Courier"/>
-              </a:rPr>
-              <a:t>income_va </a:t>
-            </a:r>
-            <a:r>
-              <a:rPr>
-                <a:solidFill>
-                  <a:srgbClr val="007020"/>
-                </a:solidFill>
-                <a:latin typeface="Courier"/>
-              </a:rPr>
-              <a:t>&lt;-</a:t>
-            </a:r>
-            <a:r>
-              <a:rPr>
-                <a:latin typeface="Courier"/>
-              </a:rPr>
-              <a:t> </a:t>
-            </a:r>
-            <a:r>
-              <a:rPr>
-                <a:solidFill>
-                  <a:srgbClr val="06287E"/>
-                </a:solidFill>
-                <a:latin typeface="Courier"/>
-              </a:rPr>
-              <a:t>st_read</a:t>
-            </a:r>
-            <a:r>
-              <a:rPr>
-                <a:latin typeface="Courier"/>
-              </a:rPr>
-              <a:t>(</a:t>
-            </a:r>
-            <a:r>
-              <a:rPr>
-                <a:solidFill>
-                  <a:srgbClr val="4070A0"/>
-                </a:solidFill>
-                <a:latin typeface="Courier"/>
-              </a:rPr>
-              <a:t>"income.shp"</a:t>
-            </a:r>
-            <a:r>
-              <a:rPr>
-                <a:latin typeface="Courier"/>
-              </a:rPr>
-              <a:t>)</a:t>
-            </a:r>
-          </a:p>
-          <a:p>
-            <a:pPr lvl="0" indent="0">
+            <a:endParaRPr dirty="0"/>
+          </a:p>
+          <a:p>
+            <a:pPr lvl="0"/>
+            <a:r>
+              <a:rPr dirty="0"/>
+              <a:t>The spatial data can be used to create simple, quick maps (qtm) and more complex and expandable maps.</a:t>
+            </a:r>
+          </a:p>
+          <a:p>
+            <a:pPr marL="0" lvl="0" indent="0">
               <a:buNone/>
             </a:pPr>
-            <a:r>
-              <a:rPr>
-                <a:latin typeface="Courier"/>
-              </a:rPr>
-              <a:t>## Reading layer `income' from data source 
-##   `/Users/yshao/work/Geog4254-5254G/week4/income.shp' using driver `ESRI Shapefile'
-## Simple feature collection with 133 features and 5 fields
-## Geometry type: MULTIPOLYGON
-## Dimension:     XY
-## Bounding box:  xmin: -83.67539 ymin: 36.54074 xmax: -75.24247 ymax: 39.46601
-## Geodetic CRS:  NAD83</a:t>
-            </a:r>
-          </a:p>
-          <a:p>
-            <a:pPr lvl="0" indent="0">
+            <a:endParaRPr dirty="0"/>
+          </a:p>
+          <a:p>
+            <a:pPr lvl="0"/>
+            <a:r>
+              <a:rPr dirty="0"/>
+              <a:t>These maps can be presented in two modes as a static map and an interactive one:</a:t>
+            </a:r>
+          </a:p>
+          <a:p>
+            <a:pPr marL="342900" lvl="1" indent="0">
               <a:buNone/>
             </a:pPr>
             <a:r>
-              <a:rPr i="1">
-                <a:solidFill>
-                  <a:srgbClr val="60A0B0"/>
-                </a:solidFill>
-                <a:latin typeface="Courier"/>
-              </a:rPr>
-              <a:t># qtm is good for data exploration, simple maps only</a:t>
-            </a:r>
-            <a:br/>
-            <a:r>
-              <a:rPr>
-                <a:solidFill>
-                  <a:srgbClr val="06287E"/>
-                </a:solidFill>
-                <a:latin typeface="Courier"/>
-              </a:rPr>
-              <a:t>qtm</a:t>
-            </a:r>
-            <a:r>
-              <a:rPr>
-                <a:latin typeface="Courier"/>
-              </a:rPr>
-              <a:t>(income_va, </a:t>
-            </a:r>
-            <a:r>
-              <a:rPr>
-                <a:solidFill>
-                  <a:srgbClr val="7D9029"/>
-                </a:solidFill>
-                <a:latin typeface="Courier"/>
-              </a:rPr>
-              <a:t>fill=</a:t>
-            </a:r>
-            <a:r>
-              <a:rPr>
-                <a:solidFill>
-                  <a:srgbClr val="4070A0"/>
-                </a:solidFill>
-                <a:latin typeface="Courier"/>
-              </a:rPr>
-              <a:t>'income'</a:t>
-            </a:r>
-            <a:r>
-              <a:rPr>
-                <a:latin typeface="Courier"/>
-              </a:rPr>
-              <a:t>)</a:t>
-            </a:r>
-          </a:p>
-        </p:txBody>
-      </p:sp>
-      <p:pic>
-        <p:nvPicPr>
-          <p:cNvPr descr="week4_files/figure-pptx/unnamed-chunk-1-1.png" id="0" name="Picture 1"/>
-          <p:cNvPicPr>
-            <a:picLocks noGrp="1" noChangeAspect="1"/>
-          </p:cNvPicPr>
-          <p:nvPr/>
-        </p:nvPicPr>
-        <p:blipFill>
-          <a:blip r:embed="rId2"/>
-          <a:stretch>
-            <a:fillRect/>
-          </a:stretch>
-        </p:blipFill>
-        <p:spPr bwMode="auto">
-          <a:xfrm>
-            <a:off x="3568700" y="355600"/>
-            <a:ext cx="5105400" cy="4089400"/>
-          </a:xfrm>
-          <a:prstGeom prst="rect">
-            <a:avLst/>
-          </a:prstGeom>
-          <a:noFill/>
-          <a:ln w="9525">
-            <a:noFill/>
-            <a:headEnd/>
-            <a:tailEnd/>
-          </a:ln>
-        </p:spPr>
-      </p:pic>
+              <a:rPr i="1" dirty="0" err="1"/>
+              <a:t>tmap_mode</a:t>
+            </a:r>
+            <a:r>
+              <a:rPr i="1" dirty="0"/>
+              <a:t>(‘plot’)</a:t>
+            </a:r>
+            <a:r>
+              <a:rPr dirty="0"/>
+              <a:t> or </a:t>
+            </a:r>
+            <a:r>
+              <a:rPr i="1" dirty="0" err="1"/>
+              <a:t>tmap_mode</a:t>
+            </a:r>
+            <a:r>
+              <a:rPr i="1" dirty="0"/>
+              <a:t>(‘view’)</a:t>
+            </a:r>
+          </a:p>
+        </p:txBody>
+      </p:sp>
     </p:spTree>
   </p:cSld>
+  <p:clrMapOvr>
+    <a:masterClrMapping/>
+  </p:clrMapOvr>
 </p:sld>
 </file>
 
@@ -6950,12 +7767,12 @@
           <a:bodyPr/>
           <a:lstStyle/>
           <a:p>
-            <a:pPr lvl="0" indent="0" marL="0">
+            <a:pPr marL="0" lvl="0" indent="0">
               <a:buNone/>
             </a:pPr>
             <a:r>
-              <a:rPr/>
-              <a:t>tmap – regular maps</a:t>
+              <a:rPr dirty="0"/>
+              <a:t>tmap - quick maps</a:t>
             </a:r>
           </a:p>
         </p:txBody>
@@ -6967,228 +7784,157 @@
             <a:spLocks noGrp="1"/>
           </p:cNvSpPr>
           <p:nvPr>
-            <p:ph idx="2" sz="half" type="body"/>
-          </p:nvPr>
-        </p:nvSpPr>
-        <p:spPr/>
-        <p:txBody>
-          <a:bodyPr/>
+            <p:ph type="body" sz="half" idx="2"/>
+          </p:nvPr>
+        </p:nvSpPr>
+        <p:spPr>
+          <a:xfrm>
+            <a:off x="457201" y="1076326"/>
+            <a:ext cx="7958516" cy="1059971"/>
+          </a:xfrm>
+        </p:spPr>
+        <p:txBody>
+          <a:bodyPr>
+            <a:noAutofit/>
+          </a:bodyPr>
           <a:lstStyle/>
           <a:p>
-            <a:pPr lvl="0" indent="0" marL="0">
+            <a:pPr lvl="0" indent="0">
               <a:buNone/>
             </a:pPr>
             <a:r>
-              <a:rPr/>
-              <a:t>“The first element always is tm_shape(), which specified the input shape object. Next, map layers, additional map elements, and overall layout can be customized.”</a:t>
-            </a:r>
+              <a:rPr sz="1400" dirty="0">
+                <a:solidFill>
+                  <a:srgbClr val="06287E"/>
+                </a:solidFill>
+                <a:latin typeface="Courier"/>
+              </a:rPr>
+              <a:t>library</a:t>
+            </a:r>
+            <a:r>
+              <a:rPr sz="1400" dirty="0">
+                <a:latin typeface="Courier"/>
+              </a:rPr>
+              <a:t>(sf)</a:t>
+            </a:r>
+            <a:br>
+              <a:rPr sz="1400" dirty="0"/>
+            </a:br>
+            <a:r>
+              <a:rPr sz="1400" dirty="0">
+                <a:solidFill>
+                  <a:srgbClr val="06287E"/>
+                </a:solidFill>
+                <a:latin typeface="Courier"/>
+              </a:rPr>
+              <a:t>library</a:t>
+            </a:r>
+            <a:r>
+              <a:rPr sz="1400" dirty="0">
+                <a:latin typeface="Courier"/>
+              </a:rPr>
+              <a:t>(tmap)</a:t>
+            </a:r>
+            <a:br>
+              <a:rPr sz="1400" dirty="0"/>
+            </a:br>
+            <a:r>
+              <a:rPr sz="1400" dirty="0">
+                <a:latin typeface="Courier"/>
+              </a:rPr>
+              <a:t>income_va </a:t>
+            </a:r>
+            <a:r>
+              <a:rPr sz="1400" dirty="0">
+                <a:solidFill>
+                  <a:srgbClr val="007020"/>
+                </a:solidFill>
+                <a:latin typeface="Courier"/>
+              </a:rPr>
+              <a:t>&lt;-</a:t>
+            </a:r>
+            <a:r>
+              <a:rPr sz="1400" dirty="0">
+                <a:latin typeface="Courier"/>
+              </a:rPr>
+              <a:t> </a:t>
+            </a:r>
+            <a:r>
+              <a:rPr sz="1400" dirty="0">
+                <a:solidFill>
+                  <a:srgbClr val="06287E"/>
+                </a:solidFill>
+                <a:latin typeface="Courier"/>
+              </a:rPr>
+              <a:t>st_read</a:t>
+            </a:r>
+            <a:r>
+              <a:rPr sz="1400" dirty="0">
+                <a:latin typeface="Courier"/>
+              </a:rPr>
+              <a:t>(</a:t>
+            </a:r>
+            <a:r>
+              <a:rPr sz="1400" dirty="0">
+                <a:solidFill>
+                  <a:srgbClr val="4070A0"/>
+                </a:solidFill>
+                <a:latin typeface="Courier"/>
+              </a:rPr>
+              <a:t>"income.shp"</a:t>
+            </a:r>
+            <a:r>
+              <a:rPr sz="1400" dirty="0">
+                <a:latin typeface="Courier"/>
+              </a:rPr>
+              <a:t>)</a:t>
+            </a:r>
+            <a:endParaRPr lang="en-US" sz="1400" i="1" dirty="0">
+              <a:solidFill>
+                <a:srgbClr val="60A0B0"/>
+              </a:solidFill>
+              <a:latin typeface="Courier"/>
+            </a:endParaRPr>
           </a:p>
           <a:p>
             <a:pPr lvl="0" indent="0">
               <a:buNone/>
             </a:pPr>
             <a:r>
-              <a:rPr>
+              <a:rPr sz="1400" dirty="0">
                 <a:solidFill>
                   <a:srgbClr val="06287E"/>
                 </a:solidFill>
                 <a:latin typeface="Courier"/>
               </a:rPr>
-              <a:t>tm_shape</a:t>
-            </a:r>
-            <a:r>
-              <a:rPr>
-                <a:latin typeface="Courier"/>
-              </a:rPr>
-              <a:t>(income_va)</a:t>
-            </a:r>
-            <a:r>
-              <a:rPr>
+              <a:t>qtm</a:t>
+            </a:r>
+            <a:r>
+              <a:rPr sz="1400" dirty="0">
+                <a:latin typeface="Courier"/>
+              </a:rPr>
+              <a:t>(income_va, </a:t>
+            </a:r>
+            <a:r>
+              <a:rPr sz="1400" dirty="0">
+                <a:solidFill>
+                  <a:srgbClr val="7D9029"/>
+                </a:solidFill>
+                <a:latin typeface="Courier"/>
+              </a:rPr>
+              <a:t>fill=</a:t>
+            </a:r>
+            <a:r>
+              <a:rPr sz="1400" dirty="0">
                 <a:solidFill>
                   <a:srgbClr val="4070A0"/>
                 </a:solidFill>
                 <a:latin typeface="Courier"/>
               </a:rPr>
-              <a:t>+</a:t>
-            </a:r>
-            <a:br/>
-            <a:r>
-              <a:rPr>
-                <a:latin typeface="Courier"/>
-              </a:rPr>
-              <a:t>    </a:t>
-            </a:r>
-            <a:r>
-              <a:rPr>
-                <a:solidFill>
-                  <a:srgbClr val="06287E"/>
-                </a:solidFill>
-                <a:latin typeface="Courier"/>
-              </a:rPr>
-              <a:t>tm_polygons</a:t>
-            </a:r>
-            <a:r>
-              <a:rPr>
-                <a:latin typeface="Courier"/>
-              </a:rPr>
-              <a:t>(</a:t>
-            </a:r>
-            <a:r>
-              <a:rPr>
-                <a:solidFill>
-                  <a:srgbClr val="4070A0"/>
-                </a:solidFill>
-                <a:latin typeface="Courier"/>
-              </a:rPr>
-              <a:t>"income"</a:t>
-            </a:r>
-            <a:r>
-              <a:rPr>
-                <a:latin typeface="Courier"/>
-              </a:rPr>
-              <a:t>,</a:t>
-            </a:r>
-            <a:r>
-              <a:rPr>
-                <a:solidFill>
-                  <a:srgbClr val="7D9029"/>
-                </a:solidFill>
-                <a:latin typeface="Courier"/>
-              </a:rPr>
-              <a:t>palette =</a:t>
-            </a:r>
-            <a:r>
-              <a:rPr>
-                <a:latin typeface="Courier"/>
-              </a:rPr>
-              <a:t> </a:t>
-            </a:r>
-            <a:r>
-              <a:rPr>
-                <a:solidFill>
-                  <a:srgbClr val="06287E"/>
-                </a:solidFill>
-                <a:latin typeface="Courier"/>
-              </a:rPr>
-              <a:t>c</a:t>
-            </a:r>
-            <a:r>
-              <a:rPr>
-                <a:latin typeface="Courier"/>
-              </a:rPr>
-              <a:t>(</a:t>
-            </a:r>
-            <a:r>
-              <a:rPr>
-                <a:solidFill>
-                  <a:srgbClr val="4070A0"/>
-                </a:solidFill>
-                <a:latin typeface="Courier"/>
-              </a:rPr>
-              <a:t>"yellow"</a:t>
-            </a:r>
-            <a:r>
-              <a:rPr>
-                <a:latin typeface="Courier"/>
-              </a:rPr>
-              <a:t>, </a:t>
-            </a:r>
-            <a:r>
-              <a:rPr>
-                <a:solidFill>
-                  <a:srgbClr val="4070A0"/>
-                </a:solidFill>
-                <a:latin typeface="Courier"/>
-              </a:rPr>
-              <a:t>"darkgreen"</a:t>
-            </a:r>
-            <a:r>
-              <a:rPr>
-                <a:latin typeface="Courier"/>
-              </a:rPr>
-              <a:t>))</a:t>
-            </a:r>
-            <a:r>
-              <a:rPr>
-                <a:solidFill>
-                  <a:srgbClr val="4070A0"/>
-                </a:solidFill>
-                <a:latin typeface="Courier"/>
-              </a:rPr>
-              <a:t>+</a:t>
-            </a:r>
-            <a:br/>
-            <a:r>
-              <a:rPr>
-                <a:latin typeface="Courier"/>
-              </a:rPr>
-              <a:t>  </a:t>
-            </a:r>
-            <a:r>
-              <a:rPr>
-                <a:solidFill>
-                  <a:srgbClr val="06287E"/>
-                </a:solidFill>
-                <a:latin typeface="Courier"/>
-              </a:rPr>
-              <a:t>tm_layout</a:t>
-            </a:r>
-            <a:r>
-              <a:rPr>
-                <a:latin typeface="Courier"/>
-              </a:rPr>
-              <a:t>(</a:t>
-            </a:r>
-            <a:r>
-              <a:rPr>
-                <a:solidFill>
-                  <a:srgbClr val="7D9029"/>
-                </a:solidFill>
-                <a:latin typeface="Courier"/>
-              </a:rPr>
-              <a:t>title=</a:t>
-            </a:r>
-            <a:r>
-              <a:rPr>
-                <a:solidFill>
-                  <a:srgbClr val="4070A0"/>
-                </a:solidFill>
-                <a:latin typeface="Courier"/>
-              </a:rPr>
-              <a:t>'Income for VA'</a:t>
-            </a:r>
-            <a:r>
-              <a:rPr>
-                <a:latin typeface="Courier"/>
-              </a:rPr>
-              <a:t>,</a:t>
-            </a:r>
-            <a:r>
-              <a:rPr>
-                <a:solidFill>
-                  <a:srgbClr val="7D9029"/>
-                </a:solidFill>
-                <a:latin typeface="Courier"/>
-              </a:rPr>
-              <a:t>legend.text.size =</a:t>
-            </a:r>
-            <a:r>
-              <a:rPr>
-                <a:latin typeface="Courier"/>
-              </a:rPr>
-              <a:t> </a:t>
-            </a:r>
-            <a:r>
-              <a:rPr>
-                <a:solidFill>
-                  <a:srgbClr val="40A070"/>
-                </a:solidFill>
-                <a:latin typeface="Courier"/>
-              </a:rPr>
-              <a:t>0.5</a:t>
-            </a:r>
-            <a:r>
-              <a:rPr>
+              <a:t>'income'</a:t>
+            </a:r>
+            <a:r>
+              <a:rPr sz="1400" dirty="0">
                 <a:latin typeface="Courier"/>
               </a:rPr>
               <a:t>)</a:t>
@@ -7198,22 +7944,21 @@
       </p:sp>
       <p:pic>
         <p:nvPicPr>
-          <p:cNvPr descr="week4_files/figure-pptx/unnamed-chunk-2-1.png" id="0" name="Picture 1"/>
+          <p:cNvPr id="3" name="Picture 1" descr="week4_files/figure-pptx/unnamed-chunk-1-1.png"/>
           <p:cNvPicPr>
             <a:picLocks noGrp="1" noChangeAspect="1"/>
           </p:cNvPicPr>
           <p:nvPr/>
         </p:nvPicPr>
-        <p:blipFill>
+        <p:blipFill rotWithShape="1">
           <a:blip r:embed="rId2"/>
-          <a:stretch>
-            <a:fillRect/>
-          </a:stretch>
+          <a:srcRect t="21680" b="22517"/>
+          <a:stretch/>
         </p:blipFill>
         <p:spPr bwMode="auto">
           <a:xfrm>
-            <a:off x="3568700" y="355600"/>
-            <a:ext cx="5105400" cy="4089400"/>
+            <a:off x="457201" y="2136297"/>
+            <a:ext cx="5105400" cy="2281955"/>
           </a:xfrm>
           <a:prstGeom prst="rect">
             <a:avLst/>
@@ -7226,8 +7971,55 @@
           </a:ln>
         </p:spPr>
       </p:pic>
+      <p:sp>
+        <p:nvSpPr>
+          <p:cNvPr id="6" name="TextBox 5">
+            <a:extLst>
+              <a:ext uri="{FF2B5EF4-FFF2-40B4-BE49-F238E27FC236}">
+                <a16:creationId xmlns:a16="http://schemas.microsoft.com/office/drawing/2014/main" id="{7D41EB05-2AB4-17F8-5168-234BF7396C73}"/>
+              </a:ext>
+            </a:extLst>
+          </p:cNvPr>
+          <p:cNvSpPr txBox="1"/>
+          <p:nvPr/>
+        </p:nvSpPr>
+        <p:spPr>
+          <a:xfrm>
+            <a:off x="792796" y="4569381"/>
+            <a:ext cx="4572000" cy="369332"/>
+          </a:xfrm>
+          <a:prstGeom prst="rect">
+            <a:avLst/>
+          </a:prstGeom>
+          <a:noFill/>
+        </p:spPr>
+        <p:txBody>
+          <a:bodyPr wrap="square">
+            <a:spAutoFit/>
+          </a:bodyPr>
+          <a:lstStyle/>
+          <a:p>
+            <a:pPr lvl="0" indent="0">
+              <a:buNone/>
+            </a:pPr>
+            <a:r>
+              <a:rPr lang="en-US" sz="1800" i="1" dirty="0">
+                <a:solidFill>
+                  <a:srgbClr val="60A0B0"/>
+                </a:solidFill>
+                <a:latin typeface="Courier"/>
+              </a:rPr>
+              <a:t>qtm is good for data exploration</a:t>
+            </a:r>
+            <a:endParaRPr lang="en-US" sz="1800" dirty="0"/>
+          </a:p>
+        </p:txBody>
+      </p:sp>
     </p:spTree>
   </p:cSld>
+  <p:clrMapOvr>
+    <a:masterClrMapping/>
+  </p:clrMapOvr>
 </p:sld>
 </file>
 
@@ -7268,11 +8060,11 @@
           <a:bodyPr/>
           <a:lstStyle/>
           <a:p>
-            <a:pPr lvl="0" indent="0" marL="0">
+            <a:pPr marL="0" lvl="0" indent="0">
               <a:buNone/>
             </a:pPr>
             <a:r>
-              <a:rPr/>
+              <a:rPr dirty="0"/>
               <a:t>tmap – regular maps</a:t>
             </a:r>
           </a:p>
@@ -7285,15 +8077,399 @@
             <a:spLocks noGrp="1"/>
           </p:cNvSpPr>
           <p:nvPr>
-            <p:ph idx="2" sz="half" type="body"/>
-          </p:nvPr>
-        </p:nvSpPr>
-        <p:spPr/>
+            <p:ph type="body" sz="half" idx="2"/>
+          </p:nvPr>
+        </p:nvSpPr>
+        <p:spPr>
+          <a:xfrm>
+            <a:off x="457201" y="1166113"/>
+            <a:ext cx="7662619" cy="1349077"/>
+          </a:xfrm>
+        </p:spPr>
+        <p:txBody>
+          <a:bodyPr>
+            <a:normAutofit/>
+          </a:bodyPr>
+          <a:lstStyle/>
+          <a:p>
+            <a:pPr lvl="0" indent="0">
+              <a:buNone/>
+            </a:pPr>
+            <a:r>
+              <a:rPr sz="1600" dirty="0">
+                <a:solidFill>
+                  <a:srgbClr val="06287E"/>
+                </a:solidFill>
+                <a:latin typeface="Courier"/>
+              </a:rPr>
+              <a:t>tm_shape</a:t>
+            </a:r>
+            <a:r>
+              <a:rPr sz="1600" dirty="0">
+                <a:latin typeface="Courier"/>
+              </a:rPr>
+              <a:t>(income_va)</a:t>
+            </a:r>
+            <a:r>
+              <a:rPr sz="1600" dirty="0">
+                <a:solidFill>
+                  <a:srgbClr val="4070A0"/>
+                </a:solidFill>
+                <a:latin typeface="Courier"/>
+              </a:rPr>
+              <a:t>+</a:t>
+            </a:r>
+            <a:br>
+              <a:rPr sz="1600" dirty="0"/>
+            </a:br>
+            <a:r>
+              <a:rPr sz="1600" dirty="0">
+                <a:latin typeface="Courier"/>
+              </a:rPr>
+              <a:t>    </a:t>
+            </a:r>
+            <a:r>
+              <a:rPr sz="1600" dirty="0">
+                <a:solidFill>
+                  <a:srgbClr val="06287E"/>
+                </a:solidFill>
+                <a:latin typeface="Courier"/>
+              </a:rPr>
+              <a:t>tm_polygons</a:t>
+            </a:r>
+            <a:r>
+              <a:rPr sz="1600" dirty="0">
+                <a:latin typeface="Courier"/>
+              </a:rPr>
+              <a:t>(</a:t>
+            </a:r>
+            <a:r>
+              <a:rPr sz="1600" dirty="0">
+                <a:solidFill>
+                  <a:srgbClr val="4070A0"/>
+                </a:solidFill>
+                <a:latin typeface="Courier"/>
+              </a:rPr>
+              <a:t>"income"</a:t>
+            </a:r>
+            <a:r>
+              <a:rPr sz="1600" dirty="0">
+                <a:latin typeface="Courier"/>
+              </a:rPr>
+              <a:t>,</a:t>
+            </a:r>
+            <a:r>
+              <a:rPr sz="1600" dirty="0">
+                <a:solidFill>
+                  <a:srgbClr val="7D9029"/>
+                </a:solidFill>
+                <a:latin typeface="Courier"/>
+              </a:rPr>
+              <a:t>palette =</a:t>
+            </a:r>
+            <a:r>
+              <a:rPr sz="1600" dirty="0">
+                <a:latin typeface="Courier"/>
+              </a:rPr>
+              <a:t> </a:t>
+            </a:r>
+            <a:r>
+              <a:rPr sz="1600" dirty="0">
+                <a:solidFill>
+                  <a:srgbClr val="06287E"/>
+                </a:solidFill>
+                <a:latin typeface="Courier"/>
+              </a:rPr>
+              <a:t>c</a:t>
+            </a:r>
+            <a:r>
+              <a:rPr sz="1600" dirty="0">
+                <a:latin typeface="Courier"/>
+              </a:rPr>
+              <a:t>(</a:t>
+            </a:r>
+            <a:r>
+              <a:rPr sz="1600" dirty="0">
+                <a:solidFill>
+                  <a:srgbClr val="4070A0"/>
+                </a:solidFill>
+                <a:latin typeface="Courier"/>
+              </a:rPr>
+              <a:t>"yellow"</a:t>
+            </a:r>
+            <a:r>
+              <a:rPr sz="1600" dirty="0">
+                <a:latin typeface="Courier"/>
+              </a:rPr>
+              <a:t>, </a:t>
+            </a:r>
+            <a:r>
+              <a:rPr sz="1600" dirty="0">
+                <a:solidFill>
+                  <a:srgbClr val="4070A0"/>
+                </a:solidFill>
+                <a:latin typeface="Courier"/>
+              </a:rPr>
+              <a:t>"darkgreen"</a:t>
+            </a:r>
+            <a:r>
+              <a:rPr sz="1600" dirty="0">
+                <a:latin typeface="Courier"/>
+              </a:rPr>
+              <a:t>))</a:t>
+            </a:r>
+            <a:r>
+              <a:rPr sz="1600" dirty="0">
+                <a:solidFill>
+                  <a:srgbClr val="4070A0"/>
+                </a:solidFill>
+                <a:latin typeface="Courier"/>
+              </a:rPr>
+              <a:t>+</a:t>
+            </a:r>
+            <a:br>
+              <a:rPr sz="1600" dirty="0"/>
+            </a:br>
+            <a:r>
+              <a:rPr sz="1600" dirty="0">
+                <a:latin typeface="Courier"/>
+              </a:rPr>
+              <a:t>  </a:t>
+            </a:r>
+            <a:r>
+              <a:rPr lang="en-US" sz="1600" dirty="0">
+                <a:latin typeface="Courier"/>
+              </a:rPr>
+              <a:t>	 </a:t>
+            </a:r>
+            <a:r>
+              <a:rPr sz="1600" dirty="0">
+                <a:solidFill>
+                  <a:srgbClr val="06287E"/>
+                </a:solidFill>
+                <a:latin typeface="Courier"/>
+              </a:rPr>
+              <a:t>tm_layout</a:t>
+            </a:r>
+            <a:r>
+              <a:rPr sz="1600" dirty="0">
+                <a:latin typeface="Courier"/>
+              </a:rPr>
+              <a:t>(</a:t>
+            </a:r>
+            <a:r>
+              <a:rPr sz="1600" dirty="0">
+                <a:solidFill>
+                  <a:srgbClr val="7D9029"/>
+                </a:solidFill>
+                <a:latin typeface="Courier"/>
+              </a:rPr>
+              <a:t>title=</a:t>
+            </a:r>
+            <a:r>
+              <a:rPr sz="1600" dirty="0">
+                <a:solidFill>
+                  <a:srgbClr val="4070A0"/>
+                </a:solidFill>
+                <a:latin typeface="Courier"/>
+              </a:rPr>
+              <a:t>'Income for VA'</a:t>
+            </a:r>
+            <a:r>
+              <a:rPr sz="1600" dirty="0">
+                <a:latin typeface="Courier"/>
+              </a:rPr>
+              <a:t>,</a:t>
+            </a:r>
+            <a:r>
+              <a:rPr lang="en-US" sz="1600" dirty="0">
+                <a:latin typeface="Courier"/>
+              </a:rPr>
+              <a:t> </a:t>
+            </a:r>
+            <a:r>
+              <a:rPr sz="1600" dirty="0">
+                <a:solidFill>
+                  <a:srgbClr val="7D9029"/>
+                </a:solidFill>
+                <a:latin typeface="Courier"/>
+              </a:rPr>
+              <a:t>legend.text.size =</a:t>
+            </a:r>
+            <a:r>
+              <a:rPr sz="1600" dirty="0">
+                <a:latin typeface="Courier"/>
+              </a:rPr>
+              <a:t> </a:t>
+            </a:r>
+            <a:r>
+              <a:rPr sz="1600" dirty="0">
+                <a:solidFill>
+                  <a:srgbClr val="40A070"/>
+                </a:solidFill>
+                <a:latin typeface="Courier"/>
+              </a:rPr>
+              <a:t>0.5</a:t>
+            </a:r>
+            <a:r>
+              <a:rPr sz="1600" dirty="0">
+                <a:latin typeface="Courier"/>
+              </a:rPr>
+              <a:t>)</a:t>
+            </a:r>
+          </a:p>
+        </p:txBody>
+      </p:sp>
+      <p:pic>
+        <p:nvPicPr>
+          <p:cNvPr id="3" name="Picture 1" descr="week4_files/figure-pptx/unnamed-chunk-2-1.png"/>
+          <p:cNvPicPr>
+            <a:picLocks noGrp="1" noChangeAspect="1"/>
+          </p:cNvPicPr>
+          <p:nvPr/>
+        </p:nvPicPr>
+        <p:blipFill rotWithShape="1">
+          <a:blip r:embed="rId2"/>
+          <a:srcRect t="21876" b="22398"/>
+          <a:stretch/>
+        </p:blipFill>
+        <p:spPr bwMode="auto">
+          <a:xfrm>
+            <a:off x="1126202" y="2180955"/>
+            <a:ext cx="4024581" cy="1796432"/>
+          </a:xfrm>
+          <a:prstGeom prst="rect">
+            <a:avLst/>
+          </a:prstGeom>
+          <a:noFill/>
+          <a:ln w="9525">
+            <a:noFill/>
+            <a:headEnd/>
+            <a:tailEnd/>
+          </a:ln>
+        </p:spPr>
+      </p:pic>
+      <p:sp>
+        <p:nvSpPr>
+          <p:cNvPr id="6" name="TextBox 5">
+            <a:extLst>
+              <a:ext uri="{FF2B5EF4-FFF2-40B4-BE49-F238E27FC236}">
+                <a16:creationId xmlns:a16="http://schemas.microsoft.com/office/drawing/2014/main" id="{8E3BF6DD-8D7B-DA22-0554-4326F7D686AB}"/>
+              </a:ext>
+            </a:extLst>
+          </p:cNvPr>
+          <p:cNvSpPr txBox="1"/>
+          <p:nvPr/>
+        </p:nvSpPr>
+        <p:spPr>
+          <a:xfrm>
+            <a:off x="457201" y="4292382"/>
+            <a:ext cx="7893578" cy="584775"/>
+          </a:xfrm>
+          <a:prstGeom prst="rect">
+            <a:avLst/>
+          </a:prstGeom>
+          <a:noFill/>
+        </p:spPr>
+        <p:txBody>
+          <a:bodyPr wrap="square">
+            <a:spAutoFit/>
+          </a:bodyPr>
+          <a:lstStyle/>
+          <a:p>
+            <a:pPr marL="0" lvl="0" indent="0">
+              <a:buNone/>
+            </a:pPr>
+            <a:r>
+              <a:rPr lang="en-US" dirty="0"/>
+              <a:t>“</a:t>
+            </a:r>
+            <a:r>
+              <a:rPr lang="en-US" sz="1400" dirty="0"/>
+              <a:t>The first element always is </a:t>
+            </a:r>
+            <a:r>
+              <a:rPr lang="en-US" sz="1400" dirty="0" err="1"/>
+              <a:t>tm_shape</a:t>
+            </a:r>
+            <a:r>
+              <a:rPr lang="en-US" sz="1400" dirty="0"/>
+              <a:t>(), which specified the input shape object. Next, map layers, additional map elements, and overall layout can be customized.”</a:t>
+            </a:r>
+          </a:p>
+        </p:txBody>
+      </p:sp>
+    </p:spTree>
+  </p:cSld>
+  <p:clrMapOvr>
+    <a:masterClrMapping/>
+  </p:clrMapOvr>
+</p:sld>
+</file>
+
+<file path=ppt/slides/slide8.xml><?xml version="1.0" encoding="utf-8"?>
+<p:sld xmlns:a="http://schemas.openxmlformats.org/drawingml/2006/main" xmlns:r="http://schemas.openxmlformats.org/officeDocument/2006/relationships" xmlns:p="http://schemas.openxmlformats.org/presentationml/2006/main">
+  <p:cSld>
+    <p:spTree>
+      <p:nvGrpSpPr>
+        <p:cNvPr id="1" name=""/>
+        <p:cNvGrpSpPr/>
+        <p:nvPr/>
+      </p:nvGrpSpPr>
+      <p:grpSpPr>
+        <a:xfrm>
+          <a:off x="0" y="0"/>
+          <a:ext cx="0" cy="0"/>
+          <a:chOff x="0" y="0"/>
+          <a:chExt cx="0" cy="0"/>
+        </a:xfrm>
+      </p:grpSpPr>
+      <p:sp>
+        <p:nvSpPr>
+          <p:cNvPr id="2" name="Title 1"/>
+          <p:cNvSpPr>
+            <a:spLocks noGrp="1"/>
+          </p:cNvSpPr>
+          <p:nvPr>
+            <p:ph type="title"/>
+          </p:nvPr>
+        </p:nvSpPr>
+        <p:spPr>
+          <a:xfrm>
+            <a:off x="457201" y="204787"/>
+            <a:ext cx="3008313" cy="871538"/>
+          </a:xfrm>
+        </p:spPr>
         <p:txBody>
           <a:bodyPr/>
           <a:lstStyle/>
           <a:p>
-            <a:pPr lvl="0" indent="0" marL="0">
+            <a:pPr marL="0" lvl="0" indent="0">
+              <a:buNone/>
+            </a:pPr>
+            <a:r>
+              <a:rPr dirty="0"/>
+              <a:t>tmap – regular maps</a:t>
+            </a:r>
+          </a:p>
+        </p:txBody>
+      </p:sp>
+      <p:sp>
+        <p:nvSpPr>
+          <p:cNvPr id="4" name="Text Placeholder 3"/>
+          <p:cNvSpPr>
+            <a:spLocks noGrp="1"/>
+          </p:cNvSpPr>
+          <p:nvPr>
+            <p:ph type="body" sz="half" idx="2"/>
+          </p:nvPr>
+        </p:nvSpPr>
+        <p:spPr/>
+        <p:txBody>
+          <a:bodyPr/>
+          <a:lstStyle/>
+          <a:p>
+            <a:pPr marL="0" lvl="0" indent="0">
               <a:spcBef>
                 <a:spcPts val="3000"/>
               </a:spcBef>
@@ -7308,7 +8484,7 @@
       </p:sp>
       <p:pic>
         <p:nvPicPr>
-          <p:cNvPr descr="color.png" id="0" name="Picture 1"/>
+          <p:cNvPr id="3" name="Picture 1" descr="color.png"/>
           <p:cNvPicPr>
             <a:picLocks noGrp="1" noChangeAspect="1"/>
           </p:cNvPicPr>
@@ -7338,779 +8514,9 @@
       </p:pic>
     </p:spTree>
   </p:cSld>
-</p:sld>
-</file>
-
-<file path=ppt/slides/slide8.xml><?xml version="1.0" encoding="utf-8"?>
-<p:sld xmlns:a="http://schemas.openxmlformats.org/drawingml/2006/main" xmlns:r="http://schemas.openxmlformats.org/officeDocument/2006/relationships" xmlns:p="http://schemas.openxmlformats.org/presentationml/2006/main">
-  <p:cSld>
-    <p:spTree>
-      <p:nvGrpSpPr>
-        <p:cNvPr id="1" name=""/>
-        <p:cNvGrpSpPr/>
-        <p:nvPr/>
-      </p:nvGrpSpPr>
-      <p:grpSpPr>
-        <a:xfrm>
-          <a:off x="0" y="0"/>
-          <a:ext cx="0" cy="0"/>
-          <a:chOff x="0" y="0"/>
-          <a:chExt cx="0" cy="0"/>
-        </a:xfrm>
-      </p:grpSpPr>
-      <p:sp>
-        <p:nvSpPr>
-          <p:cNvPr id="2" name="Title 1"/>
-          <p:cNvSpPr>
-            <a:spLocks noGrp="1"/>
-          </p:cNvSpPr>
-          <p:nvPr>
-            <p:ph type="title"/>
-          </p:nvPr>
-        </p:nvSpPr>
-        <p:spPr>
-          <a:xfrm>
-            <a:off x="457201" y="204787"/>
-            <a:ext cx="3008313" cy="871538"/>
-          </a:xfrm>
-        </p:spPr>
-        <p:txBody>
-          <a:bodyPr/>
-          <a:lstStyle/>
-          <a:p>
-            <a:pPr lvl="0" indent="0" marL="0">
-              <a:buNone/>
-            </a:pPr>
-            <a:r>
-              <a:rPr/>
-              <a:t>Map title, scale bar, and north arrow</a:t>
-            </a:r>
-          </a:p>
-        </p:txBody>
-      </p:sp>
-      <p:sp>
-        <p:nvSpPr>
-          <p:cNvPr id="4" name="Text Placeholder 3"/>
-          <p:cNvSpPr>
-            <a:spLocks noGrp="1"/>
-          </p:cNvSpPr>
-          <p:nvPr>
-            <p:ph idx="2" sz="half" type="body"/>
-          </p:nvPr>
-        </p:nvSpPr>
-        <p:spPr/>
-        <p:txBody>
-          <a:bodyPr/>
-          <a:lstStyle/>
-          <a:p>
-            <a:pPr lvl="0" indent="0">
-              <a:buNone/>
-            </a:pPr>
-            <a:r>
-              <a:rPr>
-                <a:solidFill>
-                  <a:srgbClr val="06287E"/>
-                </a:solidFill>
-                <a:latin typeface="Courier"/>
-              </a:rPr>
-              <a:t>tm_shape</a:t>
-            </a:r>
-            <a:r>
-              <a:rPr>
-                <a:latin typeface="Courier"/>
-              </a:rPr>
-              <a:t>(income_va)</a:t>
-            </a:r>
-            <a:r>
-              <a:rPr>
-                <a:solidFill>
-                  <a:srgbClr val="4070A0"/>
-                </a:solidFill>
-                <a:latin typeface="Courier"/>
-              </a:rPr>
-              <a:t>+</a:t>
-            </a:r>
-            <a:br/>
-            <a:r>
-              <a:rPr>
-                <a:latin typeface="Courier"/>
-              </a:rPr>
-              <a:t>    </a:t>
-            </a:r>
-            <a:r>
-              <a:rPr>
-                <a:solidFill>
-                  <a:srgbClr val="06287E"/>
-                </a:solidFill>
-                <a:latin typeface="Courier"/>
-              </a:rPr>
-              <a:t>tm_polygons</a:t>
-            </a:r>
-            <a:r>
-              <a:rPr>
-                <a:latin typeface="Courier"/>
-              </a:rPr>
-              <a:t>(</a:t>
-            </a:r>
-            <a:r>
-              <a:rPr>
-                <a:solidFill>
-                  <a:srgbClr val="4070A0"/>
-                </a:solidFill>
-                <a:latin typeface="Courier"/>
-              </a:rPr>
-              <a:t>"income"</a:t>
-            </a:r>
-            <a:r>
-              <a:rPr>
-                <a:latin typeface="Courier"/>
-              </a:rPr>
-              <a:t>,</a:t>
-            </a:r>
-            <a:r>
-              <a:rPr>
-                <a:solidFill>
-                  <a:srgbClr val="7D9029"/>
-                </a:solidFill>
-                <a:latin typeface="Courier"/>
-              </a:rPr>
-              <a:t>palette=</a:t>
-            </a:r>
-            <a:r>
-              <a:rPr>
-                <a:solidFill>
-                  <a:srgbClr val="06287E"/>
-                </a:solidFill>
-                <a:latin typeface="Courier"/>
-              </a:rPr>
-              <a:t>c</a:t>
-            </a:r>
-            <a:r>
-              <a:rPr>
-                <a:latin typeface="Courier"/>
-              </a:rPr>
-              <a:t>(</a:t>
-            </a:r>
-            <a:r>
-              <a:rPr>
-                <a:solidFill>
-                  <a:srgbClr val="4070A0"/>
-                </a:solidFill>
-                <a:latin typeface="Courier"/>
-              </a:rPr>
-              <a:t>'yellow'</a:t>
-            </a:r>
-            <a:r>
-              <a:rPr>
-                <a:latin typeface="Courier"/>
-              </a:rPr>
-              <a:t>,</a:t>
-            </a:r>
-            <a:r>
-              <a:rPr>
-                <a:solidFill>
-                  <a:srgbClr val="4070A0"/>
-                </a:solidFill>
-                <a:latin typeface="Courier"/>
-              </a:rPr>
-              <a:t>'darkgreen'</a:t>
-            </a:r>
-            <a:r>
-              <a:rPr>
-                <a:latin typeface="Courier"/>
-              </a:rPr>
-              <a:t>))</a:t>
-            </a:r>
-            <a:r>
-              <a:rPr>
-                <a:solidFill>
-                  <a:srgbClr val="4070A0"/>
-                </a:solidFill>
-                <a:latin typeface="Courier"/>
-              </a:rPr>
-              <a:t>+</a:t>
-            </a:r>
-            <a:br/>
-            <a:r>
-              <a:rPr>
-                <a:latin typeface="Courier"/>
-              </a:rPr>
-              <a:t>  </a:t>
-            </a:r>
-            <a:r>
-              <a:rPr>
-                <a:solidFill>
-                  <a:srgbClr val="06287E"/>
-                </a:solidFill>
-                <a:latin typeface="Courier"/>
-              </a:rPr>
-              <a:t>tm_layout</a:t>
-            </a:r>
-            <a:r>
-              <a:rPr>
-                <a:latin typeface="Courier"/>
-              </a:rPr>
-              <a:t>(</a:t>
-            </a:r>
-            <a:r>
-              <a:rPr>
-                <a:solidFill>
-                  <a:srgbClr val="7D9029"/>
-                </a:solidFill>
-                <a:latin typeface="Courier"/>
-              </a:rPr>
-              <a:t>title=</a:t>
-            </a:r>
-            <a:r>
-              <a:rPr>
-                <a:solidFill>
-                  <a:srgbClr val="4070A0"/>
-                </a:solidFill>
-                <a:latin typeface="Courier"/>
-              </a:rPr>
-              <a:t>'Income for VA'</a:t>
-            </a:r>
-            <a:r>
-              <a:rPr>
-                <a:latin typeface="Courier"/>
-              </a:rPr>
-              <a:t>,</a:t>
-            </a:r>
-            <a:br/>
-            <a:r>
-              <a:rPr>
-                <a:latin typeface="Courier"/>
-              </a:rPr>
-              <a:t>            </a:t>
-            </a:r>
-            <a:r>
-              <a:rPr>
-                <a:solidFill>
-                  <a:srgbClr val="7D9029"/>
-                </a:solidFill>
-                <a:latin typeface="Courier"/>
-              </a:rPr>
-              <a:t>title.position=</a:t>
-            </a:r>
-            <a:r>
-              <a:rPr>
-                <a:solidFill>
-                  <a:srgbClr val="06287E"/>
-                </a:solidFill>
-                <a:latin typeface="Courier"/>
-              </a:rPr>
-              <a:t>c</a:t>
-            </a:r>
-            <a:r>
-              <a:rPr>
-                <a:latin typeface="Courier"/>
-              </a:rPr>
-              <a:t>(</a:t>
-            </a:r>
-            <a:r>
-              <a:rPr>
-                <a:solidFill>
-                  <a:srgbClr val="4070A0"/>
-                </a:solidFill>
-                <a:latin typeface="Courier"/>
-              </a:rPr>
-              <a:t>"center"</a:t>
-            </a:r>
-            <a:r>
-              <a:rPr>
-                <a:latin typeface="Courier"/>
-              </a:rPr>
-              <a:t>,</a:t>
-            </a:r>
-            <a:r>
-              <a:rPr>
-                <a:solidFill>
-                  <a:srgbClr val="4070A0"/>
-                </a:solidFill>
-                <a:latin typeface="Courier"/>
-              </a:rPr>
-              <a:t>"top"</a:t>
-            </a:r>
-            <a:r>
-              <a:rPr>
-                <a:latin typeface="Courier"/>
-              </a:rPr>
-              <a:t>),</a:t>
-            </a:r>
-            <a:br/>
-            <a:r>
-              <a:rPr>
-                <a:latin typeface="Courier"/>
-              </a:rPr>
-              <a:t>            </a:t>
-            </a:r>
-            <a:r>
-              <a:rPr>
-                <a:solidFill>
-                  <a:srgbClr val="7D9029"/>
-                </a:solidFill>
-                <a:latin typeface="Courier"/>
-              </a:rPr>
-              <a:t>legend.text.size =</a:t>
-            </a:r>
-            <a:r>
-              <a:rPr>
-                <a:latin typeface="Courier"/>
-              </a:rPr>
-              <a:t> </a:t>
-            </a:r>
-            <a:r>
-              <a:rPr>
-                <a:solidFill>
-                  <a:srgbClr val="40A070"/>
-                </a:solidFill>
-                <a:latin typeface="Courier"/>
-              </a:rPr>
-              <a:t>0.5</a:t>
-            </a:r>
-            <a:r>
-              <a:rPr>
-                <a:latin typeface="Courier"/>
-              </a:rPr>
-              <a:t>,</a:t>
-            </a:r>
-            <a:br/>
-            <a:r>
-              <a:rPr>
-                <a:latin typeface="Courier"/>
-              </a:rPr>
-              <a:t>            </a:t>
-            </a:r>
-            <a:r>
-              <a:rPr>
-                <a:solidFill>
-                  <a:srgbClr val="7D9029"/>
-                </a:solidFill>
-                <a:latin typeface="Courier"/>
-              </a:rPr>
-              <a:t>legend.position=</a:t>
-            </a:r>
-            <a:r>
-              <a:rPr>
-                <a:solidFill>
-                  <a:srgbClr val="06287E"/>
-                </a:solidFill>
-                <a:latin typeface="Courier"/>
-              </a:rPr>
-              <a:t>c</a:t>
-            </a:r>
-            <a:r>
-              <a:rPr>
-                <a:latin typeface="Courier"/>
-              </a:rPr>
-              <a:t>(</a:t>
-            </a:r>
-            <a:r>
-              <a:rPr>
-                <a:solidFill>
-                  <a:srgbClr val="4070A0"/>
-                </a:solidFill>
-                <a:latin typeface="Courier"/>
-              </a:rPr>
-              <a:t>"left"</a:t>
-            </a:r>
-            <a:r>
-              <a:rPr>
-                <a:latin typeface="Courier"/>
-              </a:rPr>
-              <a:t>,</a:t>
-            </a:r>
-            <a:r>
-              <a:rPr>
-                <a:solidFill>
-                  <a:srgbClr val="4070A0"/>
-                </a:solidFill>
-                <a:latin typeface="Courier"/>
-              </a:rPr>
-              <a:t>"top"</a:t>
-            </a:r>
-            <a:r>
-              <a:rPr>
-                <a:latin typeface="Courier"/>
-              </a:rPr>
-              <a:t>))</a:t>
-            </a:r>
-            <a:r>
-              <a:rPr>
-                <a:solidFill>
-                  <a:srgbClr val="4070A0"/>
-                </a:solidFill>
-                <a:latin typeface="Courier"/>
-              </a:rPr>
-              <a:t>+</a:t>
-            </a:r>
-            <a:br/>
-            <a:r>
-              <a:rPr>
-                <a:latin typeface="Courier"/>
-              </a:rPr>
-              <a:t>  </a:t>
-            </a:r>
-            <a:r>
-              <a:rPr>
-                <a:solidFill>
-                  <a:srgbClr val="06287E"/>
-                </a:solidFill>
-                <a:latin typeface="Courier"/>
-              </a:rPr>
-              <a:t>tm_scale_bar</a:t>
-            </a:r>
-            <a:r>
-              <a:rPr>
-                <a:latin typeface="Courier"/>
-              </a:rPr>
-              <a:t>(</a:t>
-            </a:r>
-            <a:r>
-              <a:rPr>
-                <a:solidFill>
-                  <a:srgbClr val="7D9029"/>
-                </a:solidFill>
-                <a:latin typeface="Courier"/>
-              </a:rPr>
-              <a:t>breaks =</a:t>
-            </a:r>
-            <a:r>
-              <a:rPr>
-                <a:latin typeface="Courier"/>
-              </a:rPr>
-              <a:t> </a:t>
-            </a:r>
-            <a:r>
-              <a:rPr>
-                <a:solidFill>
-                  <a:srgbClr val="06287E"/>
-                </a:solidFill>
-                <a:latin typeface="Courier"/>
-              </a:rPr>
-              <a:t>c</a:t>
-            </a:r>
-            <a:r>
-              <a:rPr>
-                <a:latin typeface="Courier"/>
-              </a:rPr>
-              <a:t>(</a:t>
-            </a:r>
-            <a:r>
-              <a:rPr>
-                <a:solidFill>
-                  <a:srgbClr val="40A070"/>
-                </a:solidFill>
-                <a:latin typeface="Courier"/>
-              </a:rPr>
-              <a:t>0</a:t>
-            </a:r>
-            <a:r>
-              <a:rPr>
-                <a:latin typeface="Courier"/>
-              </a:rPr>
-              <a:t>, </a:t>
-            </a:r>
-            <a:r>
-              <a:rPr>
-                <a:solidFill>
-                  <a:srgbClr val="40A070"/>
-                </a:solidFill>
-                <a:latin typeface="Courier"/>
-              </a:rPr>
-              <a:t>10</a:t>
-            </a:r>
-            <a:r>
-              <a:rPr>
-                <a:latin typeface="Courier"/>
-              </a:rPr>
-              <a:t>,</a:t>
-            </a:r>
-            <a:r>
-              <a:rPr>
-                <a:solidFill>
-                  <a:srgbClr val="40A070"/>
-                </a:solidFill>
-                <a:latin typeface="Courier"/>
-              </a:rPr>
-              <a:t>20</a:t>
-            </a:r>
-            <a:r>
-              <a:rPr>
-                <a:latin typeface="Courier"/>
-              </a:rPr>
-              <a:t>), </a:t>
-            </a:r>
-            <a:r>
-              <a:rPr>
-                <a:solidFill>
-                  <a:srgbClr val="7D9029"/>
-                </a:solidFill>
-                <a:latin typeface="Courier"/>
-              </a:rPr>
-              <a:t>text.size =</a:t>
-            </a:r>
-            <a:r>
-              <a:rPr>
-                <a:latin typeface="Courier"/>
-              </a:rPr>
-              <a:t> </a:t>
-            </a:r>
-            <a:r>
-              <a:rPr>
-                <a:solidFill>
-                  <a:srgbClr val="40A070"/>
-                </a:solidFill>
-                <a:latin typeface="Courier"/>
-              </a:rPr>
-              <a:t>0.5</a:t>
-            </a:r>
-            <a:r>
-              <a:rPr>
-                <a:latin typeface="Courier"/>
-              </a:rPr>
-              <a:t>, </a:t>
-            </a:r>
-            <a:r>
-              <a:rPr>
-                <a:solidFill>
-                  <a:srgbClr val="7D9029"/>
-                </a:solidFill>
-                <a:latin typeface="Courier"/>
-              </a:rPr>
-              <a:t>position=</a:t>
-            </a:r>
-            <a:r>
-              <a:rPr>
-                <a:solidFill>
-                  <a:srgbClr val="06287E"/>
-                </a:solidFill>
-                <a:latin typeface="Courier"/>
-              </a:rPr>
-              <a:t>c</a:t>
-            </a:r>
-            <a:r>
-              <a:rPr>
-                <a:latin typeface="Courier"/>
-              </a:rPr>
-              <a:t>(</a:t>
-            </a:r>
-            <a:r>
-              <a:rPr>
-                <a:solidFill>
-                  <a:srgbClr val="4070A0"/>
-                </a:solidFill>
-                <a:latin typeface="Courier"/>
-              </a:rPr>
-              <a:t>"right"</a:t>
-            </a:r>
-            <a:r>
-              <a:rPr>
-                <a:latin typeface="Courier"/>
-              </a:rPr>
-              <a:t>, </a:t>
-            </a:r>
-            <a:r>
-              <a:rPr>
-                <a:solidFill>
-                  <a:srgbClr val="4070A0"/>
-                </a:solidFill>
-                <a:latin typeface="Courier"/>
-              </a:rPr>
-              <a:t>"bottom"</a:t>
-            </a:r>
-            <a:r>
-              <a:rPr>
-                <a:latin typeface="Courier"/>
-              </a:rPr>
-              <a:t>))</a:t>
-            </a:r>
-            <a:r>
-              <a:rPr>
-                <a:solidFill>
-                  <a:srgbClr val="4070A0"/>
-                </a:solidFill>
-                <a:latin typeface="Courier"/>
-              </a:rPr>
-              <a:t>+</a:t>
-            </a:r>
-            <a:br/>
-            <a:r>
-              <a:rPr>
-                <a:latin typeface="Courier"/>
-              </a:rPr>
-              <a:t>  </a:t>
-            </a:r>
-            <a:r>
-              <a:rPr>
-                <a:solidFill>
-                  <a:srgbClr val="06287E"/>
-                </a:solidFill>
-                <a:latin typeface="Courier"/>
-              </a:rPr>
-              <a:t>tm_compass</a:t>
-            </a:r>
-            <a:r>
-              <a:rPr>
-                <a:latin typeface="Courier"/>
-              </a:rPr>
-              <a:t>(</a:t>
-            </a:r>
-            <a:r>
-              <a:rPr>
-                <a:solidFill>
-                  <a:srgbClr val="7D9029"/>
-                </a:solidFill>
-                <a:latin typeface="Courier"/>
-              </a:rPr>
-              <a:t>type =</a:t>
-            </a:r>
-            <a:r>
-              <a:rPr>
-                <a:latin typeface="Courier"/>
-              </a:rPr>
-              <a:t> </a:t>
-            </a:r>
-            <a:r>
-              <a:rPr>
-                <a:solidFill>
-                  <a:srgbClr val="4070A0"/>
-                </a:solidFill>
-                <a:latin typeface="Courier"/>
-              </a:rPr>
-              <a:t>"4star"</a:t>
-            </a:r>
-            <a:r>
-              <a:rPr>
-                <a:latin typeface="Courier"/>
-              </a:rPr>
-              <a:t>, </a:t>
-            </a:r>
-            <a:r>
-              <a:rPr>
-                <a:solidFill>
-                  <a:srgbClr val="7D9029"/>
-                </a:solidFill>
-                <a:latin typeface="Courier"/>
-              </a:rPr>
-              <a:t>size =</a:t>
-            </a:r>
-            <a:r>
-              <a:rPr>
-                <a:latin typeface="Courier"/>
-              </a:rPr>
-              <a:t> </a:t>
-            </a:r>
-            <a:r>
-              <a:rPr>
-                <a:solidFill>
-                  <a:srgbClr val="40A070"/>
-                </a:solidFill>
-                <a:latin typeface="Courier"/>
-              </a:rPr>
-              <a:t>3</a:t>
-            </a:r>
-            <a:r>
-              <a:rPr>
-                <a:latin typeface="Courier"/>
-              </a:rPr>
-              <a:t>, </a:t>
-            </a:r>
-            <a:r>
-              <a:rPr>
-                <a:solidFill>
-                  <a:srgbClr val="7D9029"/>
-                </a:solidFill>
-                <a:latin typeface="Courier"/>
-              </a:rPr>
-              <a:t>position =</a:t>
-            </a:r>
-            <a:r>
-              <a:rPr>
-                <a:latin typeface="Courier"/>
-              </a:rPr>
-              <a:t> </a:t>
-            </a:r>
-            <a:r>
-              <a:rPr>
-                <a:solidFill>
-                  <a:srgbClr val="06287E"/>
-                </a:solidFill>
-                <a:latin typeface="Courier"/>
-              </a:rPr>
-              <a:t>c</a:t>
-            </a:r>
-            <a:r>
-              <a:rPr>
-                <a:latin typeface="Courier"/>
-              </a:rPr>
-              <a:t>(</a:t>
-            </a:r>
-            <a:r>
-              <a:rPr>
-                <a:solidFill>
-                  <a:srgbClr val="4070A0"/>
-                </a:solidFill>
-                <a:latin typeface="Courier"/>
-              </a:rPr>
-              <a:t>"right"</a:t>
-            </a:r>
-            <a:r>
-              <a:rPr>
-                <a:latin typeface="Courier"/>
-              </a:rPr>
-              <a:t>, </a:t>
-            </a:r>
-            <a:r>
-              <a:rPr>
-                <a:solidFill>
-                  <a:srgbClr val="4070A0"/>
-                </a:solidFill>
-                <a:latin typeface="Courier"/>
-              </a:rPr>
-              <a:t>"top"</a:t>
-            </a:r>
-            <a:r>
-              <a:rPr>
-                <a:latin typeface="Courier"/>
-              </a:rPr>
-              <a:t>))</a:t>
-            </a:r>
-          </a:p>
-        </p:txBody>
-      </p:sp>
-      <p:pic>
-        <p:nvPicPr>
-          <p:cNvPr descr="week4_files/figure-pptx/unnamed-chunk-3-1.png" id="0" name="Picture 1"/>
-          <p:cNvPicPr>
-            <a:picLocks noGrp="1" noChangeAspect="1"/>
-          </p:cNvPicPr>
-          <p:nvPr/>
-        </p:nvPicPr>
-        <p:blipFill>
-          <a:blip r:embed="rId2"/>
-          <a:stretch>
-            <a:fillRect/>
-          </a:stretch>
-        </p:blipFill>
-        <p:spPr bwMode="auto">
-          <a:xfrm>
-            <a:off x="3568700" y="355600"/>
-            <a:ext cx="5105400" cy="4089400"/>
-          </a:xfrm>
-          <a:prstGeom prst="rect">
-            <a:avLst/>
-          </a:prstGeom>
-          <a:noFill/>
-          <a:ln w="9525">
-            <a:noFill/>
-            <a:headEnd/>
-            <a:tailEnd/>
-          </a:ln>
-        </p:spPr>
-      </p:pic>
-    </p:spTree>
-  </p:cSld>
+  <p:clrMapOvr>
+    <a:masterClrMapping/>
+  </p:clrMapOvr>
 </p:sld>
 </file>
 
@@ -8151,12 +8557,11 @@
           <a:bodyPr/>
           <a:lstStyle/>
           <a:p>
-            <a:pPr lvl="0" indent="0" marL="0">
+            <a:pPr marL="0" lvl="0" indent="0">
               <a:buNone/>
             </a:pPr>
             <a:r>
-              <a:rPr/>
-              <a:t>tmap – regular maps</a:t>
+              <a:t>Map title, scale bar, and north arrow</a:t>
             </a:r>
           </a:p>
         </p:txBody>
@@ -8168,19 +8573,26 @@
             <a:spLocks noGrp="1"/>
           </p:cNvSpPr>
           <p:nvPr>
-            <p:ph idx="2" sz="half" type="body"/>
-          </p:nvPr>
-        </p:nvSpPr>
-        <p:spPr/>
-        <p:txBody>
-          <a:bodyPr/>
+            <p:ph type="body" sz="half" idx="2"/>
+          </p:nvPr>
+        </p:nvSpPr>
+        <p:spPr>
+          <a:xfrm>
+            <a:off x="457201" y="1076326"/>
+            <a:ext cx="8597787" cy="3518297"/>
+          </a:xfrm>
+        </p:spPr>
+        <p:txBody>
+          <a:bodyPr>
+            <a:normAutofit/>
+          </a:bodyPr>
           <a:lstStyle/>
           <a:p>
             <a:pPr lvl="0" indent="0">
               <a:buNone/>
             </a:pPr>
             <a:r>
-              <a:rPr>
+              <a:rPr sz="1600" dirty="0">
                 <a:solidFill>
                   <a:srgbClr val="06287E"/>
                 </a:solidFill>
@@ -8189,13 +8601,13 @@
               <a:t>tm_shape</a:t>
             </a:r>
             <a:r>
-              <a:rPr>
+              <a:rPr sz="1600" dirty="0">
                 <a:latin typeface="Courier"/>
               </a:rPr>
               <a:t>(income_va)</a:t>
             </a:r>
             <a:r>
-              <a:rPr>
+              <a:rPr sz="1600" dirty="0">
                 <a:solidFill>
                   <a:srgbClr val="4070A0"/>
                 </a:solidFill>
@@ -8203,30 +8615,32 @@
               </a:rPr>
               <a:t>+</a:t>
             </a:r>
-            <a:br/>
-            <a:r>
-              <a:rPr>
-                <a:latin typeface="Courier"/>
-              </a:rPr>
-              <a:t>    </a:t>
-            </a:r>
-            <a:r>
-              <a:rPr>
+            <a:br>
+              <a:rPr sz="1600" dirty="0"/>
+            </a:br>
+            <a:r>
+              <a:rPr sz="1600" dirty="0">
+                <a:latin typeface="Courier"/>
+              </a:rPr>
+              <a:t>  </a:t>
+            </a:r>
+            <a:r>
+              <a:rPr sz="1600" dirty="0">
                 <a:solidFill>
                   <a:srgbClr val="06287E"/>
                 </a:solidFill>
                 <a:latin typeface="Courier"/>
               </a:rPr>
-              <a:t>tm_symbols</a:t>
-            </a:r>
-            <a:r>
-              <a:rPr>
+              <a:t>tm_polygons</a:t>
+            </a:r>
+            <a:r>
+              <a:rPr sz="1600" dirty="0">
                 <a:latin typeface="Courier"/>
               </a:rPr>
               <a:t>(</a:t>
             </a:r>
             <a:r>
-              <a:rPr>
+              <a:rPr sz="1600" dirty="0">
                 <a:solidFill>
                   <a:srgbClr val="4070A0"/>
                 </a:solidFill>
@@ -8235,29 +8649,103 @@
               <a:t>"income"</a:t>
             </a:r>
             <a:r>
-              <a:rPr>
-                <a:latin typeface="Courier"/>
-              </a:rPr>
-              <a:t>)</a:t>
-            </a:r>
-            <a:r>
-              <a:rPr>
+              <a:rPr sz="1600" dirty="0">
+                <a:latin typeface="Courier"/>
+              </a:rPr>
+              <a:t>,</a:t>
+            </a:r>
+            <a:r>
+              <a:rPr sz="1600" dirty="0">
+                <a:solidFill>
+                  <a:srgbClr val="7D9029"/>
+                </a:solidFill>
+                <a:latin typeface="Courier"/>
+              </a:rPr>
+              <a:t>palette=</a:t>
+            </a:r>
+            <a:r>
+              <a:rPr sz="1600" dirty="0">
+                <a:solidFill>
+                  <a:srgbClr val="06287E"/>
+                </a:solidFill>
+                <a:latin typeface="Courier"/>
+              </a:rPr>
+              <a:t>c</a:t>
+            </a:r>
+            <a:r>
+              <a:rPr sz="1600" dirty="0">
+                <a:latin typeface="Courier"/>
+              </a:rPr>
+              <a:t>(</a:t>
+            </a:r>
+            <a:r>
+              <a:rPr sz="1600" dirty="0">
                 <a:solidFill>
                   <a:srgbClr val="4070A0"/>
                 </a:solidFill>
                 <a:latin typeface="Courier"/>
               </a:rPr>
+              <a:t>'</a:t>
+            </a:r>
+            <a:r>
+              <a:rPr sz="1600" dirty="0" err="1">
+                <a:solidFill>
+                  <a:srgbClr val="4070A0"/>
+                </a:solidFill>
+                <a:latin typeface="Courier"/>
+              </a:rPr>
+              <a:t>yellow'</a:t>
+            </a:r>
+            <a:r>
+              <a:rPr sz="1600" dirty="0" err="1">
+                <a:latin typeface="Courier"/>
+              </a:rPr>
+              <a:t>,</a:t>
+            </a:r>
+            <a:r>
+              <a:rPr sz="1600" dirty="0" err="1">
+                <a:solidFill>
+                  <a:srgbClr val="4070A0"/>
+                </a:solidFill>
+                <a:latin typeface="Courier"/>
+              </a:rPr>
+              <a:t>'darkgreen</a:t>
+            </a:r>
+            <a:r>
+              <a:rPr sz="1600" dirty="0">
+                <a:solidFill>
+                  <a:srgbClr val="4070A0"/>
+                </a:solidFill>
+                <a:latin typeface="Courier"/>
+              </a:rPr>
+              <a:t>'</a:t>
+            </a:r>
+            <a:r>
+              <a:rPr sz="1600" dirty="0">
+                <a:latin typeface="Courier"/>
+              </a:rPr>
+              <a:t>))</a:t>
+            </a:r>
+            <a:r>
+              <a:rPr sz="1600" dirty="0">
+                <a:solidFill>
+                  <a:srgbClr val="4070A0"/>
+                </a:solidFill>
+                <a:latin typeface="Courier"/>
+              </a:rPr>
               <a:t>+</a:t>
             </a:r>
-            <a:br/>
-            <a:r>
-              <a:rPr>
+            <a:br>
+              <a:rPr sz="1600" dirty="0"/>
+            </a:br>
+            <a:r>
+              <a:rPr sz="1600" dirty="0">
                 <a:latin typeface="Courier"/>
               </a:rPr>
               <a:t>  </a:t>
             </a:r>
             <a:r>
-              <a:rPr>
+              <a:rPr sz="1600" dirty="0">
                 <a:solidFill>
                   <a:srgbClr val="06287E"/>
                 </a:solidFill>
@@ -8266,13 +8754,13 @@
               <a:t>tm_layout</a:t>
             </a:r>
             <a:r>
-              <a:rPr>
+              <a:rPr sz="1600" dirty="0">
                 <a:latin typeface="Courier"/>
               </a:rPr>
               <a:t>(</a:t>
             </a:r>
             <a:r>
-              <a:rPr>
+              <a:rPr sz="1600" dirty="0">
                 <a:solidFill>
                   <a:srgbClr val="7D9029"/>
                 </a:solidFill>
@@ -8281,7 +8769,7 @@
               <a:t>title=</a:t>
             </a:r>
             <a:r>
-              <a:rPr>
+              <a:rPr sz="1600" dirty="0">
                 <a:solidFill>
                   <a:srgbClr val="4070A0"/>
                 </a:solidFill>
@@ -8290,28 +8778,127 @@
               <a:t>'Income for VA'</a:t>
             </a:r>
             <a:r>
-              <a:rPr>
+              <a:rPr sz="1600" dirty="0">
                 <a:latin typeface="Courier"/>
               </a:rPr>
               <a:t>,</a:t>
             </a:r>
-            <a:r>
-              <a:rPr>
+            <a:br>
+              <a:rPr sz="1600" dirty="0"/>
+            </a:br>
+            <a:r>
+              <a:rPr sz="1600" dirty="0">
+                <a:latin typeface="Courier"/>
+              </a:rPr>
+              <a:t>            </a:t>
+            </a:r>
+            <a:r>
+              <a:rPr sz="1600" dirty="0" err="1">
                 <a:solidFill>
                   <a:srgbClr val="7D9029"/>
                 </a:solidFill>
                 <a:latin typeface="Courier"/>
               </a:rPr>
+              <a:t>title.position</a:t>
+            </a:r>
+            <a:r>
+              <a:rPr sz="1600" dirty="0">
+                <a:solidFill>
+                  <a:srgbClr val="7D9029"/>
+                </a:solidFill>
+                <a:latin typeface="Courier"/>
+              </a:rPr>
+              <a:t>=</a:t>
+            </a:r>
+            <a:r>
+              <a:rPr sz="1600" dirty="0">
+                <a:solidFill>
+                  <a:srgbClr val="06287E"/>
+                </a:solidFill>
+                <a:latin typeface="Courier"/>
+              </a:rPr>
+              <a:t>c</a:t>
+            </a:r>
+            <a:r>
+              <a:rPr sz="1600" dirty="0">
+                <a:latin typeface="Courier"/>
+              </a:rPr>
+              <a:t>(</a:t>
+            </a:r>
+            <a:r>
+              <a:rPr sz="1600" dirty="0">
+                <a:solidFill>
+                  <a:srgbClr val="4070A0"/>
+                </a:solidFill>
+                <a:latin typeface="Courier"/>
+              </a:rPr>
+              <a:t>"</a:t>
+            </a:r>
+            <a:r>
+              <a:rPr sz="1600" dirty="0" err="1">
+                <a:solidFill>
+                  <a:srgbClr val="4070A0"/>
+                </a:solidFill>
+                <a:latin typeface="Courier"/>
+              </a:rPr>
+              <a:t>center"</a:t>
+            </a:r>
+            <a:r>
+              <a:rPr sz="1600" dirty="0" err="1">
+                <a:latin typeface="Courier"/>
+              </a:rPr>
+              <a:t>,</a:t>
+            </a:r>
+            <a:r>
+              <a:rPr sz="1600" dirty="0" err="1">
+                <a:solidFill>
+                  <a:srgbClr val="4070A0"/>
+                </a:solidFill>
+                <a:latin typeface="Courier"/>
+              </a:rPr>
+              <a:t>"top</a:t>
+            </a:r>
+            <a:r>
+              <a:rPr sz="1600" dirty="0">
+                <a:solidFill>
+                  <a:srgbClr val="4070A0"/>
+                </a:solidFill>
+                <a:latin typeface="Courier"/>
+              </a:rPr>
+              <a:t>"</a:t>
+            </a:r>
+            <a:r>
+              <a:rPr sz="1600" dirty="0">
+                <a:latin typeface="Courier"/>
+              </a:rPr>
+              <a:t>),</a:t>
+            </a:r>
+            <a:br>
+              <a:rPr sz="1600" dirty="0"/>
+            </a:br>
+            <a:r>
+              <a:rPr sz="1600" dirty="0">
+                <a:latin typeface="Courier"/>
+              </a:rPr>
+              <a:t>            </a:t>
+            </a:r>
+            <a:r>
+              <a:rPr sz="1600" dirty="0">
+                <a:solidFill>
+                  <a:srgbClr val="7D9029"/>
+                </a:solidFill>
+                <a:latin typeface="Courier"/>
+              </a:rPr>
               <a:t>legend.text.size =</a:t>
             </a:r>
             <a:r>
-              <a:rPr>
+              <a:rPr sz="1600" dirty="0">
                 <a:latin typeface="Courier"/>
               </a:rPr>
               <a:t> </a:t>
             </a:r>
             <a:r>
-              <a:rPr>
+              <a:rPr sz="1600" dirty="0">
                 <a:solidFill>
                   <a:srgbClr val="40A070"/>
                 </a:solidFill>
@@ -8320,46 +8907,475 @@
               <a:t>0.5</a:t>
             </a:r>
             <a:r>
-              <a:rPr>
-                <a:latin typeface="Courier"/>
-              </a:rPr>
-              <a:t>)</a:t>
-            </a:r>
-          </a:p>
-        </p:txBody>
-      </p:sp>
-      <p:pic>
-        <p:nvPicPr>
-          <p:cNvPr descr="week4_files/figure-pptx/unnamed-chunk-4-1.png" id="0" name="Picture 1"/>
-          <p:cNvPicPr>
-            <a:picLocks noGrp="1" noChangeAspect="1"/>
-          </p:cNvPicPr>
-          <p:nvPr/>
-        </p:nvPicPr>
-        <p:blipFill>
-          <a:blip r:embed="rId2"/>
-          <a:stretch>
-            <a:fillRect/>
-          </a:stretch>
-        </p:blipFill>
-        <p:spPr bwMode="auto">
-          <a:xfrm>
-            <a:off x="3568700" y="355600"/>
-            <a:ext cx="5105400" cy="4089400"/>
-          </a:xfrm>
-          <a:prstGeom prst="rect">
-            <a:avLst/>
-          </a:prstGeom>
-          <a:noFill/>
-          <a:ln w="9525">
-            <a:noFill/>
-            <a:headEnd/>
-            <a:tailEnd/>
-          </a:ln>
-        </p:spPr>
-      </p:pic>
+              <a:rPr sz="1600" dirty="0">
+                <a:latin typeface="Courier"/>
+              </a:rPr>
+              <a:t>,</a:t>
+            </a:r>
+            <a:br>
+              <a:rPr sz="1600" dirty="0"/>
+            </a:br>
+            <a:r>
+              <a:rPr sz="1600" dirty="0">
+                <a:latin typeface="Courier"/>
+              </a:rPr>
+              <a:t>            </a:t>
+            </a:r>
+            <a:r>
+              <a:rPr sz="1600" dirty="0" err="1">
+                <a:solidFill>
+                  <a:srgbClr val="7D9029"/>
+                </a:solidFill>
+                <a:latin typeface="Courier"/>
+              </a:rPr>
+              <a:t>legend.position</a:t>
+            </a:r>
+            <a:r>
+              <a:rPr sz="1600" dirty="0">
+                <a:solidFill>
+                  <a:srgbClr val="7D9029"/>
+                </a:solidFill>
+                <a:latin typeface="Courier"/>
+              </a:rPr>
+              <a:t>=</a:t>
+            </a:r>
+            <a:r>
+              <a:rPr sz="1600" dirty="0">
+                <a:solidFill>
+                  <a:srgbClr val="06287E"/>
+                </a:solidFill>
+                <a:latin typeface="Courier"/>
+              </a:rPr>
+              <a:t>c</a:t>
+            </a:r>
+            <a:r>
+              <a:rPr sz="1600" dirty="0">
+                <a:latin typeface="Courier"/>
+              </a:rPr>
+              <a:t>(</a:t>
+            </a:r>
+            <a:r>
+              <a:rPr sz="1600" dirty="0">
+                <a:solidFill>
+                  <a:srgbClr val="4070A0"/>
+                </a:solidFill>
+                <a:latin typeface="Courier"/>
+              </a:rPr>
+              <a:t>"</a:t>
+            </a:r>
+            <a:r>
+              <a:rPr sz="1600" dirty="0" err="1">
+                <a:solidFill>
+                  <a:srgbClr val="4070A0"/>
+                </a:solidFill>
+                <a:latin typeface="Courier"/>
+              </a:rPr>
+              <a:t>left"</a:t>
+            </a:r>
+            <a:r>
+              <a:rPr sz="1600" dirty="0" err="1">
+                <a:latin typeface="Courier"/>
+              </a:rPr>
+              <a:t>,</a:t>
+            </a:r>
+            <a:r>
+              <a:rPr sz="1600" dirty="0" err="1">
+                <a:solidFill>
+                  <a:srgbClr val="4070A0"/>
+                </a:solidFill>
+                <a:latin typeface="Courier"/>
+              </a:rPr>
+              <a:t>"top</a:t>
+            </a:r>
+            <a:r>
+              <a:rPr sz="1600" dirty="0">
+                <a:solidFill>
+                  <a:srgbClr val="4070A0"/>
+                </a:solidFill>
+                <a:latin typeface="Courier"/>
+              </a:rPr>
+              <a:t>"</a:t>
+            </a:r>
+            <a:r>
+              <a:rPr sz="1600" dirty="0">
+                <a:latin typeface="Courier"/>
+              </a:rPr>
+              <a:t>))</a:t>
+            </a:r>
+            <a:r>
+              <a:rPr sz="1600" dirty="0">
+                <a:solidFill>
+                  <a:srgbClr val="4070A0"/>
+                </a:solidFill>
+                <a:latin typeface="Courier"/>
+              </a:rPr>
+              <a:t>+</a:t>
+            </a:r>
+            <a:br>
+              <a:rPr sz="1600" dirty="0"/>
+            </a:br>
+            <a:r>
+              <a:rPr sz="1600" dirty="0">
+                <a:latin typeface="Courier"/>
+              </a:rPr>
+              <a:t>  </a:t>
+            </a:r>
+            <a:r>
+              <a:rPr sz="1600" dirty="0" err="1">
+                <a:solidFill>
+                  <a:srgbClr val="06287E"/>
+                </a:solidFill>
+                <a:latin typeface="Courier"/>
+              </a:rPr>
+              <a:t>tm_scale_bar</a:t>
+            </a:r>
+            <a:r>
+              <a:rPr sz="1600" dirty="0">
+                <a:latin typeface="Courier"/>
+              </a:rPr>
+              <a:t>(</a:t>
+            </a:r>
+            <a:r>
+              <a:rPr sz="1600" dirty="0">
+                <a:solidFill>
+                  <a:srgbClr val="7D9029"/>
+                </a:solidFill>
+                <a:latin typeface="Courier"/>
+              </a:rPr>
+              <a:t>breaks =</a:t>
+            </a:r>
+            <a:r>
+              <a:rPr sz="1600" dirty="0">
+                <a:latin typeface="Courier"/>
+              </a:rPr>
+              <a:t> </a:t>
+            </a:r>
+            <a:r>
+              <a:rPr sz="1600" dirty="0">
+                <a:solidFill>
+                  <a:srgbClr val="06287E"/>
+                </a:solidFill>
+                <a:latin typeface="Courier"/>
+              </a:rPr>
+              <a:t>c</a:t>
+            </a:r>
+            <a:r>
+              <a:rPr sz="1600" dirty="0">
+                <a:latin typeface="Courier"/>
+              </a:rPr>
+              <a:t>(</a:t>
+            </a:r>
+            <a:r>
+              <a:rPr sz="1600" dirty="0">
+                <a:solidFill>
+                  <a:srgbClr val="40A070"/>
+                </a:solidFill>
+                <a:latin typeface="Courier"/>
+              </a:rPr>
+              <a:t>0</a:t>
+            </a:r>
+            <a:r>
+              <a:rPr sz="1600" dirty="0">
+                <a:latin typeface="Courier"/>
+              </a:rPr>
+              <a:t>, </a:t>
+            </a:r>
+            <a:r>
+              <a:rPr sz="1600" dirty="0">
+                <a:solidFill>
+                  <a:srgbClr val="40A070"/>
+                </a:solidFill>
+                <a:latin typeface="Courier"/>
+              </a:rPr>
+              <a:t>10</a:t>
+            </a:r>
+            <a:r>
+              <a:rPr sz="1600" dirty="0">
+                <a:latin typeface="Courier"/>
+              </a:rPr>
+              <a:t>,</a:t>
+            </a:r>
+            <a:r>
+              <a:rPr sz="1600" dirty="0">
+                <a:solidFill>
+                  <a:srgbClr val="40A070"/>
+                </a:solidFill>
+                <a:latin typeface="Courier"/>
+              </a:rPr>
+              <a:t>20</a:t>
+            </a:r>
+            <a:r>
+              <a:rPr sz="1600" dirty="0">
+                <a:latin typeface="Courier"/>
+              </a:rPr>
+              <a:t>), </a:t>
+            </a:r>
+            <a:r>
+              <a:rPr sz="1600" dirty="0" err="1">
+                <a:solidFill>
+                  <a:srgbClr val="7D9029"/>
+                </a:solidFill>
+                <a:latin typeface="Courier"/>
+              </a:rPr>
+              <a:t>text.size</a:t>
+            </a:r>
+            <a:r>
+              <a:rPr sz="1600" dirty="0">
+                <a:solidFill>
+                  <a:srgbClr val="7D9029"/>
+                </a:solidFill>
+                <a:latin typeface="Courier"/>
+              </a:rPr>
+              <a:t> =</a:t>
+            </a:r>
+            <a:r>
+              <a:rPr sz="1600" dirty="0">
+                <a:latin typeface="Courier"/>
+              </a:rPr>
+              <a:t> </a:t>
+            </a:r>
+            <a:r>
+              <a:rPr sz="1600" dirty="0">
+                <a:solidFill>
+                  <a:srgbClr val="40A070"/>
+                </a:solidFill>
+                <a:latin typeface="Courier"/>
+              </a:rPr>
+              <a:t>0.5</a:t>
+            </a:r>
+            <a:r>
+              <a:rPr sz="1600" dirty="0">
+                <a:latin typeface="Courier"/>
+              </a:rPr>
+              <a:t>, </a:t>
+            </a:r>
+            <a:r>
+              <a:rPr lang="en-US" sz="1600" dirty="0">
+                <a:latin typeface="Courier"/>
+              </a:rPr>
+              <a:t>							 </a:t>
+            </a:r>
+            <a:r>
+              <a:rPr sz="1600" dirty="0">
+                <a:solidFill>
+                  <a:srgbClr val="7D9029"/>
+                </a:solidFill>
+                <a:latin typeface="Courier"/>
+              </a:rPr>
+              <a:t>position=</a:t>
+            </a:r>
+            <a:r>
+              <a:rPr sz="1600" dirty="0">
+                <a:solidFill>
+                  <a:srgbClr val="06287E"/>
+                </a:solidFill>
+                <a:latin typeface="Courier"/>
+              </a:rPr>
+              <a:t>c</a:t>
+            </a:r>
+            <a:r>
+              <a:rPr sz="1600" dirty="0">
+                <a:latin typeface="Courier"/>
+              </a:rPr>
+              <a:t>(</a:t>
+            </a:r>
+            <a:r>
+              <a:rPr sz="1600" dirty="0">
+                <a:solidFill>
+                  <a:srgbClr val="4070A0"/>
+                </a:solidFill>
+                <a:latin typeface="Courier"/>
+              </a:rPr>
+              <a:t>"right"</a:t>
+            </a:r>
+            <a:r>
+              <a:rPr sz="1600" dirty="0">
+                <a:latin typeface="Courier"/>
+              </a:rPr>
+              <a:t>, </a:t>
+            </a:r>
+            <a:r>
+              <a:rPr sz="1600" dirty="0">
+                <a:solidFill>
+                  <a:srgbClr val="4070A0"/>
+                </a:solidFill>
+                <a:latin typeface="Courier"/>
+              </a:rPr>
+              <a:t>"bottom"</a:t>
+            </a:r>
+            <a:r>
+              <a:rPr sz="1600" dirty="0">
+                <a:latin typeface="Courier"/>
+              </a:rPr>
+              <a:t>))</a:t>
+            </a:r>
+            <a:r>
+              <a:rPr sz="1600" dirty="0">
+                <a:solidFill>
+                  <a:srgbClr val="4070A0"/>
+                </a:solidFill>
+                <a:latin typeface="Courier"/>
+              </a:rPr>
+              <a:t>+</a:t>
+            </a:r>
+            <a:br>
+              <a:rPr sz="1600" dirty="0"/>
+            </a:br>
+            <a:r>
+              <a:rPr sz="1600" dirty="0">
+                <a:latin typeface="Courier"/>
+              </a:rPr>
+              <a:t>  </a:t>
+            </a:r>
+            <a:r>
+              <a:rPr sz="1600" dirty="0" err="1">
+                <a:solidFill>
+                  <a:srgbClr val="06287E"/>
+                </a:solidFill>
+                <a:latin typeface="Courier"/>
+              </a:rPr>
+              <a:t>tm_compass</a:t>
+            </a:r>
+            <a:r>
+              <a:rPr sz="1600" dirty="0">
+                <a:latin typeface="Courier"/>
+              </a:rPr>
+              <a:t>(</a:t>
+            </a:r>
+            <a:r>
+              <a:rPr sz="1600" dirty="0">
+                <a:solidFill>
+                  <a:srgbClr val="7D9029"/>
+                </a:solidFill>
+                <a:latin typeface="Courier"/>
+              </a:rPr>
+              <a:t>type =</a:t>
+            </a:r>
+            <a:r>
+              <a:rPr sz="1600" dirty="0">
+                <a:latin typeface="Courier"/>
+              </a:rPr>
+              <a:t> </a:t>
+            </a:r>
+            <a:r>
+              <a:rPr sz="1600" dirty="0">
+                <a:solidFill>
+                  <a:srgbClr val="4070A0"/>
+                </a:solidFill>
+                <a:latin typeface="Courier"/>
+              </a:rPr>
+              <a:t>"4star"</a:t>
+            </a:r>
+            <a:r>
+              <a:rPr sz="1600" dirty="0">
+                <a:latin typeface="Courier"/>
+              </a:rPr>
+              <a:t>, </a:t>
+            </a:r>
+            <a:r>
+              <a:rPr sz="1600" dirty="0">
+                <a:solidFill>
+                  <a:srgbClr val="7D9029"/>
+                </a:solidFill>
+                <a:latin typeface="Courier"/>
+              </a:rPr>
+              <a:t>size =</a:t>
+            </a:r>
+            <a:r>
+              <a:rPr sz="1600" dirty="0">
+                <a:latin typeface="Courier"/>
+              </a:rPr>
+              <a:t> </a:t>
+            </a:r>
+            <a:r>
+              <a:rPr sz="1600" dirty="0">
+                <a:solidFill>
+                  <a:srgbClr val="40A070"/>
+                </a:solidFill>
+                <a:latin typeface="Courier"/>
+              </a:rPr>
+              <a:t>3</a:t>
+            </a:r>
+            <a:r>
+              <a:rPr sz="1600" dirty="0">
+                <a:latin typeface="Courier"/>
+              </a:rPr>
+              <a:t>, </a:t>
+            </a:r>
+            <a:r>
+              <a:rPr sz="1600" dirty="0">
+                <a:solidFill>
+                  <a:srgbClr val="7D9029"/>
+                </a:solidFill>
+                <a:latin typeface="Courier"/>
+              </a:rPr>
+              <a:t>position =</a:t>
+            </a:r>
+            <a:r>
+              <a:rPr sz="1600" dirty="0">
+                <a:latin typeface="Courier"/>
+              </a:rPr>
+              <a:t> </a:t>
+            </a:r>
+            <a:r>
+              <a:rPr sz="1600" dirty="0">
+                <a:solidFill>
+                  <a:srgbClr val="06287E"/>
+                </a:solidFill>
+                <a:latin typeface="Courier"/>
+              </a:rPr>
+              <a:t>c</a:t>
+            </a:r>
+            <a:r>
+              <a:rPr sz="1600" dirty="0">
+                <a:latin typeface="Courier"/>
+              </a:rPr>
+              <a:t>(</a:t>
+            </a:r>
+            <a:r>
+              <a:rPr sz="1600" dirty="0">
+                <a:solidFill>
+                  <a:srgbClr val="4070A0"/>
+                </a:solidFill>
+                <a:latin typeface="Courier"/>
+              </a:rPr>
+              <a:t>"right"</a:t>
+            </a:r>
+            <a:r>
+              <a:rPr sz="1600" dirty="0">
+                <a:latin typeface="Courier"/>
+              </a:rPr>
+              <a:t>, </a:t>
+            </a:r>
+            <a:r>
+              <a:rPr lang="en-US" sz="1600" dirty="0">
+                <a:latin typeface="Courier"/>
+              </a:rPr>
+              <a:t>								</a:t>
+            </a:r>
+            <a:r>
+              <a:rPr sz="1600" dirty="0">
+                <a:solidFill>
+                  <a:srgbClr val="4070A0"/>
+                </a:solidFill>
+                <a:latin typeface="Courier"/>
+              </a:rPr>
+              <a:t>"top"</a:t>
+            </a:r>
+            <a:r>
+              <a:rPr sz="1600" dirty="0">
+                <a:latin typeface="Courier"/>
+              </a:rPr>
+              <a:t>))</a:t>
+            </a:r>
+          </a:p>
+        </p:txBody>
+      </p:sp>
     </p:spTree>
   </p:cSld>
+  <p:clrMapOvr>
+    <a:masterClrMapping/>
+  </p:clrMapOvr>
 </p:sld>
 </file>
 
@@ -8681,265 +9697,4 @@
   </a:objectDefaults>
   <a:extraClrSchemeLst/>
 </a:theme>
-</file>
-
-<file path=ppt/theme/theme2.xml><?xml version="1.0" encoding="utf-8"?>
-<a:theme xmlns:a="http://schemas.openxmlformats.org/drawingml/2006/main" name="Office Theme">
-  <a:themeElements>
-    <a:clrScheme name="Office">
-      <a:dk1>
-        <a:sysClr val="windowText" lastClr="000000"/>
-      </a:dk1>
-      <a:lt1>
-        <a:sysClr val="window" lastClr="FFFFFF"/>
-      </a:lt1>
-      <a:dk2>
-        <a:srgbClr val="44546A"/>
-      </a:dk2>
-      <a:lt2>
-        <a:srgbClr val="E7E6E6"/>
-      </a:lt2>
-      <a:accent1>
-        <a:srgbClr val="5B9BD5"/>
-      </a:accent1>
-      <a:accent2>
-        <a:srgbClr val="ED7D31"/>
-      </a:accent2>
-      <a:accent3>
-        <a:srgbClr val="A5A5A5"/>
-      </a:accent3>
-      <a:accent4>
-        <a:srgbClr val="FFC000"/>
-      </a:accent4>
-      <a:accent5>
-        <a:srgbClr val="4472C4"/>
-      </a:accent5>
-      <a:accent6>
-        <a:srgbClr val="70AD47"/>
-      </a:accent6>
-      <a:hlink>
-        <a:srgbClr val="0563C1"/>
-      </a:hlink>
-      <a:folHlink>
-        <a:srgbClr val="954F72"/>
-      </a:folHlink>
-    </a:clrScheme>
-    <a:fontScheme name="Office">
-      <a:majorFont>
-        <a:latin typeface="Calibri Light" panose="020F0302020204030204"/>
-        <a:ea typeface=""/>
-        <a:cs typeface=""/>
-        <a:font script="Jpan" typeface="ＭＳ Ｐゴシック"/>
-        <a:font script="Hang" typeface="맑은 고딕"/>
-        <a:font script="Hans" typeface="宋体"/>
-        <a:font script="Hant" typeface="新細明體"/>
-        <a:font script="Arab" typeface="Times New Roman"/>
-        <a:font script="Hebr" typeface="Times New Roman"/>
-        <a:font script="Thai" typeface="Angsana New"/>
-        <a:font script="Ethi" typeface="Nyala"/>
-        <a:font script="Beng" typeface="Vrinda"/>
-        <a:font script="Gujr" typeface="Shruti"/>
-        <a:font script="Khmr" typeface="MoolBoran"/>
-        <a:font script="Knda" typeface="Tunga"/>
-        <a:font script="Guru" typeface="Raavi"/>
-        <a:font script="Cans" typeface="Euphemia"/>
-        <a:font script="Cher" typeface="Plantagenet Cherokee"/>
-        <a:font script="Yiii" typeface="Microsoft Yi Baiti"/>
-        <a:font script="Tibt" typeface="Microsoft Himalaya"/>
-        <a:font script="Thaa" typeface="MV Boli"/>
-        <a:font script="Deva" typeface="Mangal"/>
-        <a:font script="Telu" typeface="Gautami"/>
-        <a:font script="Taml" typeface="Latha"/>
-        <a:font script="Syrc" typeface="Estrangelo Edessa"/>
-        <a:font script="Orya" typeface="Kalinga"/>
-        <a:font script="Mlym" typeface="Kartika"/>
-        <a:font script="Laoo" typeface="DokChampa"/>
-        <a:font script="Sinh" typeface="Iskoola Pota"/>
-        <a:font script="Mong" typeface="Mongolian Baiti"/>
-        <a:font script="Viet" typeface="Times New Roman"/>
-        <a:font script="Uigh" typeface="Microsoft Uighur"/>
-        <a:font script="Geor" typeface="Sylfaen"/>
-      </a:majorFont>
-      <a:minorFont>
-        <a:latin typeface="Calibri" panose="020F0502020204030204"/>
-        <a:ea typeface=""/>
-        <a:cs typeface=""/>
-        <a:font script="Jpan" typeface="ＭＳ Ｐゴシック"/>
-        <a:font script="Hang" typeface="맑은 고딕"/>
-        <a:font script="Hans" typeface="宋体"/>
-        <a:font script="Hant" typeface="新細明體"/>
-        <a:font script="Arab" typeface="Arial"/>
-        <a:font script="Hebr" typeface="Arial"/>
-        <a:font script="Thai" typeface="Cordia New"/>
-        <a:font script="Ethi" typeface="Nyala"/>
-        <a:font script="Beng" typeface="Vrinda"/>
-        <a:font script="Gujr" typeface="Shruti"/>
-        <a:font script="Khmr" typeface="DaunPenh"/>
-        <a:font script="Knda" typeface="Tunga"/>
-        <a:font script="Guru" typeface="Raavi"/>
-        <a:font script="Cans" typeface="Euphemia"/>
-        <a:font script="Cher" typeface="Plantagenet Cherokee"/>
-        <a:font script="Yiii" typeface="Microsoft Yi Baiti"/>
-        <a:font script="Tibt" typeface="Microsoft Himalaya"/>
-        <a:font script="Thaa" typeface="MV Boli"/>
-        <a:font script="Deva" typeface="Mangal"/>
-        <a:font script="Telu" typeface="Gautami"/>
-        <a:font script="Taml" typeface="Latha"/>
-        <a:font script="Syrc" typeface="Estrangelo Edessa"/>
-        <a:font script="Orya" typeface="Kalinga"/>
-        <a:font script="Mlym" typeface="Kartika"/>
-        <a:font script="Laoo" typeface="DokChampa"/>
-        <a:font script="Sinh" typeface="Iskoola Pota"/>
-        <a:font script="Mong" typeface="Mongolian Baiti"/>
-        <a:font script="Viet" typeface="Arial"/>
-        <a:font script="Uigh" typeface="Microsoft Uighur"/>
-        <a:font script="Geor" typeface="Sylfaen"/>
-      </a:minorFont>
-    </a:fontScheme>
-    <a:fmtScheme name="Office">
-      <a:fillStyleLst>
-        <a:solidFill>
-          <a:schemeClr val="phClr"/>
-        </a:solidFill>
-        <a:gradFill rotWithShape="1">
-          <a:gsLst>
-            <a:gs pos="0">
-              <a:schemeClr val="phClr">
-                <a:lumMod val="110000"/>
-                <a:satMod val="105000"/>
-                <a:tint val="67000"/>
-              </a:schemeClr>
-            </a:gs>
-            <a:gs pos="50000">
-              <a:schemeClr val="phClr">
-                <a:lumMod val="105000"/>
-                <a:satMod val="103000"/>
-                <a:tint val="73000"/>
-              </a:schemeClr>
-            </a:gs>
-            <a:gs pos="100000">
-              <a:schemeClr val="phClr">
-                <a:lumMod val="105000"/>
-                <a:satMod val="109000"/>
-                <a:tint val="81000"/>
-              </a:schemeClr>
-            </a:gs>
-          </a:gsLst>
-          <a:lin ang="5400000" scaled="0"/>
-        </a:gradFill>
-        <a:gradFill rotWithShape="1">
-          <a:gsLst>
-            <a:gs pos="0">
-              <a:schemeClr val="phClr">
-                <a:satMod val="103000"/>
-                <a:lumMod val="102000"/>
-                <a:tint val="94000"/>
-              </a:schemeClr>
-            </a:gs>
-            <a:gs pos="50000">
-              <a:schemeClr val="phClr">
-                <a:satMod val="110000"/>
-                <a:lumMod val="100000"/>
-                <a:shade val="100000"/>
-              </a:schemeClr>
-            </a:gs>
-            <a:gs pos="100000">
-              <a:schemeClr val="phClr">
-                <a:lumMod val="99000"/>
-                <a:satMod val="120000"/>
-                <a:shade val="78000"/>
-              </a:schemeClr>
-            </a:gs>
-          </a:gsLst>
-          <a:lin ang="5400000" scaled="0"/>
-        </a:gradFill>
-      </a:fillStyleLst>
-      <a:lnStyleLst>
-        <a:ln w="6350" cap="flat" cmpd="sng" algn="ctr">
-          <a:solidFill>
-            <a:schemeClr val="phClr"/>
-          </a:solidFill>
-          <a:prstDash val="solid"/>
-          <a:miter lim="800000"/>
-        </a:ln>
-        <a:ln w="12700" cap="flat" cmpd="sng" algn="ctr">
-          <a:solidFill>
-            <a:schemeClr val="phClr"/>
-          </a:solidFill>
-          <a:prstDash val="solid"/>
-          <a:miter lim="800000"/>
-        </a:ln>
-        <a:ln w="19050" cap="flat" cmpd="sng" algn="ctr">
-          <a:solidFill>
-            <a:schemeClr val="phClr"/>
-          </a:solidFill>
-          <a:prstDash val="solid"/>
-          <a:miter lim="800000"/>
-        </a:ln>
-      </a:lnStyleLst>
-      <a:effectStyleLst>
-        <a:effectStyle>
-          <a:effectLst/>
-        </a:effectStyle>
-        <a:effectStyle>
-          <a:effectLst/>
-        </a:effectStyle>
-        <a:effectStyle>
-          <a:effectLst>
-            <a:outerShdw blurRad="57150" dist="19050" dir="5400000" algn="ctr" rotWithShape="0">
-              <a:srgbClr val="000000">
-                <a:alpha val="63000"/>
-              </a:srgbClr>
-            </a:outerShdw>
-          </a:effectLst>
-        </a:effectStyle>
-      </a:effectStyleLst>
-      <a:bgFillStyleLst>
-        <a:solidFill>
-          <a:schemeClr val="phClr"/>
-        </a:solidFill>
-        <a:solidFill>
-          <a:schemeClr val="phClr">
-            <a:tint val="95000"/>
-            <a:satMod val="170000"/>
-          </a:schemeClr>
-        </a:solidFill>
-        <a:gradFill rotWithShape="1">
-          <a:gsLst>
-            <a:gs pos="0">
-              <a:schemeClr val="phClr">
-                <a:tint val="93000"/>
-                <a:satMod val="150000"/>
-                <a:shade val="98000"/>
-                <a:lumMod val="102000"/>
-              </a:schemeClr>
-            </a:gs>
-            <a:gs pos="50000">
-              <a:schemeClr val="phClr">
-                <a:tint val="98000"/>
-                <a:satMod val="130000"/>
-                <a:shade val="90000"/>
-                <a:lumMod val="103000"/>
-              </a:schemeClr>
-            </a:gs>
-            <a:gs pos="100000">
-              <a:schemeClr val="phClr">
-                <a:shade val="63000"/>
-                <a:satMod val="120000"/>
-              </a:schemeClr>
-            </a:gs>
-          </a:gsLst>
-          <a:lin ang="5400000" scaled="0"/>
-        </a:gradFill>
-      </a:bgFillStyleLst>
-    </a:fmtScheme>
-  </a:themeElements>
-  <a:objectDefaults/>
-  <a:extraClrSchemeLst/>
-  <a:extLst>
-    <a:ext uri="{05A4C25C-085E-4340-85A3-A5531E510DB2}">
-      <thm15:themeFamily xmlns:thm15="http://schemas.microsoft.com/office/thememl/2012/main" name="Office Theme" id="{62F939B6-93AF-4DB8-9C6B-D6C7DFDC589F}" vid="{4A3C46E8-61CC-4603-A589-7422A47A8E4A}"/>
-    </a:ext>
-  </a:extLst>
-</a:theme>
 </file>